--- a/docx/Spendly.pptx
+++ b/docx/Spendly.pptx
@@ -6,9 +6,11 @@
   </p:sldMasterIdLst>
   <p:sldIdLst>
     <p:sldId id="256" r:id="rId2"/>
-    <p:sldId id="260" r:id="rId3"/>
-    <p:sldId id="261" r:id="rId4"/>
-    <p:sldId id="262" r:id="rId5"/>
+    <p:sldId id="259" r:id="rId3"/>
+    <p:sldId id="260" r:id="rId4"/>
+    <p:sldId id="261" r:id="rId5"/>
+    <p:sldId id="262" r:id="rId6"/>
+    <p:sldId id="264" r:id="rId7"/>
   </p:sldIdLst>
   <p:sldSz cx="12192000" cy="6858000"/>
   <p:notesSz cx="6858000" cy="9144000"/>
@@ -113,350 +115,6 @@
     </p:ext>
   </p:extLst>
 </p:presentation>
-</file>
-
-<file path=ppt/revisionInfo.xml><?xml version="1.0" encoding="utf-8"?>
-<p1510:revInfo xmlns:a="http://schemas.openxmlformats.org/drawingml/2006/main" xmlns:r="http://schemas.openxmlformats.org/officeDocument/2006/relationships" xmlns:p1510="http://schemas.microsoft.com/office/powerpoint/2015/10/main">
-  <p1510:revLst>
-    <p1510:client id="{501D0D71-A8DC-A6FC-C18A-1676C3FE1C78}" v="15" dt="2024-11-28T09:48:28.723"/>
-    <p1510:client id="{91A73895-4C32-35A8-2B91-773EA9C860EC}" v="230" dt="2024-11-28T09:44:45.413"/>
-  </p1510:revLst>
-</p1510:revInfo>
-</file>
-
-<file path=ppt/changesInfos/changesInfo1.xml><?xml version="1.0" encoding="utf-8"?>
-<pc:chgInfo xmlns:a="http://schemas.openxmlformats.org/drawingml/2006/main" xmlns:r="http://schemas.openxmlformats.org/officeDocument/2006/relationships" xmlns:ac="http://schemas.microsoft.com/office/drawing/2013/main/command" xmlns:pc="http://schemas.microsoft.com/office/powerpoint/2013/main/command">
-  <pc:docChgLst>
-    <pc:chgData name="Николай Евгеневич Калашник" userId="S::nekalashnik22@codingburgas.bg::977f8857-0781-448a-9e6b-f5d6df2989ab" providerId="AD" clId="Web-{501D0D71-A8DC-A6FC-C18A-1676C3FE1C78}"/>
-    <pc:docChg chg="modSld">
-      <pc:chgData name="Николай Евгеневич Калашник" userId="S::nekalashnik22@codingburgas.bg::977f8857-0781-448a-9e6b-f5d6df2989ab" providerId="AD" clId="Web-{501D0D71-A8DC-A6FC-C18A-1676C3FE1C78}" dt="2024-11-28T09:48:26.161" v="6" actId="20577"/>
-      <pc:docMkLst>
-        <pc:docMk/>
-      </pc:docMkLst>
-      <pc:sldChg chg="modSp">
-        <pc:chgData name="Николай Евгеневич Калашник" userId="S::nekalashnik22@codingburgas.bg::977f8857-0781-448a-9e6b-f5d6df2989ab" providerId="AD" clId="Web-{501D0D71-A8DC-A6FC-C18A-1676C3FE1C78}" dt="2024-11-28T09:48:26.161" v="6" actId="20577"/>
-        <pc:sldMkLst>
-          <pc:docMk/>
-          <pc:sldMk cId="1320610635" sldId="262"/>
-        </pc:sldMkLst>
-        <pc:spChg chg="mod">
-          <ac:chgData name="Николай Евгеневич Калашник" userId="S::nekalashnik22@codingburgas.bg::977f8857-0781-448a-9e6b-f5d6df2989ab" providerId="AD" clId="Web-{501D0D71-A8DC-A6FC-C18A-1676C3FE1C78}" dt="2024-11-28T09:48:26.161" v="6" actId="20577"/>
-          <ac:spMkLst>
-            <pc:docMk/>
-            <pc:sldMk cId="1320610635" sldId="262"/>
-            <ac:spMk id="18" creationId="{3E2D3532-A12B-491B-9061-2161ECFE2798}"/>
-          </ac:spMkLst>
-        </pc:spChg>
-      </pc:sldChg>
-    </pc:docChg>
-  </pc:docChgLst>
-  <pc:docChgLst>
-    <pc:chgData name="Николай Евгеневич Калашник" userId="S::nekalashnik22@codingburgas.bg::977f8857-0781-448a-9e6b-f5d6df2989ab" providerId="AD" clId="Web-{91A73895-4C32-35A8-2B91-773EA9C860EC}"/>
-    <pc:docChg chg="delSld modSld">
-      <pc:chgData name="Николай Евгеневич Калашник" userId="S::nekalashnik22@codingburgas.bg::977f8857-0781-448a-9e6b-f5d6df2989ab" providerId="AD" clId="Web-{91A73895-4C32-35A8-2B91-773EA9C860EC}" dt="2024-11-28T09:44:45.413" v="215"/>
-      <pc:docMkLst>
-        <pc:docMk/>
-      </pc:docMkLst>
-      <pc:sldChg chg="modSp">
-        <pc:chgData name="Николай Евгеневич Калашник" userId="S::nekalashnik22@codingburgas.bg::977f8857-0781-448a-9e6b-f5d6df2989ab" providerId="AD" clId="Web-{91A73895-4C32-35A8-2B91-773EA9C860EC}" dt="2024-11-28T09:26:49.392" v="19" actId="20577"/>
-        <pc:sldMkLst>
-          <pc:docMk/>
-          <pc:sldMk cId="2573309088" sldId="256"/>
-        </pc:sldMkLst>
-        <pc:spChg chg="mod">
-          <ac:chgData name="Николай Евгеневич Калашник" userId="S::nekalashnik22@codingburgas.bg::977f8857-0781-448a-9e6b-f5d6df2989ab" providerId="AD" clId="Web-{91A73895-4C32-35A8-2B91-773EA9C860EC}" dt="2024-11-28T09:26:49.392" v="19" actId="20577"/>
-          <ac:spMkLst>
-            <pc:docMk/>
-            <pc:sldMk cId="2573309088" sldId="256"/>
-            <ac:spMk id="3" creationId="{006ABEF0-3A1F-43FD-BBC2-F83E6CC49E6B}"/>
-          </ac:spMkLst>
-        </pc:spChg>
-      </pc:sldChg>
-      <pc:sldChg chg="del">
-        <pc:chgData name="Николай Евгеневич Калашник" userId="S::nekalashnik22@codingburgas.bg::977f8857-0781-448a-9e6b-f5d6df2989ab" providerId="AD" clId="Web-{91A73895-4C32-35A8-2B91-773EA9C860EC}" dt="2024-11-28T09:27:43.908" v="20"/>
-        <pc:sldMkLst>
-          <pc:docMk/>
-          <pc:sldMk cId="624059728" sldId="259"/>
-        </pc:sldMkLst>
-      </pc:sldChg>
-      <pc:sldChg chg="modSp">
-        <pc:chgData name="Николай Евгеневич Калашник" userId="S::nekalashnik22@codingburgas.bg::977f8857-0781-448a-9e6b-f5d6df2989ab" providerId="AD" clId="Web-{91A73895-4C32-35A8-2B91-773EA9C860EC}" dt="2024-11-28T09:39:24.391" v="169" actId="1076"/>
-        <pc:sldMkLst>
-          <pc:docMk/>
-          <pc:sldMk cId="1135668389" sldId="260"/>
-        </pc:sldMkLst>
-        <pc:spChg chg="mod">
-          <ac:chgData name="Николай Евгеневич Калашник" userId="S::nekalashnik22@codingburgas.bg::977f8857-0781-448a-9e6b-f5d6df2989ab" providerId="AD" clId="Web-{91A73895-4C32-35A8-2B91-773EA9C860EC}" dt="2024-11-28T09:30:01.270" v="46" actId="20577"/>
-          <ac:spMkLst>
-            <pc:docMk/>
-            <pc:sldMk cId="1135668389" sldId="260"/>
-            <ac:spMk id="9" creationId="{DBE1895B-E1FB-4BD0-A0BB-363B88525B8C}"/>
-          </ac:spMkLst>
-        </pc:spChg>
-        <pc:spChg chg="mod">
-          <ac:chgData name="Николай Евгеневич Калашник" userId="S::nekalashnik22@codingburgas.bg::977f8857-0781-448a-9e6b-f5d6df2989ab" providerId="AD" clId="Web-{91A73895-4C32-35A8-2B91-773EA9C860EC}" dt="2024-11-28T09:39:24.391" v="169" actId="1076"/>
-          <ac:spMkLst>
-            <pc:docMk/>
-            <pc:sldMk cId="1135668389" sldId="260"/>
-            <ac:spMk id="18" creationId="{3E2D3532-A12B-491B-9061-2161ECFE2798}"/>
-          </ac:spMkLst>
-        </pc:spChg>
-        <pc:spChg chg="mod">
-          <ac:chgData name="Николай Евгеневич Калашник" userId="S::nekalashnik22@codingburgas.bg::977f8857-0781-448a-9e6b-f5d6df2989ab" providerId="AD" clId="Web-{91A73895-4C32-35A8-2B91-773EA9C860EC}" dt="2024-11-28T09:27:54.096" v="22" actId="20577"/>
-          <ac:spMkLst>
-            <pc:docMk/>
-            <pc:sldMk cId="1135668389" sldId="260"/>
-            <ac:spMk id="26" creationId="{CF5054C9-DF20-439E-80A3-BE693A160A50}"/>
-          </ac:spMkLst>
-        </pc:spChg>
-      </pc:sldChg>
-      <pc:sldChg chg="addSp delSp modSp">
-        <pc:chgData name="Николай Евгеневич Калашник" userId="S::nekalashnik22@codingburgas.bg::977f8857-0781-448a-9e6b-f5d6df2989ab" providerId="AD" clId="Web-{91A73895-4C32-35A8-2B91-773EA9C860EC}" dt="2024-11-28T09:37:50.358" v="164" actId="20577"/>
-        <pc:sldMkLst>
-          <pc:docMk/>
-          <pc:sldMk cId="3534198060" sldId="261"/>
-        </pc:sldMkLst>
-        <pc:spChg chg="mod">
-          <ac:chgData name="Николай Евгеневич Калашник" userId="S::nekalashnik22@codingburgas.bg::977f8857-0781-448a-9e6b-f5d6df2989ab" providerId="AD" clId="Web-{91A73895-4C32-35A8-2B91-773EA9C860EC}" dt="2024-11-28T09:37:50.358" v="164" actId="20577"/>
-          <ac:spMkLst>
-            <pc:docMk/>
-            <pc:sldMk cId="3534198060" sldId="261"/>
-            <ac:spMk id="9" creationId="{DBE1895B-E1FB-4BD0-A0BB-363B88525B8C}"/>
-          </ac:spMkLst>
-        </pc:spChg>
-        <pc:spChg chg="topLvl">
-          <ac:chgData name="Николай Евгеневич Калашник" userId="S::nekalashnik22@codingburgas.bg::977f8857-0781-448a-9e6b-f5d6df2989ab" providerId="AD" clId="Web-{91A73895-4C32-35A8-2B91-773EA9C860EC}" dt="2024-11-28T09:33:09.383" v="109"/>
-          <ac:spMkLst>
-            <pc:docMk/>
-            <pc:sldMk cId="3534198060" sldId="261"/>
-            <ac:spMk id="23" creationId="{56E5864D-D3A7-4536-817B-AF308EA605F5}"/>
-          </ac:spMkLst>
-        </pc:spChg>
-        <pc:spChg chg="topLvl">
-          <ac:chgData name="Николай Евгеневич Калашник" userId="S::nekalashnik22@codingburgas.bg::977f8857-0781-448a-9e6b-f5d6df2989ab" providerId="AD" clId="Web-{91A73895-4C32-35A8-2B91-773EA9C860EC}" dt="2024-11-28T09:35:59.496" v="134"/>
-          <ac:spMkLst>
-            <pc:docMk/>
-            <pc:sldMk cId="3534198060" sldId="261"/>
-            <ac:spMk id="37" creationId="{96844ABE-32A3-40AB-8A03-1C57212FD6FD}"/>
-          </ac:spMkLst>
-        </pc:spChg>
-        <pc:spChg chg="topLvl">
-          <ac:chgData name="Николай Евгеневич Калашник" userId="S::nekalashnik22@codingburgas.bg::977f8857-0781-448a-9e6b-f5d6df2989ab" providerId="AD" clId="Web-{91A73895-4C32-35A8-2B91-773EA9C860EC}" dt="2024-11-28T09:34:33.885" v="122"/>
-          <ac:spMkLst>
-            <pc:docMk/>
-            <pc:sldMk cId="3534198060" sldId="261"/>
-            <ac:spMk id="43" creationId="{93EB9877-E286-4C3B-801D-4F68751FC94D}"/>
-          </ac:spMkLst>
-        </pc:spChg>
-        <pc:grpChg chg="del">
-          <ac:chgData name="Николай Евгеневич Калашник" userId="S::nekalashnik22@codingburgas.bg::977f8857-0781-448a-9e6b-f5d6df2989ab" providerId="AD" clId="Web-{91A73895-4C32-35A8-2B91-773EA9C860EC}" dt="2024-11-28T09:31:07.772" v="80"/>
-          <ac:grpSpMkLst>
-            <pc:docMk/>
-            <pc:sldMk cId="3534198060" sldId="261"/>
-            <ac:grpSpMk id="3" creationId="{181CF4A2-CE6A-45EE-870E-8E231E437A0D}"/>
-          </ac:grpSpMkLst>
-        </pc:grpChg>
-        <pc:grpChg chg="add del mod">
-          <ac:chgData name="Николай Евгеневич Калашник" userId="S::nekalashnik22@codingburgas.bg::977f8857-0781-448a-9e6b-f5d6df2989ab" providerId="AD" clId="Web-{91A73895-4C32-35A8-2B91-773EA9C860EC}" dt="2024-11-28T09:33:09.383" v="109"/>
-          <ac:grpSpMkLst>
-            <pc:docMk/>
-            <pc:sldMk cId="3534198060" sldId="261"/>
-            <ac:grpSpMk id="22" creationId="{0607B859-C1F6-4E35-A923-A614D36C2EC7}"/>
-          </ac:grpSpMkLst>
-        </pc:grpChg>
-        <pc:grpChg chg="mod">
-          <ac:chgData name="Николай Евгеневич Калашник" userId="S::nekalashnik22@codingburgas.bg::977f8857-0781-448a-9e6b-f5d6df2989ab" providerId="AD" clId="Web-{91A73895-4C32-35A8-2B91-773EA9C860EC}" dt="2024-11-28T09:32:12.898" v="97" actId="1076"/>
-          <ac:grpSpMkLst>
-            <pc:docMk/>
-            <pc:sldMk cId="3534198060" sldId="261"/>
-            <ac:grpSpMk id="25" creationId="{48C5A0EE-B526-40AF-907B-DBEB577574FA}"/>
-          </ac:grpSpMkLst>
-        </pc:grpChg>
-        <pc:grpChg chg="mod">
-          <ac:chgData name="Николай Евгеневич Калашник" userId="S::nekalashnik22@codingburgas.bg::977f8857-0781-448a-9e6b-f5d6df2989ab" providerId="AD" clId="Web-{91A73895-4C32-35A8-2B91-773EA9C860EC}" dt="2024-11-28T09:32:12.929" v="98" actId="1076"/>
-          <ac:grpSpMkLst>
-            <pc:docMk/>
-            <pc:sldMk cId="3534198060" sldId="261"/>
-            <ac:grpSpMk id="30" creationId="{21F01AD0-B392-4147-B1C7-908AE36CF23F}"/>
-          </ac:grpSpMkLst>
-        </pc:grpChg>
-        <pc:grpChg chg="mod">
-          <ac:chgData name="Николай Евгеневич Калашник" userId="S::nekalashnik22@codingburgas.bg::977f8857-0781-448a-9e6b-f5d6df2989ab" providerId="AD" clId="Web-{91A73895-4C32-35A8-2B91-773EA9C860EC}" dt="2024-11-28T09:32:13.007" v="99" actId="1076"/>
-          <ac:grpSpMkLst>
-            <pc:docMk/>
-            <pc:sldMk cId="3534198060" sldId="261"/>
-            <ac:grpSpMk id="33" creationId="{40D0B83A-8075-460C-8E0E-A824E6977DDB}"/>
-          </ac:grpSpMkLst>
-        </pc:grpChg>
-        <pc:grpChg chg="del mod">
-          <ac:chgData name="Николай Евгеневич Калашник" userId="S::nekalashnik22@codingburgas.bg::977f8857-0781-448a-9e6b-f5d6df2989ab" providerId="AD" clId="Web-{91A73895-4C32-35A8-2B91-773EA9C860EC}" dt="2024-11-28T09:35:59.496" v="134"/>
-          <ac:grpSpMkLst>
-            <pc:docMk/>
-            <pc:sldMk cId="3534198060" sldId="261"/>
-            <ac:grpSpMk id="36" creationId="{73C8B1EE-F70F-4C4D-8069-56B3072F5684}"/>
-          </ac:grpSpMkLst>
-        </pc:grpChg>
-        <pc:grpChg chg="del mod">
-          <ac:chgData name="Николай Евгеневич Калашник" userId="S::nekalashnik22@codingburgas.bg::977f8857-0781-448a-9e6b-f5d6df2989ab" providerId="AD" clId="Web-{91A73895-4C32-35A8-2B91-773EA9C860EC}" dt="2024-11-28T09:34:33.885" v="122"/>
-          <ac:grpSpMkLst>
-            <pc:docMk/>
-            <pc:sldMk cId="3534198060" sldId="261"/>
-            <ac:grpSpMk id="42" creationId="{68781875-A844-4964-9907-CD1CFA0F560B}"/>
-          </ac:grpSpMkLst>
-        </pc:grpChg>
-        <pc:grpChg chg="mod">
-          <ac:chgData name="Николай Евгеневич Калашник" userId="S::nekalashnik22@codingburgas.bg::977f8857-0781-448a-9e6b-f5d6df2989ab" providerId="AD" clId="Web-{91A73895-4C32-35A8-2B91-773EA9C860EC}" dt="2024-11-28T09:32:13.101" v="102" actId="1076"/>
-          <ac:grpSpMkLst>
-            <pc:docMk/>
-            <pc:sldMk cId="3534198060" sldId="261"/>
-            <ac:grpSpMk id="45" creationId="{49409053-552A-4CAD-8E82-2A92BDB977F6}"/>
-          </ac:grpSpMkLst>
-        </pc:grpChg>
-        <pc:grpChg chg="del">
-          <ac:chgData name="Николай Евгеневич Калашник" userId="S::nekalashnik22@codingburgas.bg::977f8857-0781-448a-9e6b-f5d6df2989ab" providerId="AD" clId="Web-{91A73895-4C32-35A8-2B91-773EA9C860EC}" dt="2024-11-28T09:31:04.053" v="79"/>
-          <ac:grpSpMkLst>
-            <pc:docMk/>
-            <pc:sldMk cId="3534198060" sldId="261"/>
-            <ac:grpSpMk id="48" creationId="{F6761E66-F783-4225-ACD8-9FE89A0B4310}"/>
-          </ac:grpSpMkLst>
-        </pc:grpChg>
-        <pc:grpChg chg="mod">
-          <ac:chgData name="Николай Евгеневич Калашник" userId="S::nekalashnik22@codingburgas.bg::977f8857-0781-448a-9e6b-f5d6df2989ab" providerId="AD" clId="Web-{91A73895-4C32-35A8-2B91-773EA9C860EC}" dt="2024-11-28T09:32:13.132" v="103" actId="1076"/>
-          <ac:grpSpMkLst>
-            <pc:docMk/>
-            <pc:sldMk cId="3534198060" sldId="261"/>
-            <ac:grpSpMk id="51" creationId="{84BC8247-C6B1-4F58-B055-C1BC75F9EBF7}"/>
-          </ac:grpSpMkLst>
-        </pc:grpChg>
-        <pc:grpChg chg="mod">
-          <ac:chgData name="Николай Евгеневич Калашник" userId="S::nekalashnik22@codingburgas.bg::977f8857-0781-448a-9e6b-f5d6df2989ab" providerId="AD" clId="Web-{91A73895-4C32-35A8-2B91-773EA9C860EC}" dt="2024-11-28T09:32:13.148" v="104" actId="1076"/>
-          <ac:grpSpMkLst>
-            <pc:docMk/>
-            <pc:sldMk cId="3534198060" sldId="261"/>
-            <ac:grpSpMk id="54" creationId="{11D4A486-CE43-4A8C-972F-785EC4591C51}"/>
-          </ac:grpSpMkLst>
-        </pc:grpChg>
-        <pc:grpChg chg="add del mod">
-          <ac:chgData name="Николай Евгеневич Калашник" userId="S::nekalashnik22@codingburgas.bg::977f8857-0781-448a-9e6b-f5d6df2989ab" providerId="AD" clId="Web-{91A73895-4C32-35A8-2B91-773EA9C860EC}" dt="2024-11-28T09:31:11.084" v="81"/>
-          <ac:grpSpMkLst>
-            <pc:docMk/>
-            <pc:sldMk cId="3534198060" sldId="261"/>
-            <ac:grpSpMk id="57" creationId="{A7121A35-D924-4C0A-B0D9-963F73B1B870}"/>
-          </ac:grpSpMkLst>
-        </pc:grpChg>
-        <pc:picChg chg="mod">
-          <ac:chgData name="Николай Евгеневич Калашник" userId="S::nekalashnik22@codingburgas.bg::977f8857-0781-448a-9e6b-f5d6df2989ab" providerId="AD" clId="Web-{91A73895-4C32-35A8-2B91-773EA9C860EC}" dt="2024-11-28T09:31:52.616" v="95" actId="1076"/>
-          <ac:picMkLst>
-            <pc:docMk/>
-            <pc:sldMk cId="3534198060" sldId="261"/>
-            <ac:picMk id="4" creationId="{F9FA9B99-B633-4D15-95F4-2DC9743D9A79}"/>
-          </ac:picMkLst>
-        </pc:picChg>
-        <pc:picChg chg="add del mod">
-          <ac:chgData name="Николай Евгеневич Калашник" userId="S::nekalashnik22@codingburgas.bg::977f8857-0781-448a-9e6b-f5d6df2989ab" providerId="AD" clId="Web-{91A73895-4C32-35A8-2B91-773EA9C860EC}" dt="2024-11-28T09:32:55.211" v="107"/>
-          <ac:picMkLst>
-            <pc:docMk/>
-            <pc:sldMk cId="3534198060" sldId="261"/>
-            <ac:picMk id="5" creationId="{B13DA773-70A6-6957-3589-D701C3406091}"/>
-          </ac:picMkLst>
-        </pc:picChg>
-        <pc:picChg chg="add mod">
-          <ac:chgData name="Николай Евгеневич Калашник" userId="S::nekalashnik22@codingburgas.bg::977f8857-0781-448a-9e6b-f5d6df2989ab" providerId="AD" clId="Web-{91A73895-4C32-35A8-2B91-773EA9C860EC}" dt="2024-11-28T09:35:19.417" v="133" actId="14100"/>
-          <ac:picMkLst>
-            <pc:docMk/>
-            <pc:sldMk cId="3534198060" sldId="261"/>
-            <ac:picMk id="6" creationId="{460C1352-D84F-51FD-A804-185F524B45C9}"/>
-          </ac:picMkLst>
-        </pc:picChg>
-        <pc:picChg chg="add mod">
-          <ac:chgData name="Николай Евгеневич Калашник" userId="S::nekalashnik22@codingburgas.bg::977f8857-0781-448a-9e6b-f5d6df2989ab" providerId="AD" clId="Web-{91A73895-4C32-35A8-2B91-773EA9C860EC}" dt="2024-11-28T09:36:30.262" v="141" actId="1076"/>
-          <ac:picMkLst>
-            <pc:docMk/>
-            <pc:sldMk cId="3534198060" sldId="261"/>
-            <ac:picMk id="7" creationId="{05F030E5-B0B3-F906-C536-24DFD67F4A6A}"/>
-          </ac:picMkLst>
-        </pc:picChg>
-        <pc:picChg chg="add mod">
-          <ac:chgData name="Николай Евгеневич Калашник" userId="S::nekalashnik22@codingburgas.bg::977f8857-0781-448a-9e6b-f5d6df2989ab" providerId="AD" clId="Web-{91A73895-4C32-35A8-2B91-773EA9C860EC}" dt="2024-11-28T09:36:20.731" v="140" actId="1076"/>
-          <ac:picMkLst>
-            <pc:docMk/>
-            <pc:sldMk cId="3534198060" sldId="261"/>
-            <ac:picMk id="8" creationId="{661FCBD2-4522-0152-DC64-1D9CE2744DDD}"/>
-          </ac:picMkLst>
-        </pc:picChg>
-        <pc:picChg chg="del topLvl">
-          <ac:chgData name="Николай Евгеневич Калашник" userId="S::nekalashnik22@codingburgas.bg::977f8857-0781-448a-9e6b-f5d6df2989ab" providerId="AD" clId="Web-{91A73895-4C32-35A8-2B91-773EA9C860EC}" dt="2024-11-28T09:33:13.008" v="110"/>
-          <ac:picMkLst>
-            <pc:docMk/>
-            <pc:sldMk cId="3534198060" sldId="261"/>
-            <ac:picMk id="24" creationId="{B220C4A8-5945-461A-90EA-70BAE0589C0C}"/>
-          </ac:picMkLst>
-        </pc:picChg>
-        <pc:picChg chg="del topLvl">
-          <ac:chgData name="Николай Евгеневич Калашник" userId="S::nekalashnik22@codingburgas.bg::977f8857-0781-448a-9e6b-f5d6df2989ab" providerId="AD" clId="Web-{91A73895-4C32-35A8-2B91-773EA9C860EC}" dt="2024-11-28T09:36:03.293" v="135"/>
-          <ac:picMkLst>
-            <pc:docMk/>
-            <pc:sldMk cId="3534198060" sldId="261"/>
-            <ac:picMk id="38" creationId="{B5D283B5-8C2D-45ED-997A-111FEFA2CF84}"/>
-          </ac:picMkLst>
-        </pc:picChg>
-        <pc:picChg chg="del topLvl">
-          <ac:chgData name="Николай Евгеневич Калашник" userId="S::nekalashnik22@codingburgas.bg::977f8857-0781-448a-9e6b-f5d6df2989ab" providerId="AD" clId="Web-{91A73895-4C32-35A8-2B91-773EA9C860EC}" dt="2024-11-28T09:34:38.963" v="123"/>
-          <ac:picMkLst>
-            <pc:docMk/>
-            <pc:sldMk cId="3534198060" sldId="261"/>
-            <ac:picMk id="44" creationId="{FA9CDBF2-44CA-43DC-93A2-268D0C32E697}"/>
-          </ac:picMkLst>
-        </pc:picChg>
-      </pc:sldChg>
-      <pc:sldChg chg="modSp">
-        <pc:chgData name="Николай Евгеневич Калашник" userId="S::nekalashnik22@codingburgas.bg::977f8857-0781-448a-9e6b-f5d6df2989ab" providerId="AD" clId="Web-{91A73895-4C32-35A8-2B91-773EA9C860EC}" dt="2024-11-28T09:41:08.190" v="179" actId="20577"/>
-        <pc:sldMkLst>
-          <pc:docMk/>
-          <pc:sldMk cId="1320610635" sldId="262"/>
-        </pc:sldMkLst>
-        <pc:spChg chg="mod">
-          <ac:chgData name="Николай Евгеневич Калашник" userId="S::nekalashnik22@codingburgas.bg::977f8857-0781-448a-9e6b-f5d6df2989ab" providerId="AD" clId="Web-{91A73895-4C32-35A8-2B91-773EA9C860EC}" dt="2024-11-28T09:41:08.190" v="179" actId="20577"/>
-          <ac:spMkLst>
-            <pc:docMk/>
-            <pc:sldMk cId="1320610635" sldId="262"/>
-            <ac:spMk id="9" creationId="{DBE1895B-E1FB-4BD0-A0BB-363B88525B8C}"/>
-          </ac:spMkLst>
-        </pc:spChg>
-        <pc:spChg chg="mod">
-          <ac:chgData name="Николай Евгеневич Калашник" userId="S::nekalashnik22@codingburgas.bg::977f8857-0781-448a-9e6b-f5d6df2989ab" providerId="AD" clId="Web-{91A73895-4C32-35A8-2B91-773EA9C860EC}" dt="2024-11-28T09:40:57.268" v="174" actId="20577"/>
-          <ac:spMkLst>
-            <pc:docMk/>
-            <pc:sldMk cId="1320610635" sldId="262"/>
-            <ac:spMk id="18" creationId="{3E2D3532-A12B-491B-9061-2161ECFE2798}"/>
-          </ac:spMkLst>
-        </pc:spChg>
-      </pc:sldChg>
-      <pc:sldChg chg="del">
-        <pc:chgData name="Николай Евгеневич Калашник" userId="S::nekalashnik22@codingburgas.bg::977f8857-0781-448a-9e6b-f5d6df2989ab" providerId="AD" clId="Web-{91A73895-4C32-35A8-2B91-773EA9C860EC}" dt="2024-11-28T09:27:48.440" v="21"/>
-        <pc:sldMkLst>
-          <pc:docMk/>
-          <pc:sldMk cId="26453463" sldId="263"/>
-        </pc:sldMkLst>
-      </pc:sldChg>
-      <pc:sldChg chg="modSp del">
-        <pc:chgData name="Николай Евгеневич Калашник" userId="S::nekalashnik22@codingburgas.bg::977f8857-0781-448a-9e6b-f5d6df2989ab" providerId="AD" clId="Web-{91A73895-4C32-35A8-2B91-773EA9C860EC}" dt="2024-11-28T09:44:45.413" v="215"/>
-        <pc:sldMkLst>
-          <pc:docMk/>
-          <pc:sldMk cId="1943366381" sldId="264"/>
-        </pc:sldMkLst>
-        <pc:spChg chg="mod">
-          <ac:chgData name="Николай Евгеневич Калашник" userId="S::nekalashnik22@codingburgas.bg::977f8857-0781-448a-9e6b-f5d6df2989ab" providerId="AD" clId="Web-{91A73895-4C32-35A8-2B91-773EA9C860EC}" dt="2024-11-28T09:44:28.522" v="214" actId="20577"/>
-          <ac:spMkLst>
-            <pc:docMk/>
-            <pc:sldMk cId="1943366381" sldId="264"/>
-            <ac:spMk id="21" creationId="{7FDD3814-5F4A-43C6-A2C6-8E6CFFE4FBF4}"/>
-          </ac:spMkLst>
-        </pc:spChg>
-      </pc:sldChg>
-    </pc:docChg>
-  </pc:docChgLst>
-</pc:chgInfo>
 </file>
 
 <file path=ppt/slideLayouts/slideLayout1.xml><?xml version="1.0" encoding="utf-8"?>
@@ -3801,21 +3459,19 @@
           </a:xfrm>
         </p:spPr>
         <p:txBody>
-          <a:bodyPr vert="horz" lIns="91440" tIns="45720" rIns="91440" bIns="45720" rtlCol="0" anchor="t">
-            <a:normAutofit/>
-          </a:bodyPr>
+          <a:bodyPr/>
           <a:lstStyle/>
           <a:p>
             <a:r>
-              <a:rPr lang="en-US" dirty="0">
+              <a:rPr lang="ru-RU" dirty="0">
                 <a:solidFill>
                   <a:schemeClr val="bg2">
                     <a:lumMod val="90000"/>
                   </a:schemeClr>
                 </a:solidFill>
-                <a:latin typeface="Montserrat Light"/>
+                <a:latin typeface="Montserrat Light" panose="00000400000000000000" pitchFamily="2" charset="-52"/>
               </a:rPr>
-              <a:t>Boris Milev and Nikolai Kalashnik</a:t>
+              <a:t>Борис Милев и Николай Калашник</a:t>
             </a:r>
             <a:endParaRPr lang="bg-BG" dirty="0">
               <a:solidFill>
@@ -3823,7 +3479,7 @@
                   <a:lumMod val="90000"/>
                 </a:schemeClr>
               </a:solidFill>
-              <a:latin typeface="Montserrat Light"/>
+              <a:latin typeface="Montserrat Light" panose="00000400000000000000" pitchFamily="2" charset="-52"/>
             </a:endParaRPr>
           </a:p>
         </p:txBody>
@@ -3960,8 +3616,8 @@
         </p:nvSpPr>
         <p:spPr>
           <a:xfrm>
-            <a:off x="1234440" y="1"/>
-            <a:ext cx="9749419" cy="1310638"/>
+            <a:off x="1222742" y="-18624"/>
+            <a:ext cx="9743180" cy="1318254"/>
           </a:xfrm>
         </p:spPr>
         <p:txBody>
@@ -3970,39 +3626,17 @@
           <a:p>
             <a:pPr algn="ctr"/>
             <a:r>
-              <a:rPr lang="en-US" dirty="0" err="1">
+              <a:rPr lang="ru-RU" dirty="0">
                 <a:solidFill>
                   <a:schemeClr val="bg2">
                     <a:lumMod val="90000"/>
                   </a:schemeClr>
                 </a:solidFill>
-                <a:latin typeface="Montserrat Black"/>
+                <a:latin typeface="Montserrat Black" panose="00000A00000000000000" pitchFamily="2" charset="-52"/>
               </a:rPr>
-              <a:t>Целта</a:t>
-            </a:r>
-            <a:r>
-              <a:rPr lang="en-US" dirty="0">
-                <a:solidFill>
-                  <a:schemeClr val="bg2">
-                    <a:lumMod val="90000"/>
-                  </a:schemeClr>
-                </a:solidFill>
-                <a:latin typeface="Montserrat Black"/>
-              </a:rPr>
-              <a:t> </a:t>
-            </a:r>
-            <a:r>
-              <a:rPr lang="en-US" dirty="0" err="1">
-                <a:solidFill>
-                  <a:schemeClr val="bg2">
-                    <a:lumMod val="90000"/>
-                  </a:schemeClr>
-                </a:solidFill>
-                <a:latin typeface="Montserrat Black"/>
-              </a:rPr>
-              <a:t>ни</a:t>
-            </a:r>
-            <a:endParaRPr lang="en-US" dirty="0" err="1">
+              <a:t>АВТОРИ</a:t>
+            </a:r>
+            <a:endParaRPr lang="bg-BG" dirty="0">
               <a:solidFill>
                 <a:schemeClr val="bg2">
                   <a:lumMod val="90000"/>
@@ -4091,10 +3725,10 @@
       </p:cxnSp>
       <p:sp>
         <p:nvSpPr>
-          <p:cNvPr id="26" name="Google Shape;527;p36">
-            <a:extLst>
-              <a:ext uri="{FF2B5EF4-FFF2-40B4-BE49-F238E27FC236}">
-                <a16:creationId xmlns:a16="http://schemas.microsoft.com/office/drawing/2014/main" id="{CF5054C9-DF20-439E-80A3-BE693A160A50}"/>
+          <p:cNvPr id="27" name="Title 1">
+            <a:extLst>
+              <a:ext uri="{FF2B5EF4-FFF2-40B4-BE49-F238E27FC236}">
+                <a16:creationId xmlns:a16="http://schemas.microsoft.com/office/drawing/2014/main" id="{B0792621-F964-48D8-87E0-46E64D1061BA}"/>
               </a:ext>
             </a:extLst>
           </p:cNvPr>
@@ -4104,8 +3738,430 @@
           <p:nvPr/>
         </p:nvSpPr>
         <p:spPr>
-          <a:xfrm>
-            <a:off x="6240" y="433273"/>
+          <a:xfrm rot="16200000">
+            <a:off x="-1689647" y="3007908"/>
+            <a:ext cx="4613737" cy="1234439"/>
+          </a:xfrm>
+          <a:prstGeom prst="rect">
+            <a:avLst/>
+          </a:prstGeom>
+        </p:spPr>
+        <p:txBody>
+          <a:bodyPr vert="wordArtVert" lIns="91440" tIns="45720" rIns="91440" bIns="45720" rtlCol="0" anchor="ctr">
+            <a:normAutofit/>
+          </a:bodyPr>
+          <a:lstStyle>
+            <a:lvl1pPr algn="l" defTabSz="914400" rtl="0" eaLnBrk="1" latinLnBrk="0" hangingPunct="1">
+              <a:lnSpc>
+                <a:spcPct val="90000"/>
+              </a:lnSpc>
+              <a:spcBef>
+                <a:spcPct val="0"/>
+              </a:spcBef>
+              <a:buNone/>
+              <a:defRPr sz="4400" kern="1200">
+                <a:solidFill>
+                  <a:schemeClr val="tx1"/>
+                </a:solidFill>
+                <a:latin typeface="+mj-lt"/>
+                <a:ea typeface="+mj-ea"/>
+                <a:cs typeface="+mj-cs"/>
+              </a:defRPr>
+            </a:lvl1pPr>
+          </a:lstStyle>
+          <a:p>
+            <a:pPr algn="ctr"/>
+            <a:r>
+              <a:rPr lang="en-US" sz="3200" b="1" dirty="0">
+                <a:solidFill>
+                  <a:schemeClr val="bg2">
+                    <a:lumMod val="90000"/>
+                  </a:schemeClr>
+                </a:solidFill>
+                <a:latin typeface="Montserrat Black" panose="00000A00000000000000" pitchFamily="2" charset="-52"/>
+              </a:rPr>
+              <a:t>SPENDLY</a:t>
+            </a:r>
+            <a:endParaRPr lang="bg-BG" sz="3200" b="1" dirty="0">
+              <a:solidFill>
+                <a:schemeClr val="bg2">
+                  <a:lumMod val="90000"/>
+                </a:schemeClr>
+              </a:solidFill>
+              <a:latin typeface="Montserrat Black" panose="00000A00000000000000" pitchFamily="2" charset="-52"/>
+            </a:endParaRPr>
+          </a:p>
+        </p:txBody>
+      </p:sp>
+      <p:cxnSp>
+        <p:nvCxnSpPr>
+          <p:cNvPr id="12" name="Straight Connector 11">
+            <a:extLst>
+              <a:ext uri="{FF2B5EF4-FFF2-40B4-BE49-F238E27FC236}">
+                <a16:creationId xmlns:a16="http://schemas.microsoft.com/office/drawing/2014/main" id="{403CCE91-1BF6-4D22-B9BA-FFE159035542}"/>
+              </a:ext>
+            </a:extLst>
+          </p:cNvPr>
+          <p:cNvCxnSpPr>
+            <a:cxnSpLocks/>
+          </p:cNvCxnSpPr>
+          <p:nvPr/>
+        </p:nvCxnSpPr>
+        <p:spPr>
+          <a:xfrm>
+            <a:off x="10972800" y="0"/>
+            <a:ext cx="0" cy="6857998"/>
+          </a:xfrm>
+          <a:prstGeom prst="line">
+            <a:avLst/>
+          </a:prstGeom>
+        </p:spPr>
+        <p:style>
+          <a:lnRef idx="1">
+            <a:schemeClr val="accent3"/>
+          </a:lnRef>
+          <a:fillRef idx="0">
+            <a:schemeClr val="accent3"/>
+          </a:fillRef>
+          <a:effectRef idx="0">
+            <a:schemeClr val="accent3"/>
+          </a:effectRef>
+          <a:fontRef idx="minor">
+            <a:schemeClr val="tx1"/>
+          </a:fontRef>
+        </p:style>
+      </p:cxnSp>
+      <p:sp>
+        <p:nvSpPr>
+          <p:cNvPr id="14" name="Title 1">
+            <a:extLst>
+              <a:ext uri="{FF2B5EF4-FFF2-40B4-BE49-F238E27FC236}">
+                <a16:creationId xmlns:a16="http://schemas.microsoft.com/office/drawing/2014/main" id="{30CCAF8F-4D3D-4B72-B54C-D417F1ABC1A9}"/>
+              </a:ext>
+            </a:extLst>
+          </p:cNvPr>
+          <p:cNvSpPr txBox="1">
+            <a:spLocks/>
+          </p:cNvSpPr>
+          <p:nvPr/>
+        </p:nvSpPr>
+        <p:spPr>
+          <a:xfrm rot="5400000">
+            <a:off x="9275904" y="3004099"/>
+            <a:ext cx="4606116" cy="1234439"/>
+          </a:xfrm>
+          <a:prstGeom prst="rect">
+            <a:avLst/>
+          </a:prstGeom>
+        </p:spPr>
+        <p:txBody>
+          <a:bodyPr vert="wordArtVert" lIns="91440" tIns="45720" rIns="91440" bIns="45720" rtlCol="0" anchor="ctr">
+            <a:normAutofit/>
+          </a:bodyPr>
+          <a:lstStyle>
+            <a:lvl1pPr algn="l" defTabSz="914400" rtl="0" eaLnBrk="1" latinLnBrk="0" hangingPunct="1">
+              <a:lnSpc>
+                <a:spcPct val="90000"/>
+              </a:lnSpc>
+              <a:spcBef>
+                <a:spcPct val="0"/>
+              </a:spcBef>
+              <a:buNone/>
+              <a:defRPr sz="4400" kern="1200">
+                <a:solidFill>
+                  <a:schemeClr val="tx1"/>
+                </a:solidFill>
+                <a:latin typeface="+mj-lt"/>
+                <a:ea typeface="+mj-ea"/>
+                <a:cs typeface="+mj-cs"/>
+              </a:defRPr>
+            </a:lvl1pPr>
+          </a:lstStyle>
+          <a:p>
+            <a:pPr algn="ctr"/>
+            <a:r>
+              <a:rPr lang="en-US" sz="3200" b="1" dirty="0">
+                <a:solidFill>
+                  <a:schemeClr val="bg2">
+                    <a:lumMod val="90000"/>
+                  </a:schemeClr>
+                </a:solidFill>
+                <a:latin typeface="Montserrat Black" panose="00000A00000000000000" pitchFamily="2" charset="-52"/>
+              </a:rPr>
+              <a:t>SPENDLY</a:t>
+            </a:r>
+            <a:endParaRPr lang="bg-BG" sz="3200" b="1" dirty="0">
+              <a:solidFill>
+                <a:schemeClr val="bg2">
+                  <a:lumMod val="90000"/>
+                </a:schemeClr>
+              </a:solidFill>
+              <a:latin typeface="Montserrat Black" panose="00000A00000000000000" pitchFamily="2" charset="-52"/>
+            </a:endParaRPr>
+          </a:p>
+        </p:txBody>
+      </p:sp>
+      <p:pic>
+        <p:nvPicPr>
+          <p:cNvPr id="15" name="Picture 14">
+            <a:extLst>
+              <a:ext uri="{FF2B5EF4-FFF2-40B4-BE49-F238E27FC236}">
+                <a16:creationId xmlns:a16="http://schemas.microsoft.com/office/drawing/2014/main" id="{7A660762-5E96-4FE0-A13C-1B8BC29C6D0F}"/>
+              </a:ext>
+            </a:extLst>
+          </p:cNvPr>
+          <p:cNvPicPr>
+            <a:picLocks noChangeAspect="1"/>
+          </p:cNvPicPr>
+          <p:nvPr/>
+        </p:nvPicPr>
+        <p:blipFill>
+          <a:blip r:embed="rId3">
+            <a:extLst>
+              <a:ext uri="{28A0092B-C50C-407E-A947-70E740481C1C}">
+                <a14:useLocalDpi xmlns:a14="http://schemas.microsoft.com/office/drawing/2010/main" val="0"/>
+              </a:ext>
+            </a:extLst>
+          </a:blip>
+          <a:stretch>
+            <a:fillRect/>
+          </a:stretch>
+        </p:blipFill>
+        <p:spPr>
+          <a:xfrm>
+            <a:off x="11147627" y="234882"/>
+            <a:ext cx="862669" cy="848498"/>
+          </a:xfrm>
+          <a:prstGeom prst="rect">
+            <a:avLst/>
+          </a:prstGeom>
+        </p:spPr>
+      </p:pic>
+      <p:cxnSp>
+        <p:nvCxnSpPr>
+          <p:cNvPr id="16" name="Straight Connector 15">
+            <a:extLst>
+              <a:ext uri="{FF2B5EF4-FFF2-40B4-BE49-F238E27FC236}">
+                <a16:creationId xmlns:a16="http://schemas.microsoft.com/office/drawing/2014/main" id="{FD507A93-F69C-4846-A870-796F11161FC8}"/>
+              </a:ext>
+            </a:extLst>
+          </p:cNvPr>
+          <p:cNvCxnSpPr>
+            <a:cxnSpLocks/>
+          </p:cNvCxnSpPr>
+          <p:nvPr/>
+        </p:nvCxnSpPr>
+        <p:spPr>
+          <a:xfrm>
+            <a:off x="0" y="5924375"/>
+            <a:ext cx="12192001" cy="0"/>
+          </a:xfrm>
+          <a:prstGeom prst="line">
+            <a:avLst/>
+          </a:prstGeom>
+        </p:spPr>
+        <p:style>
+          <a:lnRef idx="1">
+            <a:schemeClr val="accent3"/>
+          </a:lnRef>
+          <a:fillRef idx="0">
+            <a:schemeClr val="accent3"/>
+          </a:fillRef>
+          <a:effectRef idx="0">
+            <a:schemeClr val="accent3"/>
+          </a:effectRef>
+          <a:fontRef idx="minor">
+            <a:schemeClr val="tx1"/>
+          </a:fontRef>
+        </p:style>
+      </p:cxnSp>
+      <p:cxnSp>
+        <p:nvCxnSpPr>
+          <p:cNvPr id="28" name="Straight Connector 27">
+            <a:extLst>
+              <a:ext uri="{FF2B5EF4-FFF2-40B4-BE49-F238E27FC236}">
+                <a16:creationId xmlns:a16="http://schemas.microsoft.com/office/drawing/2014/main" id="{AAA557C2-7408-47E5-999B-BD207C5CE2FD}"/>
+              </a:ext>
+            </a:extLst>
+          </p:cNvPr>
+          <p:cNvCxnSpPr>
+            <a:cxnSpLocks/>
+          </p:cNvCxnSpPr>
+          <p:nvPr/>
+        </p:nvCxnSpPr>
+        <p:spPr>
+          <a:xfrm>
+            <a:off x="5988273" y="1318259"/>
+            <a:ext cx="0" cy="4617125"/>
+          </a:xfrm>
+          <a:prstGeom prst="line">
+            <a:avLst/>
+          </a:prstGeom>
+        </p:spPr>
+        <p:style>
+          <a:lnRef idx="1">
+            <a:schemeClr val="accent3"/>
+          </a:lnRef>
+          <a:fillRef idx="0">
+            <a:schemeClr val="accent3"/>
+          </a:fillRef>
+          <a:effectRef idx="0">
+            <a:schemeClr val="accent3"/>
+          </a:effectRef>
+          <a:fontRef idx="minor">
+            <a:schemeClr val="tx1"/>
+          </a:fontRef>
+        </p:style>
+      </p:cxnSp>
+      <p:sp>
+        <p:nvSpPr>
+          <p:cNvPr id="26" name="TextBox 25">
+            <a:extLst>
+              <a:ext uri="{FF2B5EF4-FFF2-40B4-BE49-F238E27FC236}">
+                <a16:creationId xmlns:a16="http://schemas.microsoft.com/office/drawing/2014/main" id="{8E264290-3B6F-489C-B74C-4F74446BCA69}"/>
+              </a:ext>
+            </a:extLst>
+          </p:cNvPr>
+          <p:cNvSpPr txBox="1"/>
+          <p:nvPr/>
+        </p:nvSpPr>
+        <p:spPr>
+          <a:xfrm>
+            <a:off x="6398877" y="3207232"/>
+            <a:ext cx="4163319" cy="1261884"/>
+          </a:xfrm>
+          <a:prstGeom prst="rect">
+            <a:avLst/>
+          </a:prstGeom>
+          <a:noFill/>
+        </p:spPr>
+        <p:txBody>
+          <a:bodyPr wrap="none" rtlCol="0">
+            <a:spAutoFit/>
+          </a:bodyPr>
+          <a:lstStyle/>
+          <a:p>
+            <a:pPr algn="ctr"/>
+            <a:r>
+              <a:rPr lang="ru-RU" sz="2800" dirty="0">
+                <a:solidFill>
+                  <a:schemeClr val="bg2">
+                    <a:lumMod val="90000"/>
+                  </a:schemeClr>
+                </a:solidFill>
+                <a:latin typeface="Montserrat Black" panose="00000A00000000000000" pitchFamily="2" charset="-52"/>
+              </a:rPr>
+              <a:t>Николай Калашник</a:t>
+            </a:r>
+            <a:endParaRPr lang="en-US" sz="2800" dirty="0">
+              <a:solidFill>
+                <a:schemeClr val="bg2">
+                  <a:lumMod val="90000"/>
+                </a:schemeClr>
+              </a:solidFill>
+              <a:latin typeface="Montserrat Black" panose="00000A00000000000000" pitchFamily="2" charset="-52"/>
+            </a:endParaRPr>
+          </a:p>
+          <a:p>
+            <a:pPr algn="ctr">
+              <a:spcBef>
+                <a:spcPts val="2400"/>
+              </a:spcBef>
+            </a:pPr>
+            <a:endParaRPr lang="en-US" sz="2800" dirty="0">
+              <a:solidFill>
+                <a:schemeClr val="bg2">
+                  <a:lumMod val="90000"/>
+                </a:schemeClr>
+              </a:solidFill>
+              <a:latin typeface="Montserrat Light" panose="00000400000000000000" pitchFamily="2" charset="-52"/>
+            </a:endParaRPr>
+          </a:p>
+        </p:txBody>
+      </p:sp>
+      <p:sp>
+        <p:nvSpPr>
+          <p:cNvPr id="31" name="TextBox 30">
+            <a:extLst>
+              <a:ext uri="{FF2B5EF4-FFF2-40B4-BE49-F238E27FC236}">
+                <a16:creationId xmlns:a16="http://schemas.microsoft.com/office/drawing/2014/main" id="{C72B7605-0B5B-459E-A131-90DB1742C179}"/>
+              </a:ext>
+            </a:extLst>
+          </p:cNvPr>
+          <p:cNvSpPr txBox="1"/>
+          <p:nvPr/>
+        </p:nvSpPr>
+        <p:spPr>
+          <a:xfrm>
+            <a:off x="2184524" y="3207232"/>
+            <a:ext cx="2853666" cy="1261884"/>
+          </a:xfrm>
+          <a:prstGeom prst="rect">
+            <a:avLst/>
+          </a:prstGeom>
+          <a:noFill/>
+        </p:spPr>
+        <p:txBody>
+          <a:bodyPr wrap="none" rtlCol="0">
+            <a:spAutoFit/>
+          </a:bodyPr>
+          <a:lstStyle/>
+          <a:p>
+            <a:pPr algn="ctr"/>
+            <a:r>
+              <a:rPr lang="ru-RU" sz="2800" dirty="0">
+                <a:solidFill>
+                  <a:schemeClr val="bg2">
+                    <a:lumMod val="90000"/>
+                  </a:schemeClr>
+                </a:solidFill>
+                <a:latin typeface="Montserrat Black" panose="00000A00000000000000" pitchFamily="2" charset="-52"/>
+              </a:rPr>
+              <a:t>Борис Милев</a:t>
+            </a:r>
+            <a:endParaRPr lang="en-US" sz="2800" dirty="0">
+              <a:solidFill>
+                <a:schemeClr val="bg2">
+                  <a:lumMod val="90000"/>
+                </a:schemeClr>
+              </a:solidFill>
+              <a:latin typeface="Montserrat Black" panose="00000A00000000000000" pitchFamily="2" charset="-52"/>
+            </a:endParaRPr>
+          </a:p>
+          <a:p>
+            <a:pPr algn="ctr">
+              <a:spcBef>
+                <a:spcPts val="2400"/>
+              </a:spcBef>
+            </a:pPr>
+            <a:endParaRPr lang="en-US" sz="2800" dirty="0">
+              <a:solidFill>
+                <a:schemeClr val="bg2">
+                  <a:lumMod val="90000"/>
+                </a:schemeClr>
+              </a:solidFill>
+              <a:latin typeface="Montserrat Light" panose="00000400000000000000" pitchFamily="2" charset="-52"/>
+            </a:endParaRPr>
+          </a:p>
+        </p:txBody>
+      </p:sp>
+      <p:sp>
+        <p:nvSpPr>
+          <p:cNvPr id="32" name="Google Shape;527;p36">
+            <a:extLst>
+              <a:ext uri="{FF2B5EF4-FFF2-40B4-BE49-F238E27FC236}">
+                <a16:creationId xmlns:a16="http://schemas.microsoft.com/office/drawing/2014/main" id="{E2D1F7A8-100A-4079-90BB-AFF09750675A}"/>
+              </a:ext>
+            </a:extLst>
+          </p:cNvPr>
+          <p:cNvSpPr txBox="1">
+            <a:spLocks/>
+          </p:cNvSpPr>
+          <p:nvPr/>
+        </p:nvSpPr>
+        <p:spPr>
+          <a:xfrm>
+            <a:off x="93654" y="449004"/>
             <a:ext cx="1228200" cy="954000"/>
           </a:xfrm>
           <a:prstGeom prst="rect">
@@ -4142,15 +4198,26 @@
               </a:spcBef>
             </a:pPr>
             <a:r>
-              <a:rPr lang="en" dirty="0">
+              <a:rPr lang="en">
                 <a:solidFill>
                   <a:schemeClr val="bg2">
                     <a:lumMod val="90000"/>
                   </a:schemeClr>
                 </a:solidFill>
-                <a:latin typeface="Montserrat Black"/>
+                <a:latin typeface="Montserrat Black" panose="00000A00000000000000" pitchFamily="2" charset="-52"/>
               </a:rPr>
-              <a:t>01</a:t>
+              <a:t>0</a:t>
+            </a:r>
+            <a:r>
+              <a:rPr lang="ru-RU">
+                <a:solidFill>
+                  <a:schemeClr val="bg2">
+                    <a:lumMod val="90000"/>
+                  </a:schemeClr>
+                </a:solidFill>
+                <a:latin typeface="Montserrat Black" panose="00000A00000000000000" pitchFamily="2" charset="-52"/>
+              </a:rPr>
+              <a:t>0</a:t>
             </a:r>
             <a:endParaRPr lang="en" dirty="0">
               <a:solidFill>
@@ -4163,359 +4230,10 @@
           </a:p>
         </p:txBody>
       </p:sp>
-      <p:sp>
-        <p:nvSpPr>
-          <p:cNvPr id="27" name="Title 1">
-            <a:extLst>
-              <a:ext uri="{FF2B5EF4-FFF2-40B4-BE49-F238E27FC236}">
-                <a16:creationId xmlns:a16="http://schemas.microsoft.com/office/drawing/2014/main" id="{B0792621-F964-48D8-87E0-46E64D1061BA}"/>
-              </a:ext>
-            </a:extLst>
-          </p:cNvPr>
-          <p:cNvSpPr txBox="1">
-            <a:spLocks/>
-          </p:cNvSpPr>
-          <p:nvPr/>
-        </p:nvSpPr>
-        <p:spPr>
-          <a:xfrm rot="16200000">
-            <a:off x="-1689647" y="3007908"/>
-            <a:ext cx="4613737" cy="1234439"/>
-          </a:xfrm>
-          <a:prstGeom prst="rect">
-            <a:avLst/>
-          </a:prstGeom>
-        </p:spPr>
-        <p:txBody>
-          <a:bodyPr vert="wordArtVert" lIns="91440" tIns="45720" rIns="91440" bIns="45720" rtlCol="0" anchor="ctr">
-            <a:normAutofit/>
-          </a:bodyPr>
-          <a:lstStyle>
-            <a:lvl1pPr algn="l" defTabSz="914400" rtl="0" eaLnBrk="1" latinLnBrk="0" hangingPunct="1">
-              <a:lnSpc>
-                <a:spcPct val="90000"/>
-              </a:lnSpc>
-              <a:spcBef>
-                <a:spcPct val="0"/>
-              </a:spcBef>
-              <a:buNone/>
-              <a:defRPr sz="4400" kern="1200">
-                <a:solidFill>
-                  <a:schemeClr val="tx1"/>
-                </a:solidFill>
-                <a:latin typeface="+mj-lt"/>
-                <a:ea typeface="+mj-ea"/>
-                <a:cs typeface="+mj-cs"/>
-              </a:defRPr>
-            </a:lvl1pPr>
-          </a:lstStyle>
-          <a:p>
-            <a:pPr algn="ctr"/>
-            <a:r>
-              <a:rPr lang="en-US" sz="3200" b="1" dirty="0">
-                <a:solidFill>
-                  <a:schemeClr val="bg2">
-                    <a:lumMod val="90000"/>
-                  </a:schemeClr>
-                </a:solidFill>
-                <a:latin typeface="Montserrat Black" panose="00000A00000000000000" pitchFamily="2" charset="-52"/>
-              </a:rPr>
-              <a:t>SPENDLY</a:t>
-            </a:r>
-            <a:endParaRPr lang="bg-BG" sz="3200" b="1" dirty="0">
-              <a:solidFill>
-                <a:schemeClr val="bg2">
-                  <a:lumMod val="90000"/>
-                </a:schemeClr>
-              </a:solidFill>
-              <a:latin typeface="Montserrat Black" panose="00000A00000000000000" pitchFamily="2" charset="-52"/>
-            </a:endParaRPr>
-          </a:p>
-        </p:txBody>
-      </p:sp>
-      <p:cxnSp>
-        <p:nvCxnSpPr>
-          <p:cNvPr id="12" name="Straight Connector 11">
-            <a:extLst>
-              <a:ext uri="{FF2B5EF4-FFF2-40B4-BE49-F238E27FC236}">
-                <a16:creationId xmlns:a16="http://schemas.microsoft.com/office/drawing/2014/main" id="{403CCE91-1BF6-4D22-B9BA-FFE159035542}"/>
-              </a:ext>
-            </a:extLst>
-          </p:cNvPr>
-          <p:cNvCxnSpPr>
-            <a:cxnSpLocks/>
-          </p:cNvCxnSpPr>
-          <p:nvPr/>
-        </p:nvCxnSpPr>
-        <p:spPr>
-          <a:xfrm>
-            <a:off x="10972800" y="0"/>
-            <a:ext cx="0" cy="6857998"/>
-          </a:xfrm>
-          <a:prstGeom prst="line">
-            <a:avLst/>
-          </a:prstGeom>
-        </p:spPr>
-        <p:style>
-          <a:lnRef idx="1">
-            <a:schemeClr val="accent3"/>
-          </a:lnRef>
-          <a:fillRef idx="0">
-            <a:schemeClr val="accent3"/>
-          </a:fillRef>
-          <a:effectRef idx="0">
-            <a:schemeClr val="accent3"/>
-          </a:effectRef>
-          <a:fontRef idx="minor">
-            <a:schemeClr val="tx1"/>
-          </a:fontRef>
-        </p:style>
-      </p:cxnSp>
-      <p:sp>
-        <p:nvSpPr>
-          <p:cNvPr id="14" name="Title 1">
-            <a:extLst>
-              <a:ext uri="{FF2B5EF4-FFF2-40B4-BE49-F238E27FC236}">
-                <a16:creationId xmlns:a16="http://schemas.microsoft.com/office/drawing/2014/main" id="{30CCAF8F-4D3D-4B72-B54C-D417F1ABC1A9}"/>
-              </a:ext>
-            </a:extLst>
-          </p:cNvPr>
-          <p:cNvSpPr txBox="1">
-            <a:spLocks/>
-          </p:cNvSpPr>
-          <p:nvPr/>
-        </p:nvSpPr>
-        <p:spPr>
-          <a:xfrm rot="5400000">
-            <a:off x="9275904" y="3004099"/>
-            <a:ext cx="4606116" cy="1234439"/>
-          </a:xfrm>
-          <a:prstGeom prst="rect">
-            <a:avLst/>
-          </a:prstGeom>
-        </p:spPr>
-        <p:txBody>
-          <a:bodyPr vert="wordArtVert" lIns="91440" tIns="45720" rIns="91440" bIns="45720" rtlCol="0" anchor="ctr">
-            <a:normAutofit/>
-          </a:bodyPr>
-          <a:lstStyle>
-            <a:lvl1pPr algn="l" defTabSz="914400" rtl="0" eaLnBrk="1" latinLnBrk="0" hangingPunct="1">
-              <a:lnSpc>
-                <a:spcPct val="90000"/>
-              </a:lnSpc>
-              <a:spcBef>
-                <a:spcPct val="0"/>
-              </a:spcBef>
-              <a:buNone/>
-              <a:defRPr sz="4400" kern="1200">
-                <a:solidFill>
-                  <a:schemeClr val="tx1"/>
-                </a:solidFill>
-                <a:latin typeface="+mj-lt"/>
-                <a:ea typeface="+mj-ea"/>
-                <a:cs typeface="+mj-cs"/>
-              </a:defRPr>
-            </a:lvl1pPr>
-          </a:lstStyle>
-          <a:p>
-            <a:pPr algn="ctr"/>
-            <a:r>
-              <a:rPr lang="en-US" sz="3200" b="1" dirty="0">
-                <a:solidFill>
-                  <a:schemeClr val="bg2">
-                    <a:lumMod val="90000"/>
-                  </a:schemeClr>
-                </a:solidFill>
-                <a:latin typeface="Montserrat Black" panose="00000A00000000000000" pitchFamily="2" charset="-52"/>
-              </a:rPr>
-              <a:t>SPENDLY</a:t>
-            </a:r>
-            <a:endParaRPr lang="bg-BG" sz="3200" b="1" dirty="0">
-              <a:solidFill>
-                <a:schemeClr val="bg2">
-                  <a:lumMod val="90000"/>
-                </a:schemeClr>
-              </a:solidFill>
-              <a:latin typeface="Montserrat Black" panose="00000A00000000000000" pitchFamily="2" charset="-52"/>
-            </a:endParaRPr>
-          </a:p>
-        </p:txBody>
-      </p:sp>
-      <p:pic>
-        <p:nvPicPr>
-          <p:cNvPr id="15" name="Picture 14">
-            <a:extLst>
-              <a:ext uri="{FF2B5EF4-FFF2-40B4-BE49-F238E27FC236}">
-                <a16:creationId xmlns:a16="http://schemas.microsoft.com/office/drawing/2014/main" id="{7A660762-5E96-4FE0-A13C-1B8BC29C6D0F}"/>
-              </a:ext>
-            </a:extLst>
-          </p:cNvPr>
-          <p:cNvPicPr>
-            <a:picLocks noChangeAspect="1"/>
-          </p:cNvPicPr>
-          <p:nvPr/>
-        </p:nvPicPr>
-        <p:blipFill>
-          <a:blip r:embed="rId3">
-            <a:extLst>
-              <a:ext uri="{28A0092B-C50C-407E-A947-70E740481C1C}">
-                <a14:useLocalDpi xmlns:a14="http://schemas.microsoft.com/office/drawing/2010/main" val="0"/>
-              </a:ext>
-            </a:extLst>
-          </a:blip>
-          <a:stretch>
-            <a:fillRect/>
-          </a:stretch>
-        </p:blipFill>
-        <p:spPr>
-          <a:xfrm>
-            <a:off x="11147627" y="234882"/>
-            <a:ext cx="862669" cy="848498"/>
-          </a:xfrm>
-          <a:prstGeom prst="rect">
-            <a:avLst/>
-          </a:prstGeom>
-        </p:spPr>
-      </p:pic>
-      <p:cxnSp>
-        <p:nvCxnSpPr>
-          <p:cNvPr id="16" name="Straight Connector 15">
-            <a:extLst>
-              <a:ext uri="{FF2B5EF4-FFF2-40B4-BE49-F238E27FC236}">
-                <a16:creationId xmlns:a16="http://schemas.microsoft.com/office/drawing/2014/main" id="{FD507A93-F69C-4846-A870-796F11161FC8}"/>
-              </a:ext>
-            </a:extLst>
-          </p:cNvPr>
-          <p:cNvCxnSpPr>
-            <a:cxnSpLocks/>
-          </p:cNvCxnSpPr>
-          <p:nvPr/>
-        </p:nvCxnSpPr>
-        <p:spPr>
-          <a:xfrm>
-            <a:off x="0" y="5924375"/>
-            <a:ext cx="12192001" cy="0"/>
-          </a:xfrm>
-          <a:prstGeom prst="line">
-            <a:avLst/>
-          </a:prstGeom>
-        </p:spPr>
-        <p:style>
-          <a:lnRef idx="1">
-            <a:schemeClr val="accent3"/>
-          </a:lnRef>
-          <a:fillRef idx="0">
-            <a:schemeClr val="accent3"/>
-          </a:fillRef>
-          <a:effectRef idx="0">
-            <a:schemeClr val="accent3"/>
-          </a:effectRef>
-          <a:fontRef idx="minor">
-            <a:schemeClr val="tx1"/>
-          </a:fontRef>
-        </p:style>
-      </p:cxnSp>
-      <p:sp>
-        <p:nvSpPr>
-          <p:cNvPr id="18" name="TextBox 17">
-            <a:extLst>
-              <a:ext uri="{FF2B5EF4-FFF2-40B4-BE49-F238E27FC236}">
-                <a16:creationId xmlns:a16="http://schemas.microsoft.com/office/drawing/2014/main" id="{3E2D3532-A12B-491B-9061-2161ECFE2798}"/>
-              </a:ext>
-            </a:extLst>
-          </p:cNvPr>
-          <p:cNvSpPr txBox="1"/>
-          <p:nvPr/>
-        </p:nvSpPr>
-        <p:spPr>
-          <a:xfrm>
-            <a:off x="2021392" y="1842807"/>
-            <a:ext cx="8175514" cy="3170099"/>
-          </a:xfrm>
-          <a:prstGeom prst="rect">
-            <a:avLst/>
-          </a:prstGeom>
-          <a:noFill/>
-        </p:spPr>
-        <p:txBody>
-          <a:bodyPr wrap="square" lIns="91440" tIns="45720" rIns="91440" bIns="45720" anchor="t">
-            <a:spAutoFit/>
-          </a:bodyPr>
-          <a:lstStyle/>
-          <a:p>
-            <a:pPr algn="ctr"/>
-            <a:r>
-              <a:rPr lang="bg-BG" sz="2000" dirty="0">
-                <a:solidFill>
-                  <a:schemeClr val="bg2">
-                    <a:lumMod val="90000"/>
-                  </a:schemeClr>
-                </a:solidFill>
-                <a:latin typeface="Montserrat Light"/>
-                <a:ea typeface="+mn-lt"/>
-                <a:cs typeface="+mn-lt"/>
-              </a:rPr>
-              <a:t>Проектът </a:t>
-            </a:r>
-            <a:r>
-              <a:rPr lang="bg-BG" sz="2000" dirty="0" err="1">
-                <a:solidFill>
-                  <a:schemeClr val="bg2">
-                    <a:lumMod val="90000"/>
-                  </a:schemeClr>
-                </a:solidFill>
-                <a:latin typeface="Montserrat Light"/>
-                <a:ea typeface="+mn-lt"/>
-                <a:cs typeface="+mn-lt"/>
-              </a:rPr>
-              <a:t>Спендли</a:t>
-            </a:r>
-            <a:r>
-              <a:rPr lang="bg-BG" sz="2000" dirty="0">
-                <a:solidFill>
-                  <a:schemeClr val="bg2">
-                    <a:lumMod val="90000"/>
-                  </a:schemeClr>
-                </a:solidFill>
-                <a:latin typeface="Montserrat Light"/>
-                <a:ea typeface="+mn-lt"/>
-                <a:cs typeface="+mn-lt"/>
-              </a:rPr>
-              <a:t> е мобилно приложение, което позволява на потребителите да сканират касови бележки с камерата на мобилното си устройство и автоматично да съхраняват данните. Основната цел на приложението е да улесни проследяването на разходите, като предлага лесен и достъпен начин за обработка и съхранение на данни от касови бележки. Съществуващите решения в тази област често са сложни за използване или изискват ръчно въвеждане на данни, което прави </a:t>
-            </a:r>
-            <a:r>
-              <a:rPr lang="bg-BG" sz="2000" dirty="0" err="1">
-                <a:solidFill>
-                  <a:schemeClr val="bg2">
-                    <a:lumMod val="90000"/>
-                  </a:schemeClr>
-                </a:solidFill>
-                <a:latin typeface="Montserrat Light"/>
-                <a:ea typeface="+mn-lt"/>
-                <a:cs typeface="+mn-lt"/>
-              </a:rPr>
-              <a:t>Спендли</a:t>
-            </a:r>
-            <a:r>
-              <a:rPr lang="bg-BG" sz="2000" dirty="0">
-                <a:solidFill>
-                  <a:schemeClr val="bg2">
-                    <a:lumMod val="90000"/>
-                  </a:schemeClr>
-                </a:solidFill>
-                <a:latin typeface="Montserrat Light"/>
-                <a:ea typeface="+mn-lt"/>
-                <a:cs typeface="+mn-lt"/>
-              </a:rPr>
-              <a:t> по-достъпна и удобна алтернатива.</a:t>
-            </a:r>
-          </a:p>
-        </p:txBody>
-      </p:sp>
     </p:spTree>
     <p:extLst>
       <p:ext uri="{BB962C8B-B14F-4D97-AF65-F5344CB8AC3E}">
-        <p14:creationId xmlns:p14="http://schemas.microsoft.com/office/powerpoint/2010/main" val="1135668389"/>
+        <p14:creationId xmlns:p14="http://schemas.microsoft.com/office/powerpoint/2010/main" val="624059728"/>
       </p:ext>
     </p:extLst>
   </p:cSld>
@@ -4608,7 +4326,7 @@
         </p:nvSpPr>
         <p:spPr>
           <a:xfrm>
-            <a:off x="1234440" y="1"/>
+            <a:off x="1216503" y="1"/>
             <a:ext cx="9749419" cy="1310638"/>
           </a:xfrm>
         </p:spPr>
@@ -4618,17 +4336,17 @@
           <a:p>
             <a:pPr algn="ctr"/>
             <a:r>
-              <a:rPr lang="en-US" dirty="0">
+              <a:rPr lang="ru-RU" dirty="0">
                 <a:solidFill>
                   <a:schemeClr val="bg2">
                     <a:lumMod val="90000"/>
                   </a:schemeClr>
                 </a:solidFill>
-                <a:latin typeface="Montserrat Black"/>
+                <a:latin typeface="Montserrat Black" panose="00000A00000000000000" pitchFamily="2" charset="-52"/>
               </a:rPr>
-              <a:t>Технологии</a:t>
-            </a:r>
-            <a:endParaRPr lang="en-US" dirty="0">
+              <a:t>ЦЕЛТА НИ</a:t>
+            </a:r>
+            <a:endParaRPr lang="bg-BG" dirty="0">
               <a:solidFill>
                 <a:schemeClr val="bg2">
                   <a:lumMod val="90000"/>
@@ -4776,8 +4494,27 @@
                 </a:solidFill>
                 <a:latin typeface="Montserrat Black" panose="00000A00000000000000" pitchFamily="2" charset="-52"/>
               </a:rPr>
-              <a:t>03</a:t>
-            </a:r>
+              <a:t>0</a:t>
+            </a:r>
+            <a:r>
+              <a:rPr lang="ru-RU" dirty="0">
+                <a:solidFill>
+                  <a:schemeClr val="bg2">
+                    <a:lumMod val="90000"/>
+                  </a:schemeClr>
+                </a:solidFill>
+                <a:latin typeface="Montserrat Black" panose="00000A00000000000000" pitchFamily="2" charset="-52"/>
+              </a:rPr>
+              <a:t>1</a:t>
+            </a:r>
+            <a:endParaRPr lang="en" dirty="0">
+              <a:solidFill>
+                <a:schemeClr val="bg2">
+                  <a:lumMod val="90000"/>
+                </a:schemeClr>
+              </a:solidFill>
+              <a:latin typeface="Montserrat Black" panose="00000A00000000000000" pitchFamily="2" charset="-52"/>
+            </a:endParaRPr>
           </a:p>
         </p:txBody>
       </p:sp>
@@ -5035,1001 +4772,68 @@
       </p:cxnSp>
       <p:sp>
         <p:nvSpPr>
-          <p:cNvPr id="23" name="Rectangle: Rounded Corners 22">
-            <a:extLst>
-              <a:ext uri="{FF2B5EF4-FFF2-40B4-BE49-F238E27FC236}">
-                <a16:creationId xmlns:a16="http://schemas.microsoft.com/office/drawing/2014/main" id="{56E5864D-D3A7-4536-817B-AF308EA605F5}"/>
-              </a:ext>
-            </a:extLst>
-          </p:cNvPr>
-          <p:cNvSpPr/>
+          <p:cNvPr id="18" name="TextBox 17">
+            <a:extLst>
+              <a:ext uri="{FF2B5EF4-FFF2-40B4-BE49-F238E27FC236}">
+                <a16:creationId xmlns:a16="http://schemas.microsoft.com/office/drawing/2014/main" id="{3E2D3532-A12B-491B-9061-2161ECFE2798}"/>
+              </a:ext>
+            </a:extLst>
+          </p:cNvPr>
+          <p:cNvSpPr txBox="1"/>
           <p:nvPr/>
         </p:nvSpPr>
         <p:spPr>
           <a:xfrm>
-            <a:off x="2899528" y="1520660"/>
-            <a:ext cx="1035960" cy="1036800"/>
-          </a:xfrm>
-          <a:prstGeom prst="roundRect">
-            <a:avLst/>
-          </a:prstGeom>
-          <a:solidFill>
-            <a:schemeClr val="bg2">
-              <a:lumMod val="90000"/>
-            </a:schemeClr>
-          </a:solidFill>
-          <a:ln>
-            <a:noFill/>
-          </a:ln>
-          <a:effectLst>
-            <a:outerShdw blurRad="50800" dist="38100" dir="2700000" algn="tl" rotWithShape="0">
-              <a:prstClr val="black">
-                <a:alpha val="40000"/>
-              </a:prstClr>
-            </a:outerShdw>
-          </a:effectLst>
-        </p:spPr>
-        <p:style>
-          <a:lnRef idx="2">
-            <a:schemeClr val="accent1">
-              <a:shade val="50000"/>
-            </a:schemeClr>
-          </a:lnRef>
-          <a:fillRef idx="1">
-            <a:schemeClr val="accent1"/>
-          </a:fillRef>
-          <a:effectRef idx="0">
-            <a:schemeClr val="accent1"/>
-          </a:effectRef>
-          <a:fontRef idx="minor">
-            <a:schemeClr val="lt1"/>
-          </a:fontRef>
-        </p:style>
-        <p:txBody>
-          <a:bodyPr rtlCol="0" anchor="ctr"/>
+            <a:off x="2012424" y="2328656"/>
+            <a:ext cx="8175514" cy="2585323"/>
+          </a:xfrm>
+          <a:prstGeom prst="rect">
+            <a:avLst/>
+          </a:prstGeom>
+          <a:noFill/>
+        </p:spPr>
+        <p:txBody>
+          <a:bodyPr wrap="square">
+            <a:spAutoFit/>
+          </a:bodyPr>
           <a:lstStyle/>
           <a:p>
             <a:pPr algn="ctr"/>
-            <a:endParaRPr lang="bg-BG" dirty="0"/>
-          </a:p>
-        </p:txBody>
-      </p:sp>
-      <p:grpSp>
-        <p:nvGrpSpPr>
-          <p:cNvPr id="25" name="Group 24">
-            <a:extLst>
-              <a:ext uri="{FF2B5EF4-FFF2-40B4-BE49-F238E27FC236}">
-                <a16:creationId xmlns:a16="http://schemas.microsoft.com/office/drawing/2014/main" id="{48C5A0EE-B526-40AF-907B-DBEB577574FA}"/>
-              </a:ext>
-            </a:extLst>
-          </p:cNvPr>
-          <p:cNvGrpSpPr/>
-          <p:nvPr/>
-        </p:nvGrpSpPr>
-        <p:grpSpPr>
-          <a:xfrm>
-            <a:off x="5549025" y="1528282"/>
-            <a:ext cx="1035960" cy="1036800"/>
-            <a:chOff x="2072640" y="1760230"/>
-            <a:chExt cx="1035960" cy="1036800"/>
-          </a:xfrm>
-          <a:solidFill>
-            <a:schemeClr val="bg2">
-              <a:lumMod val="90000"/>
-            </a:schemeClr>
-          </a:solidFill>
-        </p:grpSpPr>
-        <p:sp>
-          <p:nvSpPr>
-            <p:cNvPr id="28" name="Rectangle: Rounded Corners 27">
-              <a:extLst>
-                <a:ext uri="{FF2B5EF4-FFF2-40B4-BE49-F238E27FC236}">
-                  <a16:creationId xmlns:a16="http://schemas.microsoft.com/office/drawing/2014/main" id="{2ED811FB-5B19-4F78-9FB1-208CF0EB2F10}"/>
-                </a:ext>
-              </a:extLst>
-            </p:cNvPr>
-            <p:cNvSpPr/>
-            <p:nvPr/>
-          </p:nvSpPr>
-          <p:spPr>
-            <a:xfrm>
-              <a:off x="2072640" y="1760230"/>
-              <a:ext cx="1035960" cy="1036800"/>
-            </a:xfrm>
-            <a:prstGeom prst="roundRect">
-              <a:avLst/>
-            </a:prstGeom>
-            <a:grpFill/>
-            <a:ln>
-              <a:noFill/>
-            </a:ln>
-            <a:effectLst>
-              <a:outerShdw blurRad="50800" dist="38100" dir="2700000" algn="tl" rotWithShape="0">
-                <a:prstClr val="black">
-                  <a:alpha val="40000"/>
-                </a:prstClr>
-              </a:outerShdw>
-            </a:effectLst>
-          </p:spPr>
-          <p:style>
-            <a:lnRef idx="2">
-              <a:schemeClr val="accent1">
-                <a:shade val="50000"/>
-              </a:schemeClr>
-            </a:lnRef>
-            <a:fillRef idx="1">
-              <a:schemeClr val="accent1"/>
-            </a:fillRef>
-            <a:effectRef idx="0">
-              <a:schemeClr val="accent1"/>
-            </a:effectRef>
-            <a:fontRef idx="minor">
-              <a:schemeClr val="lt1"/>
-            </a:fontRef>
-          </p:style>
-          <p:txBody>
-            <a:bodyPr rtlCol="0" anchor="ctr"/>
-            <a:lstStyle/>
-            <a:p>
-              <a:pPr algn="ctr"/>
-              <a:endParaRPr lang="bg-BG" dirty="0"/>
-            </a:p>
-          </p:txBody>
-        </p:sp>
-        <p:pic>
-          <p:nvPicPr>
-            <p:cNvPr id="29" name="Picture 28">
-              <a:extLst>
-                <a:ext uri="{FF2B5EF4-FFF2-40B4-BE49-F238E27FC236}">
-                  <a16:creationId xmlns:a16="http://schemas.microsoft.com/office/drawing/2014/main" id="{7CC7EA8E-528B-4B35-B883-DC23D7824EA1}"/>
-                </a:ext>
-              </a:extLst>
-            </p:cNvPr>
-            <p:cNvPicPr>
-              <a:picLocks noChangeAspect="1"/>
-            </p:cNvPicPr>
-            <p:nvPr/>
-          </p:nvPicPr>
-          <p:blipFill>
-            <a:blip r:embed="rId4">
-              <a:extLst>
-                <a:ext uri="{28A0092B-C50C-407E-A947-70E740481C1C}">
-                  <a14:useLocalDpi xmlns:a14="http://schemas.microsoft.com/office/drawing/2010/main" val="0"/>
-                </a:ext>
-              </a:extLst>
-            </a:blip>
-            <a:srcRect/>
-            <a:stretch/>
-          </p:blipFill>
-          <p:spPr>
-            <a:xfrm>
-              <a:off x="2218806" y="1905654"/>
-              <a:ext cx="743627" cy="733439"/>
-            </a:xfrm>
-            <a:prstGeom prst="rect">
-              <a:avLst/>
-            </a:prstGeom>
-            <a:grpFill/>
-          </p:spPr>
-        </p:pic>
-      </p:grpSp>
-      <p:grpSp>
-        <p:nvGrpSpPr>
-          <p:cNvPr id="30" name="Group 29">
-            <a:extLst>
-              <a:ext uri="{FF2B5EF4-FFF2-40B4-BE49-F238E27FC236}">
-                <a16:creationId xmlns:a16="http://schemas.microsoft.com/office/drawing/2014/main" id="{21F01AD0-B392-4147-B1C7-908AE36CF23F}"/>
-              </a:ext>
-            </a:extLst>
-          </p:cNvPr>
-          <p:cNvGrpSpPr/>
-          <p:nvPr/>
-        </p:nvGrpSpPr>
-        <p:grpSpPr>
-          <a:xfrm>
-            <a:off x="8215312" y="4531669"/>
-            <a:ext cx="1035960" cy="1036800"/>
-            <a:chOff x="2072640" y="1760230"/>
-            <a:chExt cx="1035960" cy="1036800"/>
-          </a:xfrm>
-          <a:solidFill>
-            <a:schemeClr val="bg2">
-              <a:lumMod val="90000"/>
-            </a:schemeClr>
-          </a:solidFill>
-        </p:grpSpPr>
-        <p:sp>
-          <p:nvSpPr>
-            <p:cNvPr id="31" name="Rectangle: Rounded Corners 30">
-              <a:extLst>
-                <a:ext uri="{FF2B5EF4-FFF2-40B4-BE49-F238E27FC236}">
-                  <a16:creationId xmlns:a16="http://schemas.microsoft.com/office/drawing/2014/main" id="{BF68B56D-3F64-4B25-A80C-26FCD0BEA8A6}"/>
-                </a:ext>
-              </a:extLst>
-            </p:cNvPr>
-            <p:cNvSpPr/>
-            <p:nvPr/>
-          </p:nvSpPr>
-          <p:spPr>
-            <a:xfrm>
-              <a:off x="2072640" y="1760230"/>
-              <a:ext cx="1035960" cy="1036800"/>
-            </a:xfrm>
-            <a:prstGeom prst="roundRect">
-              <a:avLst/>
-            </a:prstGeom>
-            <a:grpFill/>
-            <a:ln>
-              <a:noFill/>
-            </a:ln>
-            <a:effectLst>
-              <a:outerShdw blurRad="50800" dist="38100" dir="2700000" algn="tl" rotWithShape="0">
-                <a:prstClr val="black">
-                  <a:alpha val="40000"/>
-                </a:prstClr>
-              </a:outerShdw>
-            </a:effectLst>
-          </p:spPr>
-          <p:style>
-            <a:lnRef idx="2">
-              <a:schemeClr val="accent1">
-                <a:shade val="50000"/>
-              </a:schemeClr>
-            </a:lnRef>
-            <a:fillRef idx="1">
-              <a:schemeClr val="accent1"/>
-            </a:fillRef>
-            <a:effectRef idx="0">
-              <a:schemeClr val="accent1"/>
-            </a:effectRef>
-            <a:fontRef idx="minor">
-              <a:schemeClr val="lt1"/>
-            </a:fontRef>
-          </p:style>
-          <p:txBody>
-            <a:bodyPr rtlCol="0" anchor="ctr"/>
-            <a:lstStyle/>
-            <a:p>
-              <a:pPr algn="ctr"/>
-              <a:endParaRPr lang="bg-BG" dirty="0"/>
-            </a:p>
-          </p:txBody>
-        </p:sp>
-        <p:pic>
-          <p:nvPicPr>
-            <p:cNvPr id="32" name="Picture 31">
-              <a:extLst>
-                <a:ext uri="{FF2B5EF4-FFF2-40B4-BE49-F238E27FC236}">
-                  <a16:creationId xmlns:a16="http://schemas.microsoft.com/office/drawing/2014/main" id="{16A59009-6B37-4498-AC84-2CC71C95D47C}"/>
-                </a:ext>
-              </a:extLst>
-            </p:cNvPr>
-            <p:cNvPicPr>
-              <a:picLocks noChangeAspect="1"/>
-            </p:cNvPicPr>
-            <p:nvPr/>
-          </p:nvPicPr>
-          <p:blipFill>
-            <a:blip r:embed="rId5">
-              <a:extLst>
-                <a:ext uri="{28A0092B-C50C-407E-A947-70E740481C1C}">
-                  <a14:useLocalDpi xmlns:a14="http://schemas.microsoft.com/office/drawing/2010/main" val="0"/>
-                </a:ext>
-              </a:extLst>
-            </a:blip>
-            <a:srcRect/>
-            <a:stretch/>
-          </p:blipFill>
-          <p:spPr>
-            <a:xfrm>
-              <a:off x="2228428" y="1905654"/>
-              <a:ext cx="724383" cy="733439"/>
-            </a:xfrm>
-            <a:prstGeom prst="rect">
-              <a:avLst/>
-            </a:prstGeom>
-            <a:grpFill/>
-          </p:spPr>
-        </p:pic>
-      </p:grpSp>
-      <p:grpSp>
-        <p:nvGrpSpPr>
-          <p:cNvPr id="33" name="Group 32">
-            <a:extLst>
-              <a:ext uri="{FF2B5EF4-FFF2-40B4-BE49-F238E27FC236}">
-                <a16:creationId xmlns:a16="http://schemas.microsoft.com/office/drawing/2014/main" id="{40D0B83A-8075-460C-8E0E-A824E6977DDB}"/>
-              </a:ext>
-            </a:extLst>
-          </p:cNvPr>
-          <p:cNvGrpSpPr/>
-          <p:nvPr/>
-        </p:nvGrpSpPr>
-        <p:grpSpPr>
-          <a:xfrm>
-            <a:off x="8211906" y="1528282"/>
-            <a:ext cx="1035960" cy="1036800"/>
-            <a:chOff x="2072640" y="1760230"/>
-            <a:chExt cx="1035960" cy="1036800"/>
-          </a:xfrm>
-          <a:solidFill>
-            <a:schemeClr val="bg2">
-              <a:lumMod val="90000"/>
-            </a:schemeClr>
-          </a:solidFill>
-        </p:grpSpPr>
-        <p:sp>
-          <p:nvSpPr>
-            <p:cNvPr id="34" name="Rectangle: Rounded Corners 33">
-              <a:extLst>
-                <a:ext uri="{FF2B5EF4-FFF2-40B4-BE49-F238E27FC236}">
-                  <a16:creationId xmlns:a16="http://schemas.microsoft.com/office/drawing/2014/main" id="{A3211ED0-5B5E-4652-A5EA-F65AF54BE0FE}"/>
-                </a:ext>
-              </a:extLst>
-            </p:cNvPr>
-            <p:cNvSpPr/>
-            <p:nvPr/>
-          </p:nvSpPr>
-          <p:spPr>
-            <a:xfrm>
-              <a:off x="2072640" y="1760230"/>
-              <a:ext cx="1035960" cy="1036800"/>
-            </a:xfrm>
-            <a:prstGeom prst="roundRect">
-              <a:avLst/>
-            </a:prstGeom>
-            <a:grpFill/>
-            <a:ln>
-              <a:noFill/>
-            </a:ln>
-            <a:effectLst>
-              <a:outerShdw blurRad="50800" dist="38100" dir="2700000" algn="tl" rotWithShape="0">
-                <a:prstClr val="black">
-                  <a:alpha val="40000"/>
-                </a:prstClr>
-              </a:outerShdw>
-            </a:effectLst>
-          </p:spPr>
-          <p:style>
-            <a:lnRef idx="2">
-              <a:schemeClr val="accent1">
-                <a:shade val="50000"/>
-              </a:schemeClr>
-            </a:lnRef>
-            <a:fillRef idx="1">
-              <a:schemeClr val="accent1"/>
-            </a:fillRef>
-            <a:effectRef idx="0">
-              <a:schemeClr val="accent1"/>
-            </a:effectRef>
-            <a:fontRef idx="minor">
-              <a:schemeClr val="lt1"/>
-            </a:fontRef>
-          </p:style>
-          <p:txBody>
-            <a:bodyPr rtlCol="0" anchor="ctr"/>
-            <a:lstStyle/>
-            <a:p>
-              <a:pPr algn="ctr"/>
-              <a:endParaRPr lang="bg-BG" dirty="0"/>
-            </a:p>
-          </p:txBody>
-        </p:sp>
-        <p:pic>
-          <p:nvPicPr>
-            <p:cNvPr id="35" name="Picture 34">
-              <a:extLst>
-                <a:ext uri="{FF2B5EF4-FFF2-40B4-BE49-F238E27FC236}">
-                  <a16:creationId xmlns:a16="http://schemas.microsoft.com/office/drawing/2014/main" id="{2AAF7991-E3AA-4894-8704-15D887176AF1}"/>
-                </a:ext>
-              </a:extLst>
-            </p:cNvPr>
-            <p:cNvPicPr>
-              <a:picLocks noChangeAspect="1"/>
-            </p:cNvPicPr>
-            <p:nvPr/>
-          </p:nvPicPr>
-          <p:blipFill>
-            <a:blip r:embed="rId6">
-              <a:extLst>
-                <a:ext uri="{28A0092B-C50C-407E-A947-70E740481C1C}">
-                  <a14:useLocalDpi xmlns:a14="http://schemas.microsoft.com/office/drawing/2010/main" val="0"/>
-                </a:ext>
-              </a:extLst>
-            </a:blip>
-            <a:srcRect/>
-            <a:stretch/>
-          </p:blipFill>
-          <p:spPr>
-            <a:xfrm>
-              <a:off x="2229065" y="1905654"/>
-              <a:ext cx="723108" cy="733439"/>
-            </a:xfrm>
-            <a:prstGeom prst="rect">
-              <a:avLst/>
-            </a:prstGeom>
-            <a:grpFill/>
-          </p:spPr>
-        </p:pic>
-      </p:grpSp>
-      <p:sp>
-        <p:nvSpPr>
-          <p:cNvPr id="37" name="Rectangle: Rounded Corners 36">
-            <a:extLst>
-              <a:ext uri="{FF2B5EF4-FFF2-40B4-BE49-F238E27FC236}">
-                <a16:creationId xmlns:a16="http://schemas.microsoft.com/office/drawing/2014/main" id="{96844ABE-32A3-40AB-8A03-1C57212FD6FD}"/>
-              </a:ext>
-            </a:extLst>
-          </p:cNvPr>
-          <p:cNvSpPr/>
-          <p:nvPr/>
-        </p:nvSpPr>
-        <p:spPr>
-          <a:xfrm>
-            <a:off x="2899348" y="3035290"/>
-            <a:ext cx="1035960" cy="1036800"/>
-          </a:xfrm>
-          <a:prstGeom prst="roundRect">
-            <a:avLst/>
-          </a:prstGeom>
-          <a:solidFill>
-            <a:schemeClr val="bg2">
-              <a:lumMod val="90000"/>
-            </a:schemeClr>
-          </a:solidFill>
-          <a:ln>
-            <a:noFill/>
-          </a:ln>
-          <a:effectLst>
-            <a:outerShdw blurRad="50800" dist="38100" dir="2700000" algn="tl" rotWithShape="0">
-              <a:prstClr val="black">
-                <a:alpha val="40000"/>
-              </a:prstClr>
-            </a:outerShdw>
-          </a:effectLst>
-        </p:spPr>
-        <p:style>
-          <a:lnRef idx="2">
-            <a:schemeClr val="accent1">
-              <a:shade val="50000"/>
-            </a:schemeClr>
-          </a:lnRef>
-          <a:fillRef idx="1">
-            <a:schemeClr val="accent1"/>
-          </a:fillRef>
-          <a:effectRef idx="0">
-            <a:schemeClr val="accent1"/>
-          </a:effectRef>
-          <a:fontRef idx="minor">
-            <a:schemeClr val="lt1"/>
-          </a:fontRef>
-        </p:style>
-        <p:txBody>
-          <a:bodyPr rtlCol="0" anchor="ctr"/>
-          <a:lstStyle/>
-          <a:p>
-            <a:pPr algn="ctr"/>
-            <a:endParaRPr lang="bg-BG" dirty="0"/>
-          </a:p>
-        </p:txBody>
-      </p:sp>
-      <p:sp>
-        <p:nvSpPr>
-          <p:cNvPr id="43" name="Rectangle: Rounded Corners 42">
-            <a:extLst>
-              <a:ext uri="{FF2B5EF4-FFF2-40B4-BE49-F238E27FC236}">
-                <a16:creationId xmlns:a16="http://schemas.microsoft.com/office/drawing/2014/main" id="{93EB9877-E286-4C3B-801D-4F68751FC94D}"/>
-              </a:ext>
-            </a:extLst>
-          </p:cNvPr>
-          <p:cNvSpPr/>
-          <p:nvPr/>
-        </p:nvSpPr>
-        <p:spPr>
-          <a:xfrm>
-            <a:off x="5544265" y="3027694"/>
-            <a:ext cx="1035960" cy="1036800"/>
-          </a:xfrm>
-          <a:prstGeom prst="roundRect">
-            <a:avLst/>
-          </a:prstGeom>
-          <a:solidFill>
-            <a:schemeClr val="bg2">
-              <a:lumMod val="90000"/>
-            </a:schemeClr>
-          </a:solidFill>
-          <a:ln>
-            <a:noFill/>
-          </a:ln>
-          <a:effectLst>
-            <a:outerShdw blurRad="50800" dist="38100" dir="2700000" algn="tl" rotWithShape="0">
-              <a:prstClr val="black">
-                <a:alpha val="40000"/>
-              </a:prstClr>
-            </a:outerShdw>
-          </a:effectLst>
-        </p:spPr>
-        <p:style>
-          <a:lnRef idx="2">
-            <a:schemeClr val="accent1">
-              <a:shade val="50000"/>
-            </a:schemeClr>
-          </a:lnRef>
-          <a:fillRef idx="1">
-            <a:schemeClr val="accent1"/>
-          </a:fillRef>
-          <a:effectRef idx="0">
-            <a:schemeClr val="accent1"/>
-          </a:effectRef>
-          <a:fontRef idx="minor">
-            <a:schemeClr val="lt1"/>
-          </a:fontRef>
-        </p:style>
-        <p:txBody>
-          <a:bodyPr rtlCol="0" anchor="ctr"/>
-          <a:lstStyle/>
-          <a:p>
-            <a:pPr algn="ctr"/>
-            <a:endParaRPr lang="bg-BG" dirty="0"/>
-          </a:p>
-        </p:txBody>
-      </p:sp>
-      <p:grpSp>
-        <p:nvGrpSpPr>
-          <p:cNvPr id="45" name="Group 44">
-            <a:extLst>
-              <a:ext uri="{FF2B5EF4-FFF2-40B4-BE49-F238E27FC236}">
-                <a16:creationId xmlns:a16="http://schemas.microsoft.com/office/drawing/2014/main" id="{49409053-552A-4CAD-8E82-2A92BDB977F6}"/>
-              </a:ext>
-            </a:extLst>
-          </p:cNvPr>
-          <p:cNvGrpSpPr/>
-          <p:nvPr/>
-        </p:nvGrpSpPr>
-        <p:grpSpPr>
-          <a:xfrm>
-            <a:off x="8211906" y="3021437"/>
-            <a:ext cx="1035960" cy="1036800"/>
-            <a:chOff x="2072640" y="1760230"/>
-            <a:chExt cx="1035960" cy="1036800"/>
-          </a:xfrm>
-          <a:solidFill>
-            <a:schemeClr val="bg2">
-              <a:lumMod val="90000"/>
-            </a:schemeClr>
-          </a:solidFill>
-        </p:grpSpPr>
-        <p:sp>
-          <p:nvSpPr>
-            <p:cNvPr id="46" name="Rectangle: Rounded Corners 45">
-              <a:extLst>
-                <a:ext uri="{FF2B5EF4-FFF2-40B4-BE49-F238E27FC236}">
-                  <a16:creationId xmlns:a16="http://schemas.microsoft.com/office/drawing/2014/main" id="{D059D297-32D2-47AD-8ED3-1D2CBBD79AB8}"/>
-                </a:ext>
-              </a:extLst>
-            </p:cNvPr>
-            <p:cNvSpPr/>
-            <p:nvPr/>
-          </p:nvSpPr>
-          <p:spPr>
-            <a:xfrm>
-              <a:off x="2072640" y="1760230"/>
-              <a:ext cx="1035960" cy="1036800"/>
-            </a:xfrm>
-            <a:prstGeom prst="roundRect">
-              <a:avLst/>
-            </a:prstGeom>
-            <a:grpFill/>
-            <a:ln>
-              <a:noFill/>
-            </a:ln>
-            <a:effectLst>
-              <a:outerShdw blurRad="50800" dist="38100" dir="2700000" algn="tl" rotWithShape="0">
-                <a:prstClr val="black">
-                  <a:alpha val="40000"/>
-                </a:prstClr>
-              </a:outerShdw>
-            </a:effectLst>
-          </p:spPr>
-          <p:style>
-            <a:lnRef idx="2">
-              <a:schemeClr val="accent1">
-                <a:shade val="50000"/>
-              </a:schemeClr>
-            </a:lnRef>
-            <a:fillRef idx="1">
-              <a:schemeClr val="accent1"/>
-            </a:fillRef>
-            <a:effectRef idx="0">
-              <a:schemeClr val="accent1"/>
-            </a:effectRef>
-            <a:fontRef idx="minor">
-              <a:schemeClr val="lt1"/>
-            </a:fontRef>
-          </p:style>
-          <p:txBody>
-            <a:bodyPr rtlCol="0" anchor="ctr"/>
-            <a:lstStyle/>
-            <a:p>
-              <a:pPr algn="ctr"/>
-              <a:endParaRPr lang="bg-BG" dirty="0"/>
-            </a:p>
-          </p:txBody>
-        </p:sp>
-        <p:pic>
-          <p:nvPicPr>
-            <p:cNvPr id="47" name="Picture 46">
-              <a:extLst>
-                <a:ext uri="{FF2B5EF4-FFF2-40B4-BE49-F238E27FC236}">
-                  <a16:creationId xmlns:a16="http://schemas.microsoft.com/office/drawing/2014/main" id="{B56C16C9-CD83-4A23-A5FD-38DC1C6AA7B6}"/>
-                </a:ext>
-              </a:extLst>
-            </p:cNvPr>
-            <p:cNvPicPr>
-              <a:picLocks noChangeAspect="1"/>
-            </p:cNvPicPr>
-            <p:nvPr/>
-          </p:nvPicPr>
-          <p:blipFill>
-            <a:blip r:embed="rId7">
-              <a:extLst>
-                <a:ext uri="{28A0092B-C50C-407E-A947-70E740481C1C}">
-                  <a14:useLocalDpi xmlns:a14="http://schemas.microsoft.com/office/drawing/2010/main" val="0"/>
-                </a:ext>
-              </a:extLst>
-            </a:blip>
-            <a:srcRect/>
-            <a:stretch/>
-          </p:blipFill>
-          <p:spPr>
-            <a:xfrm>
-              <a:off x="2229065" y="1910819"/>
-              <a:ext cx="723108" cy="723108"/>
-            </a:xfrm>
-            <a:prstGeom prst="rect">
-              <a:avLst/>
-            </a:prstGeom>
-            <a:grpFill/>
-          </p:spPr>
-        </p:pic>
-      </p:grpSp>
-      <p:grpSp>
-        <p:nvGrpSpPr>
-          <p:cNvPr id="51" name="Group 50">
-            <a:extLst>
-              <a:ext uri="{FF2B5EF4-FFF2-40B4-BE49-F238E27FC236}">
-                <a16:creationId xmlns:a16="http://schemas.microsoft.com/office/drawing/2014/main" id="{84BC8247-C6B1-4F58-B055-C1BC75F9EBF7}"/>
-              </a:ext>
-            </a:extLst>
-          </p:cNvPr>
-          <p:cNvGrpSpPr/>
-          <p:nvPr/>
-        </p:nvGrpSpPr>
-        <p:grpSpPr>
-          <a:xfrm>
-            <a:off x="2883658" y="4527058"/>
-            <a:ext cx="1035960" cy="1036800"/>
-            <a:chOff x="2072640" y="1760230"/>
-            <a:chExt cx="1035960" cy="1036800"/>
-          </a:xfrm>
-          <a:solidFill>
-            <a:schemeClr val="bg2">
-              <a:lumMod val="90000"/>
-            </a:schemeClr>
-          </a:solidFill>
-        </p:grpSpPr>
-        <p:sp>
-          <p:nvSpPr>
-            <p:cNvPr id="52" name="Rectangle: Rounded Corners 51">
-              <a:extLst>
-                <a:ext uri="{FF2B5EF4-FFF2-40B4-BE49-F238E27FC236}">
-                  <a16:creationId xmlns:a16="http://schemas.microsoft.com/office/drawing/2014/main" id="{C65D8141-3126-4095-A618-012974DAE9B0}"/>
-                </a:ext>
-              </a:extLst>
-            </p:cNvPr>
-            <p:cNvSpPr/>
-            <p:nvPr/>
-          </p:nvSpPr>
-          <p:spPr>
-            <a:xfrm>
-              <a:off x="2072640" y="1760230"/>
-              <a:ext cx="1035960" cy="1036800"/>
-            </a:xfrm>
-            <a:prstGeom prst="roundRect">
-              <a:avLst/>
-            </a:prstGeom>
-            <a:grpFill/>
-            <a:ln>
-              <a:noFill/>
-            </a:ln>
-            <a:effectLst>
-              <a:outerShdw blurRad="50800" dist="38100" dir="2700000" algn="tl" rotWithShape="0">
-                <a:prstClr val="black">
-                  <a:alpha val="40000"/>
-                </a:prstClr>
-              </a:outerShdw>
-            </a:effectLst>
-          </p:spPr>
-          <p:style>
-            <a:lnRef idx="2">
-              <a:schemeClr val="accent1">
-                <a:shade val="50000"/>
-              </a:schemeClr>
-            </a:lnRef>
-            <a:fillRef idx="1">
-              <a:schemeClr val="accent1"/>
-            </a:fillRef>
-            <a:effectRef idx="0">
-              <a:schemeClr val="accent1"/>
-            </a:effectRef>
-            <a:fontRef idx="minor">
-              <a:schemeClr val="lt1"/>
-            </a:fontRef>
-          </p:style>
-          <p:txBody>
-            <a:bodyPr rtlCol="0" anchor="ctr"/>
-            <a:lstStyle/>
-            <a:p>
-              <a:pPr algn="ctr"/>
-              <a:endParaRPr lang="bg-BG" dirty="0"/>
-            </a:p>
-          </p:txBody>
-        </p:sp>
-        <p:pic>
-          <p:nvPicPr>
-            <p:cNvPr id="53" name="Picture 52">
-              <a:extLst>
-                <a:ext uri="{FF2B5EF4-FFF2-40B4-BE49-F238E27FC236}">
-                  <a16:creationId xmlns:a16="http://schemas.microsoft.com/office/drawing/2014/main" id="{281FFAA9-B200-4742-8C53-F15E582DB628}"/>
-                </a:ext>
-              </a:extLst>
-            </p:cNvPr>
-            <p:cNvPicPr>
-              <a:picLocks noChangeAspect="1"/>
-            </p:cNvPicPr>
-            <p:nvPr/>
-          </p:nvPicPr>
-          <p:blipFill>
-            <a:blip r:embed="rId8">
-              <a:extLst>
-                <a:ext uri="{28A0092B-C50C-407E-A947-70E740481C1C}">
-                  <a14:useLocalDpi xmlns:a14="http://schemas.microsoft.com/office/drawing/2010/main" val="0"/>
-                </a:ext>
-              </a:extLst>
-            </a:blip>
-            <a:srcRect/>
-            <a:stretch/>
-          </p:blipFill>
-          <p:spPr>
-            <a:xfrm>
-              <a:off x="2228428" y="1914443"/>
-              <a:ext cx="724383" cy="715860"/>
-            </a:xfrm>
-            <a:prstGeom prst="rect">
-              <a:avLst/>
-            </a:prstGeom>
-            <a:grpFill/>
-          </p:spPr>
-        </p:pic>
-      </p:grpSp>
-      <p:grpSp>
-        <p:nvGrpSpPr>
-          <p:cNvPr id="54" name="Group 53">
-            <a:extLst>
-              <a:ext uri="{FF2B5EF4-FFF2-40B4-BE49-F238E27FC236}">
-                <a16:creationId xmlns:a16="http://schemas.microsoft.com/office/drawing/2014/main" id="{11D4A486-CE43-4A8C-972F-785EC4591C51}"/>
-              </a:ext>
-            </a:extLst>
-          </p:cNvPr>
-          <p:cNvGrpSpPr/>
-          <p:nvPr/>
-        </p:nvGrpSpPr>
-        <p:grpSpPr>
-          <a:xfrm>
-            <a:off x="5544264" y="4528423"/>
-            <a:ext cx="1035960" cy="1036800"/>
-            <a:chOff x="2072640" y="1760230"/>
-            <a:chExt cx="1035960" cy="1036800"/>
-          </a:xfrm>
-          <a:solidFill>
-            <a:schemeClr val="bg2">
-              <a:lumMod val="90000"/>
-            </a:schemeClr>
-          </a:solidFill>
-        </p:grpSpPr>
-        <p:sp>
-          <p:nvSpPr>
-            <p:cNvPr id="55" name="Rectangle: Rounded Corners 54">
-              <a:extLst>
-                <a:ext uri="{FF2B5EF4-FFF2-40B4-BE49-F238E27FC236}">
-                  <a16:creationId xmlns:a16="http://schemas.microsoft.com/office/drawing/2014/main" id="{62A0D081-18DD-4ED0-BC83-ED5B54AC2450}"/>
-                </a:ext>
-              </a:extLst>
-            </p:cNvPr>
-            <p:cNvSpPr/>
-            <p:nvPr/>
-          </p:nvSpPr>
-          <p:spPr>
-            <a:xfrm>
-              <a:off x="2072640" y="1760230"/>
-              <a:ext cx="1035960" cy="1036800"/>
-            </a:xfrm>
-            <a:prstGeom prst="roundRect">
-              <a:avLst/>
-            </a:prstGeom>
-            <a:grpFill/>
-            <a:ln>
-              <a:noFill/>
-            </a:ln>
-            <a:effectLst>
-              <a:outerShdw blurRad="50800" dist="38100" dir="2700000" algn="tl" rotWithShape="0">
-                <a:prstClr val="black">
-                  <a:alpha val="40000"/>
-                </a:prstClr>
-              </a:outerShdw>
-            </a:effectLst>
-          </p:spPr>
-          <p:style>
-            <a:lnRef idx="2">
-              <a:schemeClr val="accent1">
-                <a:shade val="50000"/>
-              </a:schemeClr>
-            </a:lnRef>
-            <a:fillRef idx="1">
-              <a:schemeClr val="accent1"/>
-            </a:fillRef>
-            <a:effectRef idx="0">
-              <a:schemeClr val="accent1"/>
-            </a:effectRef>
-            <a:fontRef idx="minor">
-              <a:schemeClr val="lt1"/>
-            </a:fontRef>
-          </p:style>
-          <p:txBody>
-            <a:bodyPr rtlCol="0" anchor="ctr"/>
-            <a:lstStyle/>
-            <a:p>
-              <a:pPr algn="ctr"/>
-              <a:endParaRPr lang="bg-BG" dirty="0"/>
-            </a:p>
-          </p:txBody>
-        </p:sp>
-        <p:pic>
-          <p:nvPicPr>
-            <p:cNvPr id="56" name="Picture 55">
-              <a:extLst>
-                <a:ext uri="{FF2B5EF4-FFF2-40B4-BE49-F238E27FC236}">
-                  <a16:creationId xmlns:a16="http://schemas.microsoft.com/office/drawing/2014/main" id="{85344965-DA53-49C4-8E85-D815004F33E4}"/>
-                </a:ext>
-              </a:extLst>
-            </p:cNvPr>
-            <p:cNvPicPr>
-              <a:picLocks noChangeAspect="1"/>
-            </p:cNvPicPr>
-            <p:nvPr/>
-          </p:nvPicPr>
-          <p:blipFill>
-            <a:blip r:embed="rId9">
-              <a:extLst>
-                <a:ext uri="{28A0092B-C50C-407E-A947-70E740481C1C}">
-                  <a14:useLocalDpi xmlns:a14="http://schemas.microsoft.com/office/drawing/2010/main" val="0"/>
-                </a:ext>
-              </a:extLst>
-            </a:blip>
-            <a:srcRect/>
-            <a:stretch/>
-          </p:blipFill>
-          <p:spPr>
-            <a:xfrm>
-              <a:off x="2232689" y="1914443"/>
-              <a:ext cx="715860" cy="715860"/>
-            </a:xfrm>
-            <a:prstGeom prst="rect">
-              <a:avLst/>
-            </a:prstGeom>
-            <a:grpFill/>
-          </p:spPr>
-        </p:pic>
-      </p:grpSp>
-      <p:pic>
-        <p:nvPicPr>
-          <p:cNvPr id="6" name="Picture 5" descr="Js, react js, logo, react, react native icon - Free download">
-            <a:extLst>
-              <a:ext uri="{FF2B5EF4-FFF2-40B4-BE49-F238E27FC236}">
-                <a16:creationId xmlns:a16="http://schemas.microsoft.com/office/drawing/2014/main" id="{460C1352-D84F-51FD-A804-185F524B45C9}"/>
-              </a:ext>
-            </a:extLst>
-          </p:cNvPr>
-          <p:cNvPicPr>
-            <a:picLocks noChangeAspect="1"/>
-          </p:cNvPicPr>
-          <p:nvPr/>
-        </p:nvPicPr>
-        <p:blipFill>
-          <a:blip r:embed="rId10"/>
-          <a:stretch>
-            <a:fillRect/>
-          </a:stretch>
-        </p:blipFill>
-        <p:spPr>
-          <a:xfrm>
-            <a:off x="2990850" y="1609725"/>
-            <a:ext cx="840583" cy="852488"/>
-          </a:xfrm>
-          <a:prstGeom prst="rect">
-            <a:avLst/>
-          </a:prstGeom>
-        </p:spPr>
-      </p:pic>
-      <p:pic>
-        <p:nvPicPr>
-          <p:cNvPr id="7" name="Graphic 6" descr="Expo Go App Logo PNG Vector SVG, EPS, Ai formats (1.78 KB) Free Download">
-            <a:extLst>
-              <a:ext uri="{FF2B5EF4-FFF2-40B4-BE49-F238E27FC236}">
-                <a16:creationId xmlns:a16="http://schemas.microsoft.com/office/drawing/2014/main" id="{05F030E5-B0B3-F906-C536-24DFD67F4A6A}"/>
-              </a:ext>
-            </a:extLst>
-          </p:cNvPr>
-          <p:cNvPicPr>
-            <a:picLocks noChangeAspect="1"/>
-          </p:cNvPicPr>
-          <p:nvPr/>
-        </p:nvPicPr>
-        <p:blipFill>
-          <a:blip r:embed="rId11">
-            <a:extLst>
-              <a:ext uri="{96DAC541-7B7A-43D3-8B79-37D633B846F1}">
-                <asvg:svgBlip xmlns:asvg="http://schemas.microsoft.com/office/drawing/2016/SVG/main" r:embed="rId12"/>
-              </a:ext>
-            </a:extLst>
-          </a:blip>
-          <a:stretch>
-            <a:fillRect/>
-          </a:stretch>
-        </p:blipFill>
-        <p:spPr>
-          <a:xfrm>
-            <a:off x="5743833" y="3224095"/>
-            <a:ext cx="652848" cy="656945"/>
-          </a:xfrm>
-          <a:prstGeom prst="rect">
-            <a:avLst/>
-          </a:prstGeom>
-        </p:spPr>
-      </p:pic>
-      <p:pic>
-        <p:nvPicPr>
-          <p:cNvPr id="8" name="Picture 7" descr="Axios Logo, symbol, meaning, history, PNG, brand">
-            <a:extLst>
-              <a:ext uri="{FF2B5EF4-FFF2-40B4-BE49-F238E27FC236}">
-                <a16:creationId xmlns:a16="http://schemas.microsoft.com/office/drawing/2014/main" id="{661FCBD2-4522-0152-DC64-1D9CE2744DDD}"/>
-              </a:ext>
-            </a:extLst>
-          </p:cNvPr>
-          <p:cNvPicPr>
-            <a:picLocks noChangeAspect="1"/>
-          </p:cNvPicPr>
-          <p:nvPr/>
-        </p:nvPicPr>
-        <p:blipFill>
-          <a:blip r:embed="rId13"/>
-          <a:stretch>
-            <a:fillRect/>
-          </a:stretch>
-        </p:blipFill>
-        <p:spPr>
-          <a:xfrm>
-            <a:off x="2922372" y="3316502"/>
-            <a:ext cx="982364" cy="472132"/>
-          </a:xfrm>
-          <a:prstGeom prst="rect">
-            <a:avLst/>
-          </a:prstGeom>
-        </p:spPr>
-      </p:pic>
+            <a:r>
+              <a:rPr lang="ru-RU" sz="1800" i="0" u="none" strike="noStrike" dirty="0">
+                <a:solidFill>
+                  <a:srgbClr val="D0CECE"/>
+                </a:solidFill>
+                <a:effectLst/>
+                <a:latin typeface="Montserrat Light" panose="00000400000000000000" pitchFamily="2" charset="0"/>
+              </a:rPr>
+              <a:t>Проектът Спендли е мобилно приложение, което позволява на потребителите да сканират касови бележки с камерата на мобилното си устройство и автоматично да съхраняват данните. Основната цел на приложението е да улесни проследяването на разходите, като предлага лесен и достъпен начин за обработка и съхранение на данни от касови бележки. Съществуващите решения в тази област често са сложни за използване или изискват ръчно въвеждане на данни, което прави Спендли по-достъпна и удобна алтернатива.</a:t>
+            </a:r>
+            <a:r>
+              <a:rPr lang="ru-RU" sz="1800" i="0" dirty="0">
+                <a:solidFill>
+                  <a:srgbClr val="000000"/>
+                </a:solidFill>
+                <a:effectLst/>
+                <a:latin typeface="Montserrat Light" panose="00000400000000000000" pitchFamily="2" charset="0"/>
+              </a:rPr>
+              <a:t>​</a:t>
+            </a:r>
+            <a:endParaRPr lang="bg-BG" sz="2000" dirty="0">
+              <a:solidFill>
+                <a:schemeClr val="bg2">
+                  <a:lumMod val="90000"/>
+                </a:schemeClr>
+              </a:solidFill>
+              <a:latin typeface="Montserrat Light" panose="00000400000000000000" pitchFamily="2" charset="-52"/>
+            </a:endParaRPr>
+          </a:p>
+        </p:txBody>
+      </p:sp>
     </p:spTree>
     <p:extLst>
       <p:ext uri="{BB962C8B-B14F-4D97-AF65-F5344CB8AC3E}">
-        <p14:creationId xmlns:p14="http://schemas.microsoft.com/office/powerpoint/2010/main" val="3534198060"/>
+        <p14:creationId xmlns:p14="http://schemas.microsoft.com/office/powerpoint/2010/main" val="1135668389"/>
       </p:ext>
     </p:extLst>
   </p:cSld>
@@ -6132,17 +4936,17 @@
           <a:p>
             <a:pPr algn="ctr"/>
             <a:r>
-              <a:rPr lang="en-US" dirty="0" err="1">
+              <a:rPr lang="ru-RU" dirty="0">
                 <a:solidFill>
                   <a:schemeClr val="bg2">
                     <a:lumMod val="90000"/>
                   </a:schemeClr>
                 </a:solidFill>
-                <a:latin typeface="Montserrat Black"/>
+                <a:latin typeface="Montserrat Black" panose="00000A00000000000000" pitchFamily="2" charset="-52"/>
               </a:rPr>
-              <a:t>Заключение</a:t>
-            </a:r>
-            <a:endParaRPr lang="en-US" dirty="0" err="1">
+              <a:t>ТЕХНОЛОГИИ</a:t>
+            </a:r>
+            <a:endParaRPr lang="en-US" dirty="0">
               <a:solidFill>
                 <a:schemeClr val="bg2">
                   <a:lumMod val="90000"/>
@@ -6290,7 +5094,7 @@
                 </a:solidFill>
                 <a:latin typeface="Montserrat Black" panose="00000A00000000000000" pitchFamily="2" charset="-52"/>
               </a:rPr>
-              <a:t>04</a:t>
+              <a:t>03</a:t>
             </a:r>
           </a:p>
         </p:txBody>
@@ -6549,839 +5353,1589 @@
       </p:cxnSp>
       <p:sp>
         <p:nvSpPr>
-          <p:cNvPr id="18" name="TextBox 17">
-            <a:extLst>
-              <a:ext uri="{FF2B5EF4-FFF2-40B4-BE49-F238E27FC236}">
-                <a16:creationId xmlns:a16="http://schemas.microsoft.com/office/drawing/2014/main" id="{3E2D3532-A12B-491B-9061-2161ECFE2798}"/>
-              </a:ext>
-            </a:extLst>
-          </p:cNvPr>
-          <p:cNvSpPr txBox="1"/>
+          <p:cNvPr id="23" name="Rectangle: Rounded Corners 22">
+            <a:extLst>
+              <a:ext uri="{FF2B5EF4-FFF2-40B4-BE49-F238E27FC236}">
+                <a16:creationId xmlns:a16="http://schemas.microsoft.com/office/drawing/2014/main" id="{56E5864D-D3A7-4536-817B-AF308EA605F5}"/>
+              </a:ext>
+            </a:extLst>
+          </p:cNvPr>
+          <p:cNvSpPr/>
           <p:nvPr/>
         </p:nvSpPr>
         <p:spPr>
           <a:xfrm>
-            <a:off x="2021392" y="2151726"/>
-            <a:ext cx="8175514" cy="2862322"/>
+            <a:off x="2910459" y="1599719"/>
+            <a:ext cx="1035960" cy="1036800"/>
+          </a:xfrm>
+          <a:prstGeom prst="roundRect">
+            <a:avLst/>
+          </a:prstGeom>
+          <a:solidFill>
+            <a:schemeClr val="bg2">
+              <a:lumMod val="90000"/>
+            </a:schemeClr>
+          </a:solidFill>
+          <a:ln>
+            <a:noFill/>
+          </a:ln>
+          <a:effectLst>
+            <a:outerShdw blurRad="50800" dist="38100" dir="2700000" algn="tl" rotWithShape="0">
+              <a:prstClr val="black">
+                <a:alpha val="40000"/>
+              </a:prstClr>
+            </a:outerShdw>
+          </a:effectLst>
+        </p:spPr>
+        <p:style>
+          <a:lnRef idx="2">
+            <a:schemeClr val="accent1">
+              <a:shade val="50000"/>
+            </a:schemeClr>
+          </a:lnRef>
+          <a:fillRef idx="1">
+            <a:schemeClr val="accent1"/>
+          </a:fillRef>
+          <a:effectRef idx="0">
+            <a:schemeClr val="accent1"/>
+          </a:effectRef>
+          <a:fontRef idx="minor">
+            <a:schemeClr val="lt1"/>
+          </a:fontRef>
+        </p:style>
+        <p:txBody>
+          <a:bodyPr rtlCol="0" anchor="ctr"/>
+          <a:lstStyle/>
+          <a:p>
+            <a:pPr algn="ctr"/>
+            <a:endParaRPr lang="bg-BG" dirty="0"/>
+          </a:p>
+        </p:txBody>
+      </p:sp>
+      <p:sp>
+        <p:nvSpPr>
+          <p:cNvPr id="28" name="Rectangle: Rounded Corners 27">
+            <a:extLst>
+              <a:ext uri="{FF2B5EF4-FFF2-40B4-BE49-F238E27FC236}">
+                <a16:creationId xmlns:a16="http://schemas.microsoft.com/office/drawing/2014/main" id="{2ED811FB-5B19-4F78-9FB1-208CF0EB2F10}"/>
+              </a:ext>
+            </a:extLst>
+          </p:cNvPr>
+          <p:cNvSpPr/>
+          <p:nvPr/>
+        </p:nvSpPr>
+        <p:spPr>
+          <a:xfrm>
+            <a:off x="5559956" y="1607341"/>
+            <a:ext cx="1035960" cy="1036800"/>
+          </a:xfrm>
+          <a:prstGeom prst="roundRect">
+            <a:avLst/>
+          </a:prstGeom>
+          <a:solidFill>
+            <a:schemeClr val="bg2">
+              <a:lumMod val="90000"/>
+            </a:schemeClr>
+          </a:solidFill>
+          <a:ln>
+            <a:noFill/>
+          </a:ln>
+          <a:effectLst>
+            <a:outerShdw blurRad="50800" dist="38100" dir="2700000" algn="tl" rotWithShape="0">
+              <a:prstClr val="black">
+                <a:alpha val="40000"/>
+              </a:prstClr>
+            </a:outerShdw>
+          </a:effectLst>
+        </p:spPr>
+        <p:style>
+          <a:lnRef idx="2">
+            <a:schemeClr val="accent1">
+              <a:shade val="50000"/>
+            </a:schemeClr>
+          </a:lnRef>
+          <a:fillRef idx="1">
+            <a:schemeClr val="accent1"/>
+          </a:fillRef>
+          <a:effectRef idx="0">
+            <a:schemeClr val="accent1"/>
+          </a:effectRef>
+          <a:fontRef idx="minor">
+            <a:schemeClr val="lt1"/>
+          </a:fontRef>
+        </p:style>
+        <p:txBody>
+          <a:bodyPr rtlCol="0" anchor="ctr"/>
+          <a:lstStyle/>
+          <a:p>
+            <a:pPr algn="ctr"/>
+            <a:endParaRPr lang="bg-BG" dirty="0"/>
+          </a:p>
+        </p:txBody>
+      </p:sp>
+      <p:pic>
+        <p:nvPicPr>
+          <p:cNvPr id="29" name="Picture 28">
+            <a:extLst>
+              <a:ext uri="{FF2B5EF4-FFF2-40B4-BE49-F238E27FC236}">
+                <a16:creationId xmlns:a16="http://schemas.microsoft.com/office/drawing/2014/main" id="{7CC7EA8E-528B-4B35-B883-DC23D7824EA1}"/>
+              </a:ext>
+            </a:extLst>
+          </p:cNvPr>
+          <p:cNvPicPr>
+            <a:picLocks noChangeAspect="1"/>
+          </p:cNvPicPr>
+          <p:nvPr/>
+        </p:nvPicPr>
+        <p:blipFill>
+          <a:blip r:embed="rId4">
+            <a:extLst>
+              <a:ext uri="{28A0092B-C50C-407E-A947-70E740481C1C}">
+                <a14:useLocalDpi xmlns:a14="http://schemas.microsoft.com/office/drawing/2010/main" val="0"/>
+              </a:ext>
+            </a:extLst>
+          </a:blip>
+          <a:srcRect/>
+          <a:stretch/>
+        </p:blipFill>
+        <p:spPr>
+          <a:xfrm>
+            <a:off x="5706122" y="1752765"/>
+            <a:ext cx="743627" cy="733439"/>
           </a:xfrm>
           <a:prstGeom prst="rect">
             <a:avLst/>
           </a:prstGeom>
+          <a:solidFill>
+            <a:schemeClr val="bg2">
+              <a:lumMod val="90000"/>
+            </a:schemeClr>
+          </a:solidFill>
+        </p:spPr>
+      </p:pic>
+      <p:sp>
+        <p:nvSpPr>
+          <p:cNvPr id="31" name="Rectangle: Rounded Corners 30">
+            <a:extLst>
+              <a:ext uri="{FF2B5EF4-FFF2-40B4-BE49-F238E27FC236}">
+                <a16:creationId xmlns:a16="http://schemas.microsoft.com/office/drawing/2014/main" id="{BF68B56D-3F64-4B25-A80C-26FCD0BEA8A6}"/>
+              </a:ext>
+            </a:extLst>
+          </p:cNvPr>
+          <p:cNvSpPr/>
+          <p:nvPr/>
+        </p:nvSpPr>
+        <p:spPr>
+          <a:xfrm>
+            <a:off x="8222836" y="4606117"/>
+            <a:ext cx="1035960" cy="1036800"/>
+          </a:xfrm>
+          <a:prstGeom prst="roundRect">
+            <a:avLst/>
+          </a:prstGeom>
+          <a:solidFill>
+            <a:schemeClr val="bg2">
+              <a:lumMod val="90000"/>
+            </a:schemeClr>
+          </a:solidFill>
+          <a:ln>
+            <a:noFill/>
+          </a:ln>
+          <a:effectLst>
+            <a:outerShdw blurRad="50800" dist="38100" dir="2700000" algn="tl" rotWithShape="0">
+              <a:prstClr val="black">
+                <a:alpha val="40000"/>
+              </a:prstClr>
+            </a:outerShdw>
+          </a:effectLst>
+        </p:spPr>
+        <p:style>
+          <a:lnRef idx="2">
+            <a:schemeClr val="accent1">
+              <a:shade val="50000"/>
+            </a:schemeClr>
+          </a:lnRef>
+          <a:fillRef idx="1">
+            <a:schemeClr val="accent1"/>
+          </a:fillRef>
+          <a:effectRef idx="0">
+            <a:schemeClr val="accent1"/>
+          </a:effectRef>
+          <a:fontRef idx="minor">
+            <a:schemeClr val="lt1"/>
+          </a:fontRef>
+        </p:style>
+        <p:txBody>
+          <a:bodyPr rtlCol="0" anchor="ctr"/>
+          <a:lstStyle/>
+          <a:p>
+            <a:pPr algn="ctr"/>
+            <a:endParaRPr lang="bg-BG" dirty="0"/>
+          </a:p>
+        </p:txBody>
+      </p:sp>
+      <p:sp>
+        <p:nvSpPr>
+          <p:cNvPr id="34" name="Rectangle: Rounded Corners 33">
+            <a:extLst>
+              <a:ext uri="{FF2B5EF4-FFF2-40B4-BE49-F238E27FC236}">
+                <a16:creationId xmlns:a16="http://schemas.microsoft.com/office/drawing/2014/main" id="{A3211ED0-5B5E-4652-A5EA-F65AF54BE0FE}"/>
+              </a:ext>
+            </a:extLst>
+          </p:cNvPr>
+          <p:cNvSpPr/>
+          <p:nvPr/>
+        </p:nvSpPr>
+        <p:spPr>
+          <a:xfrm>
+            <a:off x="8222836" y="1607341"/>
+            <a:ext cx="1035960" cy="1036800"/>
+          </a:xfrm>
+          <a:prstGeom prst="roundRect">
+            <a:avLst/>
+          </a:prstGeom>
+          <a:solidFill>
+            <a:schemeClr val="bg2">
+              <a:lumMod val="90000"/>
+            </a:schemeClr>
+          </a:solidFill>
+          <a:ln>
+            <a:noFill/>
+          </a:ln>
+          <a:effectLst>
+            <a:outerShdw blurRad="50800" dist="38100" dir="2700000" algn="tl" rotWithShape="0">
+              <a:prstClr val="black">
+                <a:alpha val="40000"/>
+              </a:prstClr>
+            </a:outerShdw>
+          </a:effectLst>
+        </p:spPr>
+        <p:style>
+          <a:lnRef idx="2">
+            <a:schemeClr val="accent1">
+              <a:shade val="50000"/>
+            </a:schemeClr>
+          </a:lnRef>
+          <a:fillRef idx="1">
+            <a:schemeClr val="accent1"/>
+          </a:fillRef>
+          <a:effectRef idx="0">
+            <a:schemeClr val="accent1"/>
+          </a:effectRef>
+          <a:fontRef idx="minor">
+            <a:schemeClr val="lt1"/>
+          </a:fontRef>
+        </p:style>
+        <p:txBody>
+          <a:bodyPr rtlCol="0" anchor="ctr"/>
+          <a:lstStyle/>
+          <a:p>
+            <a:pPr algn="ctr"/>
+            <a:endParaRPr lang="bg-BG" dirty="0"/>
+          </a:p>
+        </p:txBody>
+      </p:sp>
+      <p:pic>
+        <p:nvPicPr>
+          <p:cNvPr id="35" name="Picture 34">
+            <a:extLst>
+              <a:ext uri="{FF2B5EF4-FFF2-40B4-BE49-F238E27FC236}">
+                <a16:creationId xmlns:a16="http://schemas.microsoft.com/office/drawing/2014/main" id="{2AAF7991-E3AA-4894-8704-15D887176AF1}"/>
+              </a:ext>
+            </a:extLst>
+          </p:cNvPr>
+          <p:cNvPicPr>
+            <a:picLocks noChangeAspect="1"/>
+          </p:cNvPicPr>
+          <p:nvPr/>
+        </p:nvPicPr>
+        <p:blipFill>
+          <a:blip r:embed="rId5">
+            <a:extLst>
+              <a:ext uri="{28A0092B-C50C-407E-A947-70E740481C1C}">
+                <a14:useLocalDpi xmlns:a14="http://schemas.microsoft.com/office/drawing/2010/main" val="0"/>
+              </a:ext>
+            </a:extLst>
+          </a:blip>
+          <a:srcRect/>
+          <a:stretch/>
+        </p:blipFill>
+        <p:spPr>
+          <a:xfrm>
+            <a:off x="8379261" y="1752765"/>
+            <a:ext cx="723108" cy="733439"/>
+          </a:xfrm>
+          <a:prstGeom prst="rect">
+            <a:avLst/>
+          </a:prstGeom>
+          <a:solidFill>
+            <a:schemeClr val="bg2">
+              <a:lumMod val="90000"/>
+            </a:schemeClr>
+          </a:solidFill>
+        </p:spPr>
+      </p:pic>
+      <p:sp>
+        <p:nvSpPr>
+          <p:cNvPr id="37" name="Rectangle: Rounded Corners 36">
+            <a:extLst>
+              <a:ext uri="{FF2B5EF4-FFF2-40B4-BE49-F238E27FC236}">
+                <a16:creationId xmlns:a16="http://schemas.microsoft.com/office/drawing/2014/main" id="{96844ABE-32A3-40AB-8A03-1C57212FD6FD}"/>
+              </a:ext>
+            </a:extLst>
+          </p:cNvPr>
+          <p:cNvSpPr/>
+          <p:nvPr/>
+        </p:nvSpPr>
+        <p:spPr>
+          <a:xfrm>
+            <a:off x="2910278" y="3114349"/>
+            <a:ext cx="1035960" cy="1036800"/>
+          </a:xfrm>
+          <a:prstGeom prst="roundRect">
+            <a:avLst/>
+          </a:prstGeom>
+          <a:solidFill>
+            <a:schemeClr val="bg2">
+              <a:lumMod val="90000"/>
+            </a:schemeClr>
+          </a:solidFill>
+          <a:ln>
+            <a:noFill/>
+          </a:ln>
+          <a:effectLst>
+            <a:outerShdw blurRad="50800" dist="38100" dir="2700000" algn="tl" rotWithShape="0">
+              <a:prstClr val="black">
+                <a:alpha val="40000"/>
+              </a:prstClr>
+            </a:outerShdw>
+          </a:effectLst>
+        </p:spPr>
+        <p:style>
+          <a:lnRef idx="2">
+            <a:schemeClr val="accent1">
+              <a:shade val="50000"/>
+            </a:schemeClr>
+          </a:lnRef>
+          <a:fillRef idx="1">
+            <a:schemeClr val="accent1"/>
+          </a:fillRef>
+          <a:effectRef idx="0">
+            <a:schemeClr val="accent1"/>
+          </a:effectRef>
+          <a:fontRef idx="minor">
+            <a:schemeClr val="lt1"/>
+          </a:fontRef>
+        </p:style>
+        <p:txBody>
+          <a:bodyPr rtlCol="0" anchor="ctr"/>
+          <a:lstStyle/>
+          <a:p>
+            <a:pPr algn="ctr"/>
+            <a:endParaRPr lang="bg-BG" dirty="0"/>
+          </a:p>
+        </p:txBody>
+      </p:sp>
+      <p:sp>
+        <p:nvSpPr>
+          <p:cNvPr id="43" name="Rectangle: Rounded Corners 42">
+            <a:extLst>
+              <a:ext uri="{FF2B5EF4-FFF2-40B4-BE49-F238E27FC236}">
+                <a16:creationId xmlns:a16="http://schemas.microsoft.com/office/drawing/2014/main" id="{93EB9877-E286-4C3B-801D-4F68751FC94D}"/>
+              </a:ext>
+            </a:extLst>
+          </p:cNvPr>
+          <p:cNvSpPr/>
+          <p:nvPr/>
+        </p:nvSpPr>
+        <p:spPr>
+          <a:xfrm>
+            <a:off x="5555196" y="3106753"/>
+            <a:ext cx="1035960" cy="1036800"/>
+          </a:xfrm>
+          <a:prstGeom prst="roundRect">
+            <a:avLst/>
+          </a:prstGeom>
+          <a:solidFill>
+            <a:schemeClr val="bg2">
+              <a:lumMod val="90000"/>
+            </a:schemeClr>
+          </a:solidFill>
+          <a:ln>
+            <a:noFill/>
+          </a:ln>
+          <a:effectLst>
+            <a:outerShdw blurRad="50800" dist="38100" dir="2700000" algn="tl" rotWithShape="0">
+              <a:prstClr val="black">
+                <a:alpha val="40000"/>
+              </a:prstClr>
+            </a:outerShdw>
+          </a:effectLst>
+        </p:spPr>
+        <p:style>
+          <a:lnRef idx="2">
+            <a:schemeClr val="accent1">
+              <a:shade val="50000"/>
+            </a:schemeClr>
+          </a:lnRef>
+          <a:fillRef idx="1">
+            <a:schemeClr val="accent1"/>
+          </a:fillRef>
+          <a:effectRef idx="0">
+            <a:schemeClr val="accent1"/>
+          </a:effectRef>
+          <a:fontRef idx="minor">
+            <a:schemeClr val="lt1"/>
+          </a:fontRef>
+        </p:style>
+        <p:txBody>
+          <a:bodyPr rtlCol="0" anchor="ctr"/>
+          <a:lstStyle/>
+          <a:p>
+            <a:pPr algn="ctr"/>
+            <a:endParaRPr lang="bg-BG" dirty="0"/>
+          </a:p>
+        </p:txBody>
+      </p:sp>
+      <p:sp>
+        <p:nvSpPr>
+          <p:cNvPr id="46" name="Rectangle: Rounded Corners 45">
+            <a:extLst>
+              <a:ext uri="{FF2B5EF4-FFF2-40B4-BE49-F238E27FC236}">
+                <a16:creationId xmlns:a16="http://schemas.microsoft.com/office/drawing/2014/main" id="{D059D297-32D2-47AD-8ED3-1D2CBBD79AB8}"/>
+              </a:ext>
+            </a:extLst>
+          </p:cNvPr>
+          <p:cNvSpPr/>
+          <p:nvPr/>
+        </p:nvSpPr>
+        <p:spPr>
+          <a:xfrm>
+            <a:off x="8222836" y="3100496"/>
+            <a:ext cx="1035960" cy="1036800"/>
+          </a:xfrm>
+          <a:prstGeom prst="roundRect">
+            <a:avLst/>
+          </a:prstGeom>
+          <a:solidFill>
+            <a:schemeClr val="bg2">
+              <a:lumMod val="90000"/>
+            </a:schemeClr>
+          </a:solidFill>
+          <a:ln>
+            <a:noFill/>
+          </a:ln>
+          <a:effectLst>
+            <a:outerShdw blurRad="50800" dist="38100" dir="2700000" algn="tl" rotWithShape="0">
+              <a:prstClr val="black">
+                <a:alpha val="40000"/>
+              </a:prstClr>
+            </a:outerShdw>
+          </a:effectLst>
+        </p:spPr>
+        <p:style>
+          <a:lnRef idx="2">
+            <a:schemeClr val="accent1">
+              <a:shade val="50000"/>
+            </a:schemeClr>
+          </a:lnRef>
+          <a:fillRef idx="1">
+            <a:schemeClr val="accent1"/>
+          </a:fillRef>
+          <a:effectRef idx="0">
+            <a:schemeClr val="accent1"/>
+          </a:effectRef>
+          <a:fontRef idx="minor">
+            <a:schemeClr val="lt1"/>
+          </a:fontRef>
+        </p:style>
+        <p:txBody>
+          <a:bodyPr rtlCol="0" anchor="ctr"/>
+          <a:lstStyle/>
+          <a:p>
+            <a:pPr algn="ctr"/>
+            <a:endParaRPr lang="bg-BG" dirty="0"/>
+          </a:p>
+        </p:txBody>
+      </p:sp>
+      <p:pic>
+        <p:nvPicPr>
+          <p:cNvPr id="47" name="Picture 46">
+            <a:extLst>
+              <a:ext uri="{FF2B5EF4-FFF2-40B4-BE49-F238E27FC236}">
+                <a16:creationId xmlns:a16="http://schemas.microsoft.com/office/drawing/2014/main" id="{B56C16C9-CD83-4A23-A5FD-38DC1C6AA7B6}"/>
+              </a:ext>
+            </a:extLst>
+          </p:cNvPr>
+          <p:cNvPicPr>
+            <a:picLocks noChangeAspect="1"/>
+          </p:cNvPicPr>
+          <p:nvPr/>
+        </p:nvPicPr>
+        <p:blipFill>
+          <a:blip r:embed="rId6">
+            <a:extLst>
+              <a:ext uri="{28A0092B-C50C-407E-A947-70E740481C1C}">
+                <a14:useLocalDpi xmlns:a14="http://schemas.microsoft.com/office/drawing/2010/main" val="0"/>
+              </a:ext>
+            </a:extLst>
+          </a:blip>
+          <a:srcRect/>
+          <a:stretch/>
+        </p:blipFill>
+        <p:spPr>
+          <a:xfrm>
+            <a:off x="8379261" y="3251085"/>
+            <a:ext cx="723108" cy="723108"/>
+          </a:xfrm>
+          <a:prstGeom prst="rect">
+            <a:avLst/>
+          </a:prstGeom>
+          <a:solidFill>
+            <a:schemeClr val="bg2">
+              <a:lumMod val="90000"/>
+            </a:schemeClr>
+          </a:solidFill>
+        </p:spPr>
+      </p:pic>
+      <p:sp>
+        <p:nvSpPr>
+          <p:cNvPr id="52" name="Rectangle: Rounded Corners 51">
+            <a:extLst>
+              <a:ext uri="{FF2B5EF4-FFF2-40B4-BE49-F238E27FC236}">
+                <a16:creationId xmlns:a16="http://schemas.microsoft.com/office/drawing/2014/main" id="{C65D8141-3126-4095-A618-012974DAE9B0}"/>
+              </a:ext>
+            </a:extLst>
+          </p:cNvPr>
+          <p:cNvSpPr/>
+          <p:nvPr/>
+        </p:nvSpPr>
+        <p:spPr>
+          <a:xfrm>
+            <a:off x="2894588" y="4606117"/>
+            <a:ext cx="1035960" cy="1036800"/>
+          </a:xfrm>
+          <a:prstGeom prst="roundRect">
+            <a:avLst/>
+          </a:prstGeom>
+          <a:solidFill>
+            <a:schemeClr val="bg2">
+              <a:lumMod val="90000"/>
+            </a:schemeClr>
+          </a:solidFill>
+          <a:ln>
+            <a:noFill/>
+          </a:ln>
+          <a:effectLst>
+            <a:outerShdw blurRad="50800" dist="38100" dir="2700000" algn="tl" rotWithShape="0">
+              <a:prstClr val="black">
+                <a:alpha val="40000"/>
+              </a:prstClr>
+            </a:outerShdw>
+          </a:effectLst>
+        </p:spPr>
+        <p:style>
+          <a:lnRef idx="2">
+            <a:schemeClr val="accent1">
+              <a:shade val="50000"/>
+            </a:schemeClr>
+          </a:lnRef>
+          <a:fillRef idx="1">
+            <a:schemeClr val="accent1"/>
+          </a:fillRef>
+          <a:effectRef idx="0">
+            <a:schemeClr val="accent1"/>
+          </a:effectRef>
+          <a:fontRef idx="minor">
+            <a:schemeClr val="lt1"/>
+          </a:fontRef>
+        </p:style>
+        <p:txBody>
+          <a:bodyPr rtlCol="0" anchor="ctr"/>
+          <a:lstStyle/>
+          <a:p>
+            <a:pPr algn="ctr"/>
+            <a:endParaRPr lang="bg-BG" dirty="0"/>
+          </a:p>
+        </p:txBody>
+      </p:sp>
+      <p:pic>
+        <p:nvPicPr>
+          <p:cNvPr id="53" name="Picture 52">
+            <a:extLst>
+              <a:ext uri="{FF2B5EF4-FFF2-40B4-BE49-F238E27FC236}">
+                <a16:creationId xmlns:a16="http://schemas.microsoft.com/office/drawing/2014/main" id="{281FFAA9-B200-4742-8C53-F15E582DB628}"/>
+              </a:ext>
+            </a:extLst>
+          </p:cNvPr>
+          <p:cNvPicPr>
+            <a:picLocks noChangeAspect="1"/>
+          </p:cNvPicPr>
+          <p:nvPr/>
+        </p:nvPicPr>
+        <p:blipFill>
+          <a:blip r:embed="rId7">
+            <a:extLst>
+              <a:ext uri="{28A0092B-C50C-407E-A947-70E740481C1C}">
+                <a14:useLocalDpi xmlns:a14="http://schemas.microsoft.com/office/drawing/2010/main" val="0"/>
+              </a:ext>
+            </a:extLst>
+          </a:blip>
+          <a:srcRect/>
+          <a:stretch/>
+        </p:blipFill>
+        <p:spPr>
+          <a:xfrm>
+            <a:off x="3050376" y="4760330"/>
+            <a:ext cx="724383" cy="715860"/>
+          </a:xfrm>
+          <a:prstGeom prst="rect">
+            <a:avLst/>
+          </a:prstGeom>
+          <a:solidFill>
+            <a:schemeClr val="bg2">
+              <a:lumMod val="90000"/>
+            </a:schemeClr>
+          </a:solidFill>
+        </p:spPr>
+      </p:pic>
+      <p:sp>
+        <p:nvSpPr>
+          <p:cNvPr id="55" name="Rectangle: Rounded Corners 54">
+            <a:extLst>
+              <a:ext uri="{FF2B5EF4-FFF2-40B4-BE49-F238E27FC236}">
+                <a16:creationId xmlns:a16="http://schemas.microsoft.com/office/drawing/2014/main" id="{62A0D081-18DD-4ED0-BC83-ED5B54AC2450}"/>
+              </a:ext>
+            </a:extLst>
+          </p:cNvPr>
+          <p:cNvSpPr/>
+          <p:nvPr/>
+        </p:nvSpPr>
+        <p:spPr>
+          <a:xfrm>
+            <a:off x="5555195" y="4607482"/>
+            <a:ext cx="1035960" cy="1036800"/>
+          </a:xfrm>
+          <a:prstGeom prst="roundRect">
+            <a:avLst/>
+          </a:prstGeom>
+          <a:solidFill>
+            <a:schemeClr val="bg2">
+              <a:lumMod val="90000"/>
+            </a:schemeClr>
+          </a:solidFill>
+          <a:ln>
+            <a:noFill/>
+          </a:ln>
+          <a:effectLst>
+            <a:outerShdw blurRad="50800" dist="38100" dir="2700000" algn="tl" rotWithShape="0">
+              <a:prstClr val="black">
+                <a:alpha val="40000"/>
+              </a:prstClr>
+            </a:outerShdw>
+          </a:effectLst>
+        </p:spPr>
+        <p:style>
+          <a:lnRef idx="2">
+            <a:schemeClr val="accent1">
+              <a:shade val="50000"/>
+            </a:schemeClr>
+          </a:lnRef>
+          <a:fillRef idx="1">
+            <a:schemeClr val="accent1"/>
+          </a:fillRef>
+          <a:effectRef idx="0">
+            <a:schemeClr val="accent1"/>
+          </a:effectRef>
+          <a:fontRef idx="minor">
+            <a:schemeClr val="lt1"/>
+          </a:fontRef>
+        </p:style>
+        <p:txBody>
+          <a:bodyPr rtlCol="0" anchor="ctr"/>
+          <a:lstStyle/>
+          <a:p>
+            <a:pPr algn="ctr"/>
+            <a:endParaRPr lang="bg-BG" dirty="0"/>
+          </a:p>
+        </p:txBody>
+      </p:sp>
+      <p:pic>
+        <p:nvPicPr>
+          <p:cNvPr id="56" name="Picture 55">
+            <a:extLst>
+              <a:ext uri="{FF2B5EF4-FFF2-40B4-BE49-F238E27FC236}">
+                <a16:creationId xmlns:a16="http://schemas.microsoft.com/office/drawing/2014/main" id="{85344965-DA53-49C4-8E85-D815004F33E4}"/>
+              </a:ext>
+            </a:extLst>
+          </p:cNvPr>
+          <p:cNvPicPr>
+            <a:picLocks noChangeAspect="1"/>
+          </p:cNvPicPr>
+          <p:nvPr/>
+        </p:nvPicPr>
+        <p:blipFill>
+          <a:blip r:embed="rId8">
+            <a:extLst>
+              <a:ext uri="{28A0092B-C50C-407E-A947-70E740481C1C}">
+                <a14:useLocalDpi xmlns:a14="http://schemas.microsoft.com/office/drawing/2010/main" val="0"/>
+              </a:ext>
+            </a:extLst>
+          </a:blip>
+          <a:srcRect/>
+          <a:stretch/>
+        </p:blipFill>
+        <p:spPr>
+          <a:xfrm>
+            <a:off x="5715244" y="4761695"/>
+            <a:ext cx="715860" cy="715860"/>
+          </a:xfrm>
+          <a:prstGeom prst="rect">
+            <a:avLst/>
+          </a:prstGeom>
+          <a:solidFill>
+            <a:schemeClr val="bg2">
+              <a:lumMod val="90000"/>
+            </a:schemeClr>
+          </a:solidFill>
+        </p:spPr>
+      </p:pic>
+      <p:pic>
+        <p:nvPicPr>
+          <p:cNvPr id="1034" name="Picture 10" descr="Js, react js, logo, react, react native icon - Free download">
+            <a:extLst>
+              <a:ext uri="{FF2B5EF4-FFF2-40B4-BE49-F238E27FC236}">
+                <a16:creationId xmlns:a16="http://schemas.microsoft.com/office/drawing/2014/main" id="{2A3E6BCD-C52E-4E14-970C-31AA038D2053}"/>
+              </a:ext>
+            </a:extLst>
+          </p:cNvPr>
+          <p:cNvPicPr>
+            <a:picLocks noChangeAspect="1" noChangeArrowheads="1"/>
+          </p:cNvPicPr>
+          <p:nvPr/>
+        </p:nvPicPr>
+        <p:blipFill>
+          <a:blip r:embed="rId9">
+            <a:extLst>
+              <a:ext uri="{28A0092B-C50C-407E-A947-70E740481C1C}">
+                <a14:useLocalDpi xmlns:a14="http://schemas.microsoft.com/office/drawing/2010/main" val="0"/>
+              </a:ext>
+            </a:extLst>
+          </a:blip>
+          <a:srcRect/>
+          <a:stretch>
+            <a:fillRect/>
+          </a:stretch>
+        </p:blipFill>
+        <p:spPr bwMode="auto">
+          <a:xfrm>
+            <a:off x="3031319" y="1743121"/>
+            <a:ext cx="762496" cy="762496"/>
+          </a:xfrm>
+          <a:prstGeom prst="rect">
+            <a:avLst/>
+          </a:prstGeom>
           <a:noFill/>
-        </p:spPr>
-        <p:txBody>
-          <a:bodyPr wrap="square" lIns="91440" tIns="45720" rIns="91440" bIns="45720" anchor="t">
-            <a:spAutoFit/>
-          </a:bodyPr>
+          <a:extLst>
+            <a:ext uri="{909E8E84-426E-40DD-AFC4-6F175D3DCCD1}">
+              <a14:hiddenFill xmlns:a14="http://schemas.microsoft.com/office/drawing/2010/main">
+                <a:solidFill>
+                  <a:srgbClr val="FFFFFF"/>
+                </a:solidFill>
+              </a14:hiddenFill>
+            </a:ext>
+          </a:extLst>
+        </p:spPr>
+      </p:pic>
+      <p:pic>
+        <p:nvPicPr>
+          <p:cNvPr id="1040" name="Picture 16" descr="Expo Go App Logo PNG Vector (SVG) Free Download">
+            <a:extLst>
+              <a:ext uri="{FF2B5EF4-FFF2-40B4-BE49-F238E27FC236}">
+                <a16:creationId xmlns:a16="http://schemas.microsoft.com/office/drawing/2014/main" id="{D3844985-0FC0-49E3-83FE-C94F33E1240A}"/>
+              </a:ext>
+            </a:extLst>
+          </p:cNvPr>
+          <p:cNvPicPr>
+            <a:picLocks noChangeAspect="1" noChangeArrowheads="1"/>
+          </p:cNvPicPr>
+          <p:nvPr/>
+        </p:nvPicPr>
+        <p:blipFill>
+          <a:blip r:embed="rId10">
+            <a:extLst>
+              <a:ext uri="{28A0092B-C50C-407E-A947-70E740481C1C}">
+                <a14:useLocalDpi xmlns:a14="http://schemas.microsoft.com/office/drawing/2010/main" val="0"/>
+              </a:ext>
+            </a:extLst>
+          </a:blip>
+          <a:srcRect/>
+          <a:stretch>
+            <a:fillRect/>
+          </a:stretch>
+        </p:blipFill>
+        <p:spPr bwMode="auto">
+          <a:xfrm>
+            <a:off x="3161571" y="3324926"/>
+            <a:ext cx="501991" cy="588271"/>
+          </a:xfrm>
+          <a:prstGeom prst="rect">
+            <a:avLst/>
+          </a:prstGeom>
+          <a:noFill/>
+          <a:extLst>
+            <a:ext uri="{909E8E84-426E-40DD-AFC4-6F175D3DCCD1}">
+              <a14:hiddenFill xmlns:a14="http://schemas.microsoft.com/office/drawing/2010/main">
+                <a:solidFill>
+                  <a:srgbClr val="FFFFFF"/>
+                </a:solidFill>
+              </a14:hiddenFill>
+            </a:ext>
+          </a:extLst>
+        </p:spPr>
+      </p:pic>
+      <p:pic>
+        <p:nvPicPr>
+          <p:cNvPr id="1042" name="Picture 18">
+            <a:extLst>
+              <a:ext uri="{FF2B5EF4-FFF2-40B4-BE49-F238E27FC236}">
+                <a16:creationId xmlns:a16="http://schemas.microsoft.com/office/drawing/2014/main" id="{F1F15056-E46D-4D21-B586-BCF34ADC7D13}"/>
+              </a:ext>
+            </a:extLst>
+          </p:cNvPr>
+          <p:cNvPicPr>
+            <a:picLocks noChangeAspect="1" noChangeArrowheads="1"/>
+          </p:cNvPicPr>
+          <p:nvPr/>
+        </p:nvPicPr>
+        <p:blipFill>
+          <a:blip r:embed="rId11">
+            <a:extLst>
+              <a:ext uri="{28A0092B-C50C-407E-A947-70E740481C1C}">
+                <a14:useLocalDpi xmlns:a14="http://schemas.microsoft.com/office/drawing/2010/main" val="0"/>
+              </a:ext>
+            </a:extLst>
+          </a:blip>
+          <a:srcRect/>
+          <a:stretch>
+            <a:fillRect/>
+          </a:stretch>
+        </p:blipFill>
+        <p:spPr bwMode="auto">
+          <a:xfrm>
+            <a:off x="5649184" y="3511691"/>
+            <a:ext cx="864850" cy="219253"/>
+          </a:xfrm>
+          <a:prstGeom prst="rect">
+            <a:avLst/>
+          </a:prstGeom>
+          <a:noFill/>
+          <a:extLst>
+            <a:ext uri="{909E8E84-426E-40DD-AFC4-6F175D3DCCD1}">
+              <a14:hiddenFill xmlns:a14="http://schemas.microsoft.com/office/drawing/2010/main">
+                <a:solidFill>
+                  <a:srgbClr val="FFFFFF"/>
+                </a:solidFill>
+              </a14:hiddenFill>
+            </a:ext>
+          </a:extLst>
+        </p:spPr>
+      </p:pic>
+      <p:pic>
+        <p:nvPicPr>
+          <p:cNvPr id="1044" name="Picture 20">
+            <a:extLst>
+              <a:ext uri="{FF2B5EF4-FFF2-40B4-BE49-F238E27FC236}">
+                <a16:creationId xmlns:a16="http://schemas.microsoft.com/office/drawing/2014/main" id="{806BA0F7-8A3E-4367-B314-B5BEF62F4CEB}"/>
+              </a:ext>
+            </a:extLst>
+          </p:cNvPr>
+          <p:cNvPicPr>
+            <a:picLocks noChangeAspect="1" noChangeArrowheads="1"/>
+          </p:cNvPicPr>
+          <p:nvPr/>
+        </p:nvPicPr>
+        <p:blipFill>
+          <a:blip r:embed="rId12">
+            <a:extLst>
+              <a:ext uri="{28A0092B-C50C-407E-A947-70E740481C1C}">
+                <a14:useLocalDpi xmlns:a14="http://schemas.microsoft.com/office/drawing/2010/main" val="0"/>
+              </a:ext>
+            </a:extLst>
+          </a:blip>
+          <a:srcRect/>
+          <a:stretch>
+            <a:fillRect/>
+          </a:stretch>
+        </p:blipFill>
+        <p:spPr bwMode="auto">
+          <a:xfrm>
+            <a:off x="8414781" y="4792226"/>
+            <a:ext cx="652067" cy="652067"/>
+          </a:xfrm>
+          <a:prstGeom prst="rect">
+            <a:avLst/>
+          </a:prstGeom>
+          <a:noFill/>
+          <a:extLst>
+            <a:ext uri="{909E8E84-426E-40DD-AFC4-6F175D3DCCD1}">
+              <a14:hiddenFill xmlns:a14="http://schemas.microsoft.com/office/drawing/2010/main">
+                <a:solidFill>
+                  <a:srgbClr val="FFFFFF"/>
+                </a:solidFill>
+              </a14:hiddenFill>
+            </a:ext>
+          </a:extLst>
+        </p:spPr>
+      </p:pic>
+    </p:spTree>
+    <p:extLst>
+      <p:ext uri="{BB962C8B-B14F-4D97-AF65-F5344CB8AC3E}">
+        <p14:creationId xmlns:p14="http://schemas.microsoft.com/office/powerpoint/2010/main" val="3534198060"/>
+      </p:ext>
+    </p:extLst>
+  </p:cSld>
+  <p:clrMapOvr>
+    <a:masterClrMapping/>
+  </p:clrMapOvr>
+  <mc:AlternateContent xmlns:mc="http://schemas.openxmlformats.org/markup-compatibility/2006" xmlns:p159="http://schemas.microsoft.com/office/powerpoint/2015/09/main">
+    <mc:Choice Requires="p159">
+      <p:transition xmlns:p14="http://schemas.microsoft.com/office/powerpoint/2010/main" spd="slow" p14:dur="2000">
+        <p159:morph option="byObject"/>
+      </p:transition>
+    </mc:Choice>
+    <mc:Fallback xmlns="">
+      <p:transition spd="slow">
+        <p:fade/>
+      </p:transition>
+    </mc:Fallback>
+  </mc:AlternateContent>
+</p:sld>
+</file>
+
+<file path=ppt/slides/slide5.xml><?xml version="1.0" encoding="utf-8"?>
+<p:sld xmlns:a="http://schemas.openxmlformats.org/drawingml/2006/main" xmlns:r="http://schemas.openxmlformats.org/officeDocument/2006/relationships" xmlns:p="http://schemas.openxmlformats.org/presentationml/2006/main">
+  <p:cSld>
+    <p:spTree>
+      <p:nvGrpSpPr>
+        <p:cNvPr id="1" name=""/>
+        <p:cNvGrpSpPr/>
+        <p:nvPr/>
+      </p:nvGrpSpPr>
+      <p:grpSpPr>
+        <a:xfrm>
+          <a:off x="0" y="0"/>
+          <a:ext cx="0" cy="0"/>
+          <a:chOff x="0" y="0"/>
+          <a:chExt cx="0" cy="0"/>
+        </a:xfrm>
+      </p:grpSpPr>
+      <p:pic>
+        <p:nvPicPr>
+          <p:cNvPr id="4" name="Picture 3">
+            <a:extLst>
+              <a:ext uri="{FF2B5EF4-FFF2-40B4-BE49-F238E27FC236}">
+                <a16:creationId xmlns:a16="http://schemas.microsoft.com/office/drawing/2014/main" id="{F9FA9B99-B633-4D15-95F4-2DC9743D9A79}"/>
+              </a:ext>
+            </a:extLst>
+          </p:cNvPr>
+          <p:cNvPicPr>
+            <a:picLocks noChangeAspect="1"/>
+          </p:cNvPicPr>
+          <p:nvPr/>
+        </p:nvPicPr>
+        <p:blipFill>
+          <a:blip r:embed="rId2">
+            <a:extLst>
+              <a:ext uri="{28A0092B-C50C-407E-A947-70E740481C1C}">
+                <a14:useLocalDpi xmlns:a14="http://schemas.microsoft.com/office/drawing/2010/main" val="0"/>
+              </a:ext>
+            </a:extLst>
+          </a:blip>
+          <a:stretch>
+            <a:fillRect/>
+          </a:stretch>
+        </p:blipFill>
+        <p:spPr>
+          <a:xfrm rot="5400000">
+            <a:off x="2667000" y="-2666999"/>
+            <a:ext cx="6858000" cy="12192002"/>
+          </a:xfrm>
+          <a:prstGeom prst="rect">
+            <a:avLst/>
+          </a:prstGeom>
+        </p:spPr>
+      </p:pic>
+      <p:sp>
+        <p:nvSpPr>
+          <p:cNvPr id="9" name="Title 1">
+            <a:extLst>
+              <a:ext uri="{FF2B5EF4-FFF2-40B4-BE49-F238E27FC236}">
+                <a16:creationId xmlns:a16="http://schemas.microsoft.com/office/drawing/2014/main" id="{DBE1895B-E1FB-4BD0-A0BB-363B88525B8C}"/>
+              </a:ext>
+            </a:extLst>
+          </p:cNvPr>
+          <p:cNvSpPr>
+            <a:spLocks noGrp="1"/>
+          </p:cNvSpPr>
+          <p:nvPr>
+            <p:ph type="title"/>
+          </p:nvPr>
+        </p:nvSpPr>
+        <p:spPr>
+          <a:xfrm>
+            <a:off x="1234440" y="1"/>
+            <a:ext cx="9749419" cy="1310638"/>
+          </a:xfrm>
+        </p:spPr>
+        <p:txBody>
+          <a:bodyPr/>
           <a:lstStyle/>
           <a:p>
             <a:pPr algn="ctr"/>
             <a:r>
-              <a:rPr lang="ru-RU" sz="2000" dirty="0" err="1">
+              <a:rPr lang="ru-RU" dirty="0">
                 <a:solidFill>
                   <a:schemeClr val="bg2">
                     <a:lumMod val="90000"/>
                   </a:schemeClr>
                 </a:solidFill>
-                <a:latin typeface="Montserrat Light"/>
-                <a:ea typeface="+mn-lt"/>
-                <a:cs typeface="+mn-lt"/>
+                <a:latin typeface="Montserrat Black" panose="00000A00000000000000" pitchFamily="2" charset="-52"/>
               </a:rPr>
-              <a:t>Спендли</a:t>
-            </a:r>
-            <a:r>
-              <a:rPr lang="ru-RU" sz="2000" dirty="0">
+              <a:t>ЗАКЛЮЧЕНИЕ</a:t>
+            </a:r>
+            <a:endParaRPr lang="en-US" dirty="0">
+              <a:solidFill>
+                <a:schemeClr val="bg2">
+                  <a:lumMod val="90000"/>
+                </a:schemeClr>
+              </a:solidFill>
+              <a:latin typeface="Montserrat Black" panose="00000A00000000000000" pitchFamily="2" charset="-52"/>
+            </a:endParaRPr>
+          </a:p>
+        </p:txBody>
+      </p:sp>
+      <p:cxnSp>
+        <p:nvCxnSpPr>
+          <p:cNvPr id="13" name="Straight Connector 12">
+            <a:extLst>
+              <a:ext uri="{FF2B5EF4-FFF2-40B4-BE49-F238E27FC236}">
+                <a16:creationId xmlns:a16="http://schemas.microsoft.com/office/drawing/2014/main" id="{153F6F7C-3B04-4E90-84F2-17BC24A9859B}"/>
+              </a:ext>
+            </a:extLst>
+          </p:cNvPr>
+          <p:cNvCxnSpPr>
+            <a:cxnSpLocks/>
+          </p:cNvCxnSpPr>
+          <p:nvPr/>
+        </p:nvCxnSpPr>
+        <p:spPr>
+          <a:xfrm>
+            <a:off x="1234440" y="0"/>
+            <a:ext cx="0" cy="6857998"/>
+          </a:xfrm>
+          <a:prstGeom prst="line">
+            <a:avLst/>
+          </a:prstGeom>
+        </p:spPr>
+        <p:style>
+          <a:lnRef idx="1">
+            <a:schemeClr val="accent3"/>
+          </a:lnRef>
+          <a:fillRef idx="0">
+            <a:schemeClr val="accent3"/>
+          </a:fillRef>
+          <a:effectRef idx="0">
+            <a:schemeClr val="accent3"/>
+          </a:effectRef>
+          <a:fontRef idx="minor">
+            <a:schemeClr val="tx1"/>
+          </a:fontRef>
+        </p:style>
+      </p:cxnSp>
+      <p:cxnSp>
+        <p:nvCxnSpPr>
+          <p:cNvPr id="17" name="Straight Connector 16">
+            <a:extLst>
+              <a:ext uri="{FF2B5EF4-FFF2-40B4-BE49-F238E27FC236}">
+                <a16:creationId xmlns:a16="http://schemas.microsoft.com/office/drawing/2014/main" id="{6A5C49B8-4836-4F47-8539-FB100016787A}"/>
+              </a:ext>
+            </a:extLst>
+          </p:cNvPr>
+          <p:cNvCxnSpPr>
+            <a:cxnSpLocks/>
+          </p:cNvCxnSpPr>
+          <p:nvPr/>
+        </p:nvCxnSpPr>
+        <p:spPr>
+          <a:xfrm>
+            <a:off x="0" y="1318260"/>
+            <a:ext cx="12192001" cy="0"/>
+          </a:xfrm>
+          <a:prstGeom prst="line">
+            <a:avLst/>
+          </a:prstGeom>
+        </p:spPr>
+        <p:style>
+          <a:lnRef idx="1">
+            <a:schemeClr val="accent3"/>
+          </a:lnRef>
+          <a:fillRef idx="0">
+            <a:schemeClr val="accent3"/>
+          </a:fillRef>
+          <a:effectRef idx="0">
+            <a:schemeClr val="accent3"/>
+          </a:effectRef>
+          <a:fontRef idx="minor">
+            <a:schemeClr val="tx1"/>
+          </a:fontRef>
+        </p:style>
+      </p:cxnSp>
+      <p:sp>
+        <p:nvSpPr>
+          <p:cNvPr id="26" name="Google Shape;527;p36">
+            <a:extLst>
+              <a:ext uri="{FF2B5EF4-FFF2-40B4-BE49-F238E27FC236}">
+                <a16:creationId xmlns:a16="http://schemas.microsoft.com/office/drawing/2014/main" id="{CF5054C9-DF20-439E-80A3-BE693A160A50}"/>
+              </a:ext>
+            </a:extLst>
+          </p:cNvPr>
+          <p:cNvSpPr txBox="1">
+            <a:spLocks/>
+          </p:cNvSpPr>
+          <p:nvPr/>
+        </p:nvSpPr>
+        <p:spPr>
+          <a:xfrm>
+            <a:off x="6240" y="433273"/>
+            <a:ext cx="1228200" cy="954000"/>
+          </a:xfrm>
+          <a:prstGeom prst="rect">
+            <a:avLst/>
+          </a:prstGeom>
+        </p:spPr>
+        <p:txBody>
+          <a:bodyPr spcFirstLastPara="1" vert="horz" wrap="square" lIns="91425" tIns="45700" rIns="91425" bIns="91425" rtlCol="0" anchor="t" anchorCtr="0">
+            <a:noAutofit/>
+          </a:bodyPr>
+          <a:lstStyle>
+            <a:lvl1pPr algn="l" defTabSz="914400" rtl="0" eaLnBrk="1" latinLnBrk="0" hangingPunct="1">
+              <a:lnSpc>
+                <a:spcPct val="90000"/>
+              </a:lnSpc>
+              <a:spcBef>
+                <a:spcPct val="0"/>
+              </a:spcBef>
+              <a:buNone/>
+              <a:defRPr sz="4400" kern="1200">
+                <a:solidFill>
+                  <a:schemeClr val="tx1"/>
+                </a:solidFill>
+                <a:latin typeface="+mj-lt"/>
+                <a:ea typeface="+mj-ea"/>
+                <a:cs typeface="+mj-cs"/>
+              </a:defRPr>
+            </a:lvl1pPr>
+          </a:lstStyle>
+          <a:p>
+            <a:pPr algn="ctr">
+              <a:spcBef>
+                <a:spcPts val="0"/>
+              </a:spcBef>
+            </a:pPr>
+            <a:r>
+              <a:rPr lang="en" dirty="0">
                 <a:solidFill>
                   <a:schemeClr val="bg2">
                     <a:lumMod val="90000"/>
                   </a:schemeClr>
                 </a:solidFill>
-                <a:latin typeface="Montserrat Light"/>
-                <a:ea typeface="+mn-lt"/>
-                <a:cs typeface="+mn-lt"/>
+                <a:latin typeface="Montserrat Black" panose="00000A00000000000000" pitchFamily="2" charset="-52"/>
               </a:rPr>
-              <a:t> </a:t>
-            </a:r>
-            <a:r>
-              <a:rPr lang="ru-RU" sz="2000" dirty="0" err="1">
+              <a:t>04</a:t>
+            </a:r>
+          </a:p>
+        </p:txBody>
+      </p:sp>
+      <p:sp>
+        <p:nvSpPr>
+          <p:cNvPr id="27" name="Title 1">
+            <a:extLst>
+              <a:ext uri="{FF2B5EF4-FFF2-40B4-BE49-F238E27FC236}">
+                <a16:creationId xmlns:a16="http://schemas.microsoft.com/office/drawing/2014/main" id="{B0792621-F964-48D8-87E0-46E64D1061BA}"/>
+              </a:ext>
+            </a:extLst>
+          </p:cNvPr>
+          <p:cNvSpPr txBox="1">
+            <a:spLocks/>
+          </p:cNvSpPr>
+          <p:nvPr/>
+        </p:nvSpPr>
+        <p:spPr>
+          <a:xfrm rot="16200000">
+            <a:off x="-1689647" y="3007908"/>
+            <a:ext cx="4613737" cy="1234439"/>
+          </a:xfrm>
+          <a:prstGeom prst="rect">
+            <a:avLst/>
+          </a:prstGeom>
+        </p:spPr>
+        <p:txBody>
+          <a:bodyPr vert="wordArtVert" lIns="91440" tIns="45720" rIns="91440" bIns="45720" rtlCol="0" anchor="ctr">
+            <a:normAutofit/>
+          </a:bodyPr>
+          <a:lstStyle>
+            <a:lvl1pPr algn="l" defTabSz="914400" rtl="0" eaLnBrk="1" latinLnBrk="0" hangingPunct="1">
+              <a:lnSpc>
+                <a:spcPct val="90000"/>
+              </a:lnSpc>
+              <a:spcBef>
+                <a:spcPct val="0"/>
+              </a:spcBef>
+              <a:buNone/>
+              <a:defRPr sz="4400" kern="1200">
+                <a:solidFill>
+                  <a:schemeClr val="tx1"/>
+                </a:solidFill>
+                <a:latin typeface="+mj-lt"/>
+                <a:ea typeface="+mj-ea"/>
+                <a:cs typeface="+mj-cs"/>
+              </a:defRPr>
+            </a:lvl1pPr>
+          </a:lstStyle>
+          <a:p>
+            <a:pPr algn="ctr"/>
+            <a:r>
+              <a:rPr lang="en-US" sz="3200" b="1" dirty="0">
                 <a:solidFill>
                   <a:schemeClr val="bg2">
                     <a:lumMod val="90000"/>
                   </a:schemeClr>
                 </a:solidFill>
-                <a:latin typeface="Montserrat Light"/>
-                <a:ea typeface="+mn-lt"/>
-                <a:cs typeface="+mn-lt"/>
+                <a:latin typeface="Montserrat Black" panose="00000A00000000000000" pitchFamily="2" charset="-52"/>
               </a:rPr>
-              <a:t>предлага</a:t>
-            </a:r>
-            <a:r>
-              <a:rPr lang="ru-RU" sz="2000" dirty="0">
+              <a:t>SPENDLY</a:t>
+            </a:r>
+            <a:endParaRPr lang="bg-BG" sz="3200" b="1" dirty="0">
+              <a:solidFill>
+                <a:schemeClr val="bg2">
+                  <a:lumMod val="90000"/>
+                </a:schemeClr>
+              </a:solidFill>
+              <a:latin typeface="Montserrat Black" panose="00000A00000000000000" pitchFamily="2" charset="-52"/>
+            </a:endParaRPr>
+          </a:p>
+        </p:txBody>
+      </p:sp>
+      <p:cxnSp>
+        <p:nvCxnSpPr>
+          <p:cNvPr id="12" name="Straight Connector 11">
+            <a:extLst>
+              <a:ext uri="{FF2B5EF4-FFF2-40B4-BE49-F238E27FC236}">
+                <a16:creationId xmlns:a16="http://schemas.microsoft.com/office/drawing/2014/main" id="{403CCE91-1BF6-4D22-B9BA-FFE159035542}"/>
+              </a:ext>
+            </a:extLst>
+          </p:cNvPr>
+          <p:cNvCxnSpPr>
+            <a:cxnSpLocks/>
+          </p:cNvCxnSpPr>
+          <p:nvPr/>
+        </p:nvCxnSpPr>
+        <p:spPr>
+          <a:xfrm>
+            <a:off x="10972800" y="0"/>
+            <a:ext cx="0" cy="6857998"/>
+          </a:xfrm>
+          <a:prstGeom prst="line">
+            <a:avLst/>
+          </a:prstGeom>
+        </p:spPr>
+        <p:style>
+          <a:lnRef idx="1">
+            <a:schemeClr val="accent3"/>
+          </a:lnRef>
+          <a:fillRef idx="0">
+            <a:schemeClr val="accent3"/>
+          </a:fillRef>
+          <a:effectRef idx="0">
+            <a:schemeClr val="accent3"/>
+          </a:effectRef>
+          <a:fontRef idx="minor">
+            <a:schemeClr val="tx1"/>
+          </a:fontRef>
+        </p:style>
+      </p:cxnSp>
+      <p:sp>
+        <p:nvSpPr>
+          <p:cNvPr id="14" name="Title 1">
+            <a:extLst>
+              <a:ext uri="{FF2B5EF4-FFF2-40B4-BE49-F238E27FC236}">
+                <a16:creationId xmlns:a16="http://schemas.microsoft.com/office/drawing/2014/main" id="{30CCAF8F-4D3D-4B72-B54C-D417F1ABC1A9}"/>
+              </a:ext>
+            </a:extLst>
+          </p:cNvPr>
+          <p:cNvSpPr txBox="1">
+            <a:spLocks/>
+          </p:cNvSpPr>
+          <p:nvPr/>
+        </p:nvSpPr>
+        <p:spPr>
+          <a:xfrm rot="5400000">
+            <a:off x="9275904" y="3004099"/>
+            <a:ext cx="4606116" cy="1234439"/>
+          </a:xfrm>
+          <a:prstGeom prst="rect">
+            <a:avLst/>
+          </a:prstGeom>
+        </p:spPr>
+        <p:txBody>
+          <a:bodyPr vert="wordArtVert" lIns="91440" tIns="45720" rIns="91440" bIns="45720" rtlCol="0" anchor="ctr">
+            <a:normAutofit/>
+          </a:bodyPr>
+          <a:lstStyle>
+            <a:lvl1pPr algn="l" defTabSz="914400" rtl="0" eaLnBrk="1" latinLnBrk="0" hangingPunct="1">
+              <a:lnSpc>
+                <a:spcPct val="90000"/>
+              </a:lnSpc>
+              <a:spcBef>
+                <a:spcPct val="0"/>
+              </a:spcBef>
+              <a:buNone/>
+              <a:defRPr sz="4400" kern="1200">
+                <a:solidFill>
+                  <a:schemeClr val="tx1"/>
+                </a:solidFill>
+                <a:latin typeface="+mj-lt"/>
+                <a:ea typeface="+mj-ea"/>
+                <a:cs typeface="+mj-cs"/>
+              </a:defRPr>
+            </a:lvl1pPr>
+          </a:lstStyle>
+          <a:p>
+            <a:pPr algn="ctr"/>
+            <a:r>
+              <a:rPr lang="en-US" sz="3200" b="1" dirty="0">
                 <a:solidFill>
                   <a:schemeClr val="bg2">
                     <a:lumMod val="90000"/>
                   </a:schemeClr>
                 </a:solidFill>
-                <a:latin typeface="Montserrat Light"/>
-                <a:ea typeface="+mn-lt"/>
-                <a:cs typeface="+mn-lt"/>
+                <a:latin typeface="Montserrat Black" panose="00000A00000000000000" pitchFamily="2" charset="-52"/>
               </a:rPr>
-              <a:t> удобно решение за управление на </a:t>
-            </a:r>
-            <a:r>
-              <a:rPr lang="ru-RU" sz="2000" dirty="0" err="1">
+              <a:t>SPENDLY</a:t>
+            </a:r>
+            <a:endParaRPr lang="bg-BG" sz="3200" b="1" dirty="0">
+              <a:solidFill>
+                <a:schemeClr val="bg2">
+                  <a:lumMod val="90000"/>
+                </a:schemeClr>
+              </a:solidFill>
+              <a:latin typeface="Montserrat Black" panose="00000A00000000000000" pitchFamily="2" charset="-52"/>
+            </a:endParaRPr>
+          </a:p>
+        </p:txBody>
+      </p:sp>
+      <p:pic>
+        <p:nvPicPr>
+          <p:cNvPr id="15" name="Picture 14">
+            <a:extLst>
+              <a:ext uri="{FF2B5EF4-FFF2-40B4-BE49-F238E27FC236}">
+                <a16:creationId xmlns:a16="http://schemas.microsoft.com/office/drawing/2014/main" id="{7A660762-5E96-4FE0-A13C-1B8BC29C6D0F}"/>
+              </a:ext>
+            </a:extLst>
+          </p:cNvPr>
+          <p:cNvPicPr>
+            <a:picLocks noChangeAspect="1"/>
+          </p:cNvPicPr>
+          <p:nvPr/>
+        </p:nvPicPr>
+        <p:blipFill>
+          <a:blip r:embed="rId3">
+            <a:extLst>
+              <a:ext uri="{28A0092B-C50C-407E-A947-70E740481C1C}">
+                <a14:useLocalDpi xmlns:a14="http://schemas.microsoft.com/office/drawing/2010/main" val="0"/>
+              </a:ext>
+            </a:extLst>
+          </a:blip>
+          <a:stretch>
+            <a:fillRect/>
+          </a:stretch>
+        </p:blipFill>
+        <p:spPr>
+          <a:xfrm>
+            <a:off x="11147627" y="234882"/>
+            <a:ext cx="862669" cy="848498"/>
+          </a:xfrm>
+          <a:prstGeom prst="rect">
+            <a:avLst/>
+          </a:prstGeom>
+        </p:spPr>
+      </p:pic>
+      <p:cxnSp>
+        <p:nvCxnSpPr>
+          <p:cNvPr id="16" name="Straight Connector 15">
+            <a:extLst>
+              <a:ext uri="{FF2B5EF4-FFF2-40B4-BE49-F238E27FC236}">
+                <a16:creationId xmlns:a16="http://schemas.microsoft.com/office/drawing/2014/main" id="{FD507A93-F69C-4846-A870-796F11161FC8}"/>
+              </a:ext>
+            </a:extLst>
+          </p:cNvPr>
+          <p:cNvCxnSpPr>
+            <a:cxnSpLocks/>
+          </p:cNvCxnSpPr>
+          <p:nvPr/>
+        </p:nvCxnSpPr>
+        <p:spPr>
+          <a:xfrm>
+            <a:off x="0" y="5924375"/>
+            <a:ext cx="12192001" cy="0"/>
+          </a:xfrm>
+          <a:prstGeom prst="line">
+            <a:avLst/>
+          </a:prstGeom>
+        </p:spPr>
+        <p:style>
+          <a:lnRef idx="1">
+            <a:schemeClr val="accent3"/>
+          </a:lnRef>
+          <a:fillRef idx="0">
+            <a:schemeClr val="accent3"/>
+          </a:fillRef>
+          <a:effectRef idx="0">
+            <a:schemeClr val="accent3"/>
+          </a:effectRef>
+          <a:fontRef idx="minor">
+            <a:schemeClr val="tx1"/>
+          </a:fontRef>
+        </p:style>
+      </p:cxnSp>
+      <p:sp>
+        <p:nvSpPr>
+          <p:cNvPr id="18" name="TextBox 17">
+            <a:extLst>
+              <a:ext uri="{FF2B5EF4-FFF2-40B4-BE49-F238E27FC236}">
+                <a16:creationId xmlns:a16="http://schemas.microsoft.com/office/drawing/2014/main" id="{3E2D3532-A12B-491B-9061-2161ECFE2798}"/>
+              </a:ext>
+            </a:extLst>
+          </p:cNvPr>
+          <p:cNvSpPr txBox="1"/>
+          <p:nvPr/>
+        </p:nvSpPr>
+        <p:spPr>
+          <a:xfrm>
+            <a:off x="2021392" y="2151726"/>
+            <a:ext cx="8175514" cy="2308324"/>
+          </a:xfrm>
+          <a:prstGeom prst="rect">
+            <a:avLst/>
+          </a:prstGeom>
+          <a:noFill/>
+        </p:spPr>
+        <p:txBody>
+          <a:bodyPr wrap="square">
+            <a:spAutoFit/>
+          </a:bodyPr>
+          <a:lstStyle/>
+          <a:p>
+            <a:pPr algn="ctr"/>
+            <a:r>
+              <a:rPr lang="ru-RU" sz="1800" b="0" i="0" u="none" strike="noStrike" dirty="0">
+                <a:solidFill>
+                  <a:srgbClr val="D0CECE"/>
+                </a:solidFill>
+                <a:effectLst/>
+                <a:latin typeface="Montserrat Light" panose="00000400000000000000" pitchFamily="2" charset="0"/>
+              </a:rPr>
+              <a:t>Спендли предлага удобно решение за управление на разходите, като автоматизира процеса на събиране и съхранение на касови бележки. Приложението вече е в процес на тестване от ограничен брой потребители, като резултатите показват значително улеснение при проследяването на разходите. В бъдеще има възможност за добавяне на функционалности като автоматично генериране на графики на разходите и интеграция с други финансови приложения.</a:t>
+            </a:r>
+            <a:r>
+              <a:rPr lang="ru-RU" sz="1800" b="0" i="0" dirty="0">
+                <a:solidFill>
+                  <a:srgbClr val="000000"/>
+                </a:solidFill>
+                <a:effectLst/>
+                <a:latin typeface="Montserrat Light" panose="00000400000000000000" pitchFamily="2" charset="0"/>
+              </a:rPr>
+              <a:t>​</a:t>
+            </a:r>
+            <a:endParaRPr lang="bg-BG" sz="2000" dirty="0">
+              <a:solidFill>
+                <a:schemeClr val="bg2">
+                  <a:lumMod val="90000"/>
+                </a:schemeClr>
+              </a:solidFill>
+              <a:latin typeface="Montserrat Light" panose="00000400000000000000" pitchFamily="2" charset="-52"/>
+            </a:endParaRPr>
+          </a:p>
+        </p:txBody>
+      </p:sp>
+      <p:sp>
+        <p:nvSpPr>
+          <p:cNvPr id="19" name="Title 1">
+            <a:extLst>
+              <a:ext uri="{FF2B5EF4-FFF2-40B4-BE49-F238E27FC236}">
+                <a16:creationId xmlns:a16="http://schemas.microsoft.com/office/drawing/2014/main" id="{FE772B96-31F3-414D-82A9-155E507CDF4C}"/>
+              </a:ext>
+            </a:extLst>
+          </p:cNvPr>
+          <p:cNvSpPr txBox="1">
+            <a:spLocks/>
+          </p:cNvSpPr>
+          <p:nvPr/>
+        </p:nvSpPr>
+        <p:spPr>
+          <a:xfrm>
+            <a:off x="1234439" y="1"/>
+            <a:ext cx="9749419" cy="1310638"/>
+          </a:xfrm>
+          <a:prstGeom prst="rect">
+            <a:avLst/>
+          </a:prstGeom>
+        </p:spPr>
+        <p:txBody>
+          <a:bodyPr vert="horz" lIns="91440" tIns="45720" rIns="91440" bIns="45720" rtlCol="0" anchor="ctr">
+            <a:normAutofit/>
+          </a:bodyPr>
+          <a:lstStyle>
+            <a:lvl1pPr algn="l" defTabSz="914400" rtl="0" eaLnBrk="1" latinLnBrk="0" hangingPunct="1">
+              <a:lnSpc>
+                <a:spcPct val="90000"/>
+              </a:lnSpc>
+              <a:spcBef>
+                <a:spcPct val="0"/>
+              </a:spcBef>
+              <a:buNone/>
+              <a:defRPr sz="4400" kern="1200">
+                <a:solidFill>
+                  <a:schemeClr val="tx1"/>
+                </a:solidFill>
+                <a:latin typeface="+mj-lt"/>
+                <a:ea typeface="+mj-ea"/>
+                <a:cs typeface="+mj-cs"/>
+              </a:defRPr>
+            </a:lvl1pPr>
+          </a:lstStyle>
+          <a:p>
+            <a:pPr algn="ctr"/>
+            <a:r>
+              <a:rPr lang="ru-RU" dirty="0">
                 <a:solidFill>
                   <a:schemeClr val="bg2">
                     <a:lumMod val="90000"/>
                   </a:schemeClr>
                 </a:solidFill>
-                <a:latin typeface="Montserrat Light"/>
-                <a:ea typeface="+mn-lt"/>
-                <a:cs typeface="+mn-lt"/>
+                <a:latin typeface="Montserrat Black" panose="00000A00000000000000" pitchFamily="2" charset="-52"/>
               </a:rPr>
-              <a:t>разходите</a:t>
-            </a:r>
-            <a:r>
-              <a:rPr lang="ru-RU" sz="2000" dirty="0">
-                <a:solidFill>
-                  <a:schemeClr val="bg2">
-                    <a:lumMod val="90000"/>
-                  </a:schemeClr>
-                </a:solidFill>
-                <a:latin typeface="Montserrat Light"/>
-                <a:ea typeface="+mn-lt"/>
-                <a:cs typeface="+mn-lt"/>
-              </a:rPr>
-              <a:t>, </a:t>
-            </a:r>
-            <a:r>
-              <a:rPr lang="ru-RU" sz="2000" dirty="0" err="1">
-                <a:solidFill>
-                  <a:schemeClr val="bg2">
-                    <a:lumMod val="90000"/>
-                  </a:schemeClr>
-                </a:solidFill>
-                <a:latin typeface="Montserrat Light"/>
-                <a:ea typeface="+mn-lt"/>
-                <a:cs typeface="+mn-lt"/>
-              </a:rPr>
-              <a:t>като</a:t>
-            </a:r>
-            <a:r>
-              <a:rPr lang="ru-RU" sz="2000" dirty="0">
-                <a:solidFill>
-                  <a:schemeClr val="bg2">
-                    <a:lumMod val="90000"/>
-                  </a:schemeClr>
-                </a:solidFill>
-                <a:latin typeface="Montserrat Light"/>
-                <a:ea typeface="+mn-lt"/>
-                <a:cs typeface="+mn-lt"/>
-              </a:rPr>
-              <a:t> </a:t>
-            </a:r>
-            <a:r>
-              <a:rPr lang="ru-RU" sz="2000" dirty="0" err="1">
-                <a:solidFill>
-                  <a:schemeClr val="bg2">
-                    <a:lumMod val="90000"/>
-                  </a:schemeClr>
-                </a:solidFill>
-                <a:latin typeface="Montserrat Light"/>
-                <a:ea typeface="+mn-lt"/>
-                <a:cs typeface="+mn-lt"/>
-              </a:rPr>
-              <a:t>автоматизира</a:t>
-            </a:r>
-            <a:r>
-              <a:rPr lang="ru-RU" sz="2000" dirty="0">
-                <a:solidFill>
-                  <a:schemeClr val="bg2">
-                    <a:lumMod val="90000"/>
-                  </a:schemeClr>
-                </a:solidFill>
-                <a:latin typeface="Montserrat Light"/>
-                <a:ea typeface="+mn-lt"/>
-                <a:cs typeface="+mn-lt"/>
-              </a:rPr>
-              <a:t> </a:t>
-            </a:r>
-            <a:r>
-              <a:rPr lang="ru-RU" sz="2000" dirty="0" err="1">
-                <a:solidFill>
-                  <a:schemeClr val="bg2">
-                    <a:lumMod val="90000"/>
-                  </a:schemeClr>
-                </a:solidFill>
-                <a:latin typeface="Montserrat Light"/>
-                <a:ea typeface="+mn-lt"/>
-                <a:cs typeface="+mn-lt"/>
-              </a:rPr>
-              <a:t>процеса</a:t>
-            </a:r>
-            <a:r>
-              <a:rPr lang="ru-RU" sz="2000" dirty="0">
-                <a:solidFill>
-                  <a:schemeClr val="bg2">
-                    <a:lumMod val="90000"/>
-                  </a:schemeClr>
-                </a:solidFill>
-                <a:latin typeface="Montserrat Light"/>
-                <a:ea typeface="+mn-lt"/>
-                <a:cs typeface="+mn-lt"/>
-              </a:rPr>
-              <a:t> на </a:t>
-            </a:r>
-            <a:r>
-              <a:rPr lang="ru-RU" sz="2000" dirty="0" err="1">
-                <a:solidFill>
-                  <a:schemeClr val="bg2">
-                    <a:lumMod val="90000"/>
-                  </a:schemeClr>
-                </a:solidFill>
-                <a:latin typeface="Montserrat Light"/>
-                <a:ea typeface="+mn-lt"/>
-                <a:cs typeface="+mn-lt"/>
-              </a:rPr>
-              <a:t>събиране</a:t>
-            </a:r>
-            <a:r>
-              <a:rPr lang="ru-RU" sz="2000" dirty="0">
-                <a:solidFill>
-                  <a:schemeClr val="bg2">
-                    <a:lumMod val="90000"/>
-                  </a:schemeClr>
-                </a:solidFill>
-                <a:latin typeface="Montserrat Light"/>
-                <a:ea typeface="+mn-lt"/>
-                <a:cs typeface="+mn-lt"/>
-              </a:rPr>
-              <a:t> и </a:t>
-            </a:r>
-            <a:r>
-              <a:rPr lang="ru-RU" sz="2000" dirty="0" err="1">
-                <a:solidFill>
-                  <a:schemeClr val="bg2">
-                    <a:lumMod val="90000"/>
-                  </a:schemeClr>
-                </a:solidFill>
-                <a:latin typeface="Montserrat Light"/>
-                <a:ea typeface="+mn-lt"/>
-                <a:cs typeface="+mn-lt"/>
-              </a:rPr>
-              <a:t>съхранение</a:t>
-            </a:r>
-            <a:r>
-              <a:rPr lang="ru-RU" sz="2000" dirty="0">
-                <a:solidFill>
-                  <a:schemeClr val="bg2">
-                    <a:lumMod val="90000"/>
-                  </a:schemeClr>
-                </a:solidFill>
-                <a:latin typeface="Montserrat Light"/>
-                <a:ea typeface="+mn-lt"/>
-                <a:cs typeface="+mn-lt"/>
-              </a:rPr>
-              <a:t> на </a:t>
-            </a:r>
-            <a:r>
-              <a:rPr lang="ru-RU" sz="2000" dirty="0" err="1">
-                <a:solidFill>
-                  <a:schemeClr val="bg2">
-                    <a:lumMod val="90000"/>
-                  </a:schemeClr>
-                </a:solidFill>
-                <a:latin typeface="Montserrat Light"/>
-                <a:ea typeface="+mn-lt"/>
-                <a:cs typeface="+mn-lt"/>
-              </a:rPr>
-              <a:t>касови</a:t>
-            </a:r>
-            <a:r>
-              <a:rPr lang="ru-RU" sz="2000" dirty="0">
-                <a:solidFill>
-                  <a:schemeClr val="bg2">
-                    <a:lumMod val="90000"/>
-                  </a:schemeClr>
-                </a:solidFill>
-                <a:latin typeface="Montserrat Light"/>
-                <a:ea typeface="+mn-lt"/>
-                <a:cs typeface="+mn-lt"/>
-              </a:rPr>
-              <a:t> </a:t>
-            </a:r>
-            <a:r>
-              <a:rPr lang="ru-RU" sz="2000" dirty="0" err="1">
-                <a:solidFill>
-                  <a:schemeClr val="bg2">
-                    <a:lumMod val="90000"/>
-                  </a:schemeClr>
-                </a:solidFill>
-                <a:latin typeface="Montserrat Light"/>
-                <a:ea typeface="+mn-lt"/>
-                <a:cs typeface="+mn-lt"/>
-              </a:rPr>
-              <a:t>бележки</a:t>
-            </a:r>
-            <a:r>
-              <a:rPr lang="ru-RU" sz="2000" dirty="0">
-                <a:solidFill>
-                  <a:schemeClr val="bg2">
-                    <a:lumMod val="90000"/>
-                  </a:schemeClr>
-                </a:solidFill>
-                <a:latin typeface="Montserrat Light"/>
-                <a:ea typeface="+mn-lt"/>
-                <a:cs typeface="+mn-lt"/>
-              </a:rPr>
-              <a:t>. </a:t>
-            </a:r>
-            <a:r>
-              <a:rPr lang="ru-RU" sz="2000" dirty="0" err="1">
-                <a:solidFill>
-                  <a:schemeClr val="bg2">
-                    <a:lumMod val="90000"/>
-                  </a:schemeClr>
-                </a:solidFill>
-                <a:latin typeface="Montserrat Light"/>
-                <a:ea typeface="+mn-lt"/>
-                <a:cs typeface="+mn-lt"/>
-              </a:rPr>
-              <a:t>Приложението</a:t>
-            </a:r>
-            <a:r>
-              <a:rPr lang="ru-RU" sz="2000" dirty="0">
-                <a:solidFill>
-                  <a:schemeClr val="bg2">
-                    <a:lumMod val="90000"/>
-                  </a:schemeClr>
-                </a:solidFill>
-                <a:latin typeface="Montserrat Light"/>
-                <a:ea typeface="+mn-lt"/>
-                <a:cs typeface="+mn-lt"/>
-              </a:rPr>
-              <a:t> вече е в </a:t>
-            </a:r>
-            <a:r>
-              <a:rPr lang="ru-RU" sz="2000" dirty="0" err="1">
-                <a:solidFill>
-                  <a:schemeClr val="bg2">
-                    <a:lumMod val="90000"/>
-                  </a:schemeClr>
-                </a:solidFill>
-                <a:latin typeface="Montserrat Light"/>
-                <a:ea typeface="+mn-lt"/>
-                <a:cs typeface="+mn-lt"/>
-              </a:rPr>
-              <a:t>процес</a:t>
-            </a:r>
-            <a:r>
-              <a:rPr lang="ru-RU" sz="2000" dirty="0">
-                <a:solidFill>
-                  <a:schemeClr val="bg2">
-                    <a:lumMod val="90000"/>
-                  </a:schemeClr>
-                </a:solidFill>
-                <a:latin typeface="Montserrat Light"/>
-                <a:ea typeface="+mn-lt"/>
-                <a:cs typeface="+mn-lt"/>
-              </a:rPr>
-              <a:t> на </a:t>
-            </a:r>
-            <a:r>
-              <a:rPr lang="ru-RU" sz="2000" dirty="0" err="1">
-                <a:solidFill>
-                  <a:schemeClr val="bg2">
-                    <a:lumMod val="90000"/>
-                  </a:schemeClr>
-                </a:solidFill>
-                <a:latin typeface="Montserrat Light"/>
-                <a:ea typeface="+mn-lt"/>
-                <a:cs typeface="+mn-lt"/>
-              </a:rPr>
-              <a:t>тестване</a:t>
-            </a:r>
-            <a:r>
-              <a:rPr lang="ru-RU" sz="2000" dirty="0">
-                <a:solidFill>
-                  <a:schemeClr val="bg2">
-                    <a:lumMod val="90000"/>
-                  </a:schemeClr>
-                </a:solidFill>
-                <a:latin typeface="Montserrat Light"/>
-                <a:ea typeface="+mn-lt"/>
-                <a:cs typeface="+mn-lt"/>
-              </a:rPr>
-              <a:t> от ограничен </a:t>
-            </a:r>
-            <a:r>
-              <a:rPr lang="ru-RU" sz="2000" dirty="0" err="1">
-                <a:solidFill>
-                  <a:schemeClr val="bg2">
-                    <a:lumMod val="90000"/>
-                  </a:schemeClr>
-                </a:solidFill>
-                <a:latin typeface="Montserrat Light"/>
-                <a:ea typeface="+mn-lt"/>
-                <a:cs typeface="+mn-lt"/>
-              </a:rPr>
-              <a:t>брой</a:t>
-            </a:r>
-            <a:r>
-              <a:rPr lang="ru-RU" sz="2000" dirty="0">
-                <a:solidFill>
-                  <a:schemeClr val="bg2">
-                    <a:lumMod val="90000"/>
-                  </a:schemeClr>
-                </a:solidFill>
-                <a:latin typeface="Montserrat Light"/>
-                <a:ea typeface="+mn-lt"/>
-                <a:cs typeface="+mn-lt"/>
-              </a:rPr>
-              <a:t> потребители, </a:t>
-            </a:r>
-            <a:r>
-              <a:rPr lang="ru-RU" sz="2000" dirty="0" err="1">
-                <a:solidFill>
-                  <a:schemeClr val="bg2">
-                    <a:lumMod val="90000"/>
-                  </a:schemeClr>
-                </a:solidFill>
-                <a:latin typeface="Montserrat Light"/>
-                <a:ea typeface="+mn-lt"/>
-                <a:cs typeface="+mn-lt"/>
-              </a:rPr>
-              <a:t>като</a:t>
-            </a:r>
-            <a:r>
-              <a:rPr lang="ru-RU" sz="2000" dirty="0">
-                <a:solidFill>
-                  <a:schemeClr val="bg2">
-                    <a:lumMod val="90000"/>
-                  </a:schemeClr>
-                </a:solidFill>
-                <a:latin typeface="Montserrat Light"/>
-                <a:ea typeface="+mn-lt"/>
-                <a:cs typeface="+mn-lt"/>
-              </a:rPr>
-              <a:t> </a:t>
-            </a:r>
-            <a:r>
-              <a:rPr lang="ru-RU" sz="2000" dirty="0" err="1">
-                <a:solidFill>
-                  <a:schemeClr val="bg2">
-                    <a:lumMod val="90000"/>
-                  </a:schemeClr>
-                </a:solidFill>
-                <a:latin typeface="Montserrat Light"/>
-                <a:ea typeface="+mn-lt"/>
-                <a:cs typeface="+mn-lt"/>
-              </a:rPr>
-              <a:t>резултатите</a:t>
-            </a:r>
-            <a:r>
-              <a:rPr lang="ru-RU" sz="2000" dirty="0">
-                <a:solidFill>
-                  <a:schemeClr val="bg2">
-                    <a:lumMod val="90000"/>
-                  </a:schemeClr>
-                </a:solidFill>
-                <a:latin typeface="Montserrat Light"/>
-                <a:ea typeface="+mn-lt"/>
-                <a:cs typeface="+mn-lt"/>
-              </a:rPr>
-              <a:t> </a:t>
-            </a:r>
-            <a:r>
-              <a:rPr lang="ru-RU" sz="2000" dirty="0" err="1">
-                <a:solidFill>
-                  <a:schemeClr val="bg2">
-                    <a:lumMod val="90000"/>
-                  </a:schemeClr>
-                </a:solidFill>
-                <a:latin typeface="Montserrat Light"/>
-                <a:ea typeface="+mn-lt"/>
-                <a:cs typeface="+mn-lt"/>
-              </a:rPr>
-              <a:t>показват</a:t>
-            </a:r>
-            <a:r>
-              <a:rPr lang="ru-RU" sz="2000" dirty="0">
-                <a:solidFill>
-                  <a:schemeClr val="bg2">
-                    <a:lumMod val="90000"/>
-                  </a:schemeClr>
-                </a:solidFill>
-                <a:latin typeface="Montserrat Light"/>
-                <a:ea typeface="+mn-lt"/>
-                <a:cs typeface="+mn-lt"/>
-              </a:rPr>
-              <a:t> </a:t>
-            </a:r>
-            <a:r>
-              <a:rPr lang="ru-RU" sz="2000" dirty="0" err="1">
-                <a:solidFill>
-                  <a:schemeClr val="bg2">
-                    <a:lumMod val="90000"/>
-                  </a:schemeClr>
-                </a:solidFill>
-                <a:latin typeface="Montserrat Light"/>
-                <a:ea typeface="+mn-lt"/>
-                <a:cs typeface="+mn-lt"/>
-              </a:rPr>
-              <a:t>значително</a:t>
-            </a:r>
-            <a:r>
-              <a:rPr lang="ru-RU" sz="2000" dirty="0">
-                <a:solidFill>
-                  <a:schemeClr val="bg2">
-                    <a:lumMod val="90000"/>
-                  </a:schemeClr>
-                </a:solidFill>
-                <a:latin typeface="Montserrat Light"/>
-                <a:ea typeface="+mn-lt"/>
-                <a:cs typeface="+mn-lt"/>
-              </a:rPr>
-              <a:t> </a:t>
-            </a:r>
-            <a:r>
-              <a:rPr lang="ru-RU" sz="2000" dirty="0" err="1">
-                <a:solidFill>
-                  <a:schemeClr val="bg2">
-                    <a:lumMod val="90000"/>
-                  </a:schemeClr>
-                </a:solidFill>
-                <a:latin typeface="Montserrat Light"/>
-                <a:ea typeface="+mn-lt"/>
-                <a:cs typeface="+mn-lt"/>
-              </a:rPr>
-              <a:t>улеснение</a:t>
-            </a:r>
-            <a:r>
-              <a:rPr lang="ru-RU" sz="2000" dirty="0">
-                <a:solidFill>
-                  <a:schemeClr val="bg2">
-                    <a:lumMod val="90000"/>
-                  </a:schemeClr>
-                </a:solidFill>
-                <a:latin typeface="Montserrat Light"/>
-                <a:ea typeface="+mn-lt"/>
-                <a:cs typeface="+mn-lt"/>
-              </a:rPr>
-              <a:t> при </a:t>
-            </a:r>
-            <a:r>
-              <a:rPr lang="ru-RU" sz="2000" dirty="0" err="1">
-                <a:solidFill>
-                  <a:schemeClr val="bg2">
-                    <a:lumMod val="90000"/>
-                  </a:schemeClr>
-                </a:solidFill>
-                <a:latin typeface="Montserrat Light"/>
-                <a:ea typeface="+mn-lt"/>
-                <a:cs typeface="+mn-lt"/>
-              </a:rPr>
-              <a:t>проследяването</a:t>
-            </a:r>
-            <a:r>
-              <a:rPr lang="ru-RU" sz="2000" dirty="0">
-                <a:solidFill>
-                  <a:schemeClr val="bg2">
-                    <a:lumMod val="90000"/>
-                  </a:schemeClr>
-                </a:solidFill>
-                <a:latin typeface="Montserrat Light"/>
-                <a:ea typeface="+mn-lt"/>
-                <a:cs typeface="+mn-lt"/>
-              </a:rPr>
-              <a:t> на </a:t>
-            </a:r>
-            <a:r>
-              <a:rPr lang="ru-RU" sz="2000" dirty="0" err="1">
-                <a:solidFill>
-                  <a:schemeClr val="bg2">
-                    <a:lumMod val="90000"/>
-                  </a:schemeClr>
-                </a:solidFill>
-                <a:latin typeface="Montserrat Light"/>
-                <a:ea typeface="+mn-lt"/>
-                <a:cs typeface="+mn-lt"/>
-              </a:rPr>
-              <a:t>разходите</a:t>
-            </a:r>
-            <a:r>
-              <a:rPr lang="ru-RU" sz="2000" dirty="0">
-                <a:solidFill>
-                  <a:schemeClr val="bg2">
-                    <a:lumMod val="90000"/>
-                  </a:schemeClr>
-                </a:solidFill>
-                <a:latin typeface="Montserrat Light"/>
-                <a:ea typeface="+mn-lt"/>
-                <a:cs typeface="+mn-lt"/>
-              </a:rPr>
-              <a:t>. В </a:t>
-            </a:r>
-            <a:r>
-              <a:rPr lang="ru-RU" sz="2000" dirty="0" err="1">
-                <a:solidFill>
-                  <a:schemeClr val="bg2">
-                    <a:lumMod val="90000"/>
-                  </a:schemeClr>
-                </a:solidFill>
-                <a:latin typeface="Montserrat Light"/>
-                <a:ea typeface="+mn-lt"/>
-                <a:cs typeface="+mn-lt"/>
-              </a:rPr>
-              <a:t>бъдеще</a:t>
-            </a:r>
-            <a:r>
-              <a:rPr lang="ru-RU" sz="2000" dirty="0">
-                <a:solidFill>
-                  <a:schemeClr val="bg2">
-                    <a:lumMod val="90000"/>
-                  </a:schemeClr>
-                </a:solidFill>
-                <a:latin typeface="Montserrat Light"/>
-                <a:ea typeface="+mn-lt"/>
-                <a:cs typeface="+mn-lt"/>
-              </a:rPr>
-              <a:t> </a:t>
-            </a:r>
-            <a:r>
-              <a:rPr lang="ru-RU" sz="2000" dirty="0" err="1">
-                <a:solidFill>
-                  <a:schemeClr val="bg2">
-                    <a:lumMod val="90000"/>
-                  </a:schemeClr>
-                </a:solidFill>
-                <a:latin typeface="Montserrat Light"/>
-                <a:ea typeface="+mn-lt"/>
-                <a:cs typeface="+mn-lt"/>
-              </a:rPr>
-              <a:t>има</a:t>
-            </a:r>
-            <a:r>
-              <a:rPr lang="ru-RU" sz="2000" dirty="0">
-                <a:solidFill>
-                  <a:schemeClr val="bg2">
-                    <a:lumMod val="90000"/>
-                  </a:schemeClr>
-                </a:solidFill>
-                <a:latin typeface="Montserrat Light"/>
-                <a:ea typeface="+mn-lt"/>
-                <a:cs typeface="+mn-lt"/>
-              </a:rPr>
-              <a:t> </a:t>
-            </a:r>
-            <a:r>
-              <a:rPr lang="ru-RU" sz="2000" dirty="0" err="1">
-                <a:solidFill>
-                  <a:schemeClr val="bg2">
-                    <a:lumMod val="90000"/>
-                  </a:schemeClr>
-                </a:solidFill>
-                <a:latin typeface="Montserrat Light"/>
-                <a:ea typeface="+mn-lt"/>
-                <a:cs typeface="+mn-lt"/>
-              </a:rPr>
-              <a:t>възможност</a:t>
-            </a:r>
-            <a:r>
-              <a:rPr lang="ru-RU" sz="2000" dirty="0">
-                <a:solidFill>
-                  <a:schemeClr val="bg2">
-                    <a:lumMod val="90000"/>
-                  </a:schemeClr>
-                </a:solidFill>
-                <a:latin typeface="Montserrat Light"/>
-                <a:ea typeface="+mn-lt"/>
-                <a:cs typeface="+mn-lt"/>
-              </a:rPr>
-              <a:t> за </a:t>
-            </a:r>
-            <a:r>
-              <a:rPr lang="ru-RU" sz="2000" dirty="0" err="1">
-                <a:solidFill>
-                  <a:schemeClr val="bg2">
-                    <a:lumMod val="90000"/>
-                  </a:schemeClr>
-                </a:solidFill>
-                <a:latin typeface="Montserrat Light"/>
-                <a:ea typeface="+mn-lt"/>
-                <a:cs typeface="+mn-lt"/>
-              </a:rPr>
-              <a:t>добавяне</a:t>
-            </a:r>
-            <a:r>
-              <a:rPr lang="ru-RU" sz="2000" dirty="0">
-                <a:solidFill>
-                  <a:schemeClr val="bg2">
-                    <a:lumMod val="90000"/>
-                  </a:schemeClr>
-                </a:solidFill>
-                <a:latin typeface="Montserrat Light"/>
-                <a:ea typeface="+mn-lt"/>
-                <a:cs typeface="+mn-lt"/>
-              </a:rPr>
-              <a:t> на </a:t>
-            </a:r>
-            <a:r>
-              <a:rPr lang="ru-RU" sz="2000" dirty="0" err="1">
-                <a:solidFill>
-                  <a:schemeClr val="bg2">
-                    <a:lumMod val="90000"/>
-                  </a:schemeClr>
-                </a:solidFill>
-                <a:latin typeface="Montserrat Light"/>
-                <a:ea typeface="+mn-lt"/>
-                <a:cs typeface="+mn-lt"/>
-              </a:rPr>
-              <a:t>функционалности</a:t>
-            </a:r>
-            <a:r>
-              <a:rPr lang="ru-RU" sz="2000" dirty="0">
-                <a:solidFill>
-                  <a:schemeClr val="bg2">
-                    <a:lumMod val="90000"/>
-                  </a:schemeClr>
-                </a:solidFill>
-                <a:latin typeface="Montserrat Light"/>
-                <a:ea typeface="+mn-lt"/>
-                <a:cs typeface="+mn-lt"/>
-              </a:rPr>
-              <a:t> </a:t>
-            </a:r>
-            <a:r>
-              <a:rPr lang="ru-RU" sz="2000" dirty="0" err="1">
-                <a:solidFill>
-                  <a:schemeClr val="bg2">
-                    <a:lumMod val="90000"/>
-                  </a:schemeClr>
-                </a:solidFill>
-                <a:latin typeface="Montserrat Light"/>
-                <a:ea typeface="+mn-lt"/>
-                <a:cs typeface="+mn-lt"/>
-              </a:rPr>
-              <a:t>като</a:t>
-            </a:r>
-            <a:r>
-              <a:rPr lang="ru-RU" sz="2000" dirty="0">
-                <a:solidFill>
-                  <a:schemeClr val="bg2">
-                    <a:lumMod val="90000"/>
-                  </a:schemeClr>
-                </a:solidFill>
-                <a:latin typeface="Montserrat Light"/>
-                <a:ea typeface="+mn-lt"/>
-                <a:cs typeface="+mn-lt"/>
-              </a:rPr>
-              <a:t> автоматично </a:t>
-            </a:r>
-            <a:r>
-              <a:rPr lang="ru-RU" sz="2000" dirty="0" err="1">
-                <a:solidFill>
-                  <a:schemeClr val="bg2">
-                    <a:lumMod val="90000"/>
-                  </a:schemeClr>
-                </a:solidFill>
-                <a:latin typeface="Montserrat Light"/>
-                <a:ea typeface="+mn-lt"/>
-                <a:cs typeface="+mn-lt"/>
-              </a:rPr>
-              <a:t>генериране</a:t>
-            </a:r>
-            <a:r>
-              <a:rPr lang="ru-RU" sz="2000" dirty="0">
-                <a:solidFill>
-                  <a:schemeClr val="bg2">
-                    <a:lumMod val="90000"/>
-                  </a:schemeClr>
-                </a:solidFill>
-                <a:latin typeface="Montserrat Light"/>
-                <a:ea typeface="+mn-lt"/>
-                <a:cs typeface="+mn-lt"/>
-              </a:rPr>
-              <a:t> на графики на </a:t>
-            </a:r>
-            <a:r>
-              <a:rPr lang="ru-RU" sz="2000" dirty="0" err="1">
-                <a:solidFill>
-                  <a:schemeClr val="bg2">
-                    <a:lumMod val="90000"/>
-                  </a:schemeClr>
-                </a:solidFill>
-                <a:latin typeface="Montserrat Light"/>
-                <a:ea typeface="+mn-lt"/>
-                <a:cs typeface="+mn-lt"/>
-              </a:rPr>
-              <a:t>разходите</a:t>
-            </a:r>
-            <a:r>
-              <a:rPr lang="ru-RU" sz="2000" dirty="0">
-                <a:solidFill>
-                  <a:schemeClr val="bg2">
-                    <a:lumMod val="90000"/>
-                  </a:schemeClr>
-                </a:solidFill>
-                <a:latin typeface="Montserrat Light"/>
-                <a:ea typeface="+mn-lt"/>
-                <a:cs typeface="+mn-lt"/>
-              </a:rPr>
-              <a:t> и интеграция с </a:t>
-            </a:r>
-            <a:r>
-              <a:rPr lang="ru-RU" sz="2000" dirty="0" err="1">
-                <a:solidFill>
-                  <a:schemeClr val="bg2">
-                    <a:lumMod val="90000"/>
-                  </a:schemeClr>
-                </a:solidFill>
-                <a:latin typeface="Montserrat Light"/>
-                <a:ea typeface="+mn-lt"/>
-                <a:cs typeface="+mn-lt"/>
-              </a:rPr>
-              <a:t>други</a:t>
-            </a:r>
-            <a:r>
-              <a:rPr lang="ru-RU" sz="2000" dirty="0">
-                <a:solidFill>
-                  <a:schemeClr val="bg2">
-                    <a:lumMod val="90000"/>
-                  </a:schemeClr>
-                </a:solidFill>
-                <a:latin typeface="Montserrat Light"/>
-                <a:ea typeface="+mn-lt"/>
-                <a:cs typeface="+mn-lt"/>
-              </a:rPr>
-              <a:t> </a:t>
-            </a:r>
-            <a:r>
-              <a:rPr lang="ru-RU" sz="2000" dirty="0" err="1">
-                <a:solidFill>
-                  <a:schemeClr val="bg2">
-                    <a:lumMod val="90000"/>
-                  </a:schemeClr>
-                </a:solidFill>
-                <a:latin typeface="Montserrat Light"/>
-                <a:ea typeface="+mn-lt"/>
-                <a:cs typeface="+mn-lt"/>
-              </a:rPr>
-              <a:t>финансови</a:t>
-            </a:r>
-            <a:r>
-              <a:rPr lang="ru-RU" sz="2000" dirty="0">
-                <a:solidFill>
-                  <a:schemeClr val="bg2">
-                    <a:lumMod val="90000"/>
-                  </a:schemeClr>
-                </a:solidFill>
-                <a:latin typeface="Montserrat Light"/>
-                <a:ea typeface="+mn-lt"/>
-                <a:cs typeface="+mn-lt"/>
-              </a:rPr>
-              <a:t> приложения.</a:t>
-            </a:r>
+              <a:t>ЗАКЛЮЧЕНИЕ</a:t>
+            </a:r>
+            <a:endParaRPr lang="en-US" dirty="0">
+              <a:solidFill>
+                <a:schemeClr val="bg2">
+                  <a:lumMod val="90000"/>
+                </a:schemeClr>
+              </a:solidFill>
+              <a:latin typeface="Montserrat Black" panose="00000A00000000000000" pitchFamily="2" charset="-52"/>
+            </a:endParaRPr>
           </a:p>
         </p:txBody>
       </p:sp>
@@ -7402,6 +6956,681 @@
       </p:transition>
     </mc:Choice>
     <mc:Fallback xmlns="">
+      <p:transition spd="slow">
+        <p:fade/>
+      </p:transition>
+    </mc:Fallback>
+  </mc:AlternateContent>
+</p:sld>
+</file>
+
+<file path=ppt/slides/slide6.xml><?xml version="1.0" encoding="utf-8"?>
+<p:sld xmlns:a="http://schemas.openxmlformats.org/drawingml/2006/main" xmlns:r="http://schemas.openxmlformats.org/officeDocument/2006/relationships" xmlns:p="http://schemas.openxmlformats.org/presentationml/2006/main">
+  <p:cSld>
+    <p:spTree>
+      <p:nvGrpSpPr>
+        <p:cNvPr id="1" name=""/>
+        <p:cNvGrpSpPr/>
+        <p:nvPr/>
+      </p:nvGrpSpPr>
+      <p:grpSpPr>
+        <a:xfrm>
+          <a:off x="0" y="0"/>
+          <a:ext cx="0" cy="0"/>
+          <a:chOff x="0" y="0"/>
+          <a:chExt cx="0" cy="0"/>
+        </a:xfrm>
+      </p:grpSpPr>
+      <p:pic>
+        <p:nvPicPr>
+          <p:cNvPr id="4" name="Picture 3">
+            <a:extLst>
+              <a:ext uri="{FF2B5EF4-FFF2-40B4-BE49-F238E27FC236}">
+                <a16:creationId xmlns:a16="http://schemas.microsoft.com/office/drawing/2014/main" id="{F9FA9B99-B633-4D15-95F4-2DC9743D9A79}"/>
+              </a:ext>
+            </a:extLst>
+          </p:cNvPr>
+          <p:cNvPicPr>
+            <a:picLocks noChangeAspect="1"/>
+          </p:cNvPicPr>
+          <p:nvPr/>
+        </p:nvPicPr>
+        <p:blipFill>
+          <a:blip r:embed="rId2">
+            <a:extLst>
+              <a:ext uri="{28A0092B-C50C-407E-A947-70E740481C1C}">
+                <a14:useLocalDpi xmlns:a14="http://schemas.microsoft.com/office/drawing/2010/main" val="0"/>
+              </a:ext>
+            </a:extLst>
+          </a:blip>
+          <a:stretch>
+            <a:fillRect/>
+          </a:stretch>
+        </p:blipFill>
+        <p:spPr>
+          <a:xfrm rot="5400000">
+            <a:off x="2667000" y="-2666999"/>
+            <a:ext cx="6858000" cy="12192002"/>
+          </a:xfrm>
+          <a:prstGeom prst="rect">
+            <a:avLst/>
+          </a:prstGeom>
+        </p:spPr>
+      </p:pic>
+      <p:cxnSp>
+        <p:nvCxnSpPr>
+          <p:cNvPr id="13" name="Straight Connector 12">
+            <a:extLst>
+              <a:ext uri="{FF2B5EF4-FFF2-40B4-BE49-F238E27FC236}">
+                <a16:creationId xmlns:a16="http://schemas.microsoft.com/office/drawing/2014/main" id="{153F6F7C-3B04-4E90-84F2-17BC24A9859B}"/>
+              </a:ext>
+            </a:extLst>
+          </p:cNvPr>
+          <p:cNvCxnSpPr>
+            <a:cxnSpLocks/>
+          </p:cNvCxnSpPr>
+          <p:nvPr/>
+        </p:nvCxnSpPr>
+        <p:spPr>
+          <a:xfrm>
+            <a:off x="1234440" y="0"/>
+            <a:ext cx="0" cy="6857998"/>
+          </a:xfrm>
+          <a:prstGeom prst="line">
+            <a:avLst/>
+          </a:prstGeom>
+        </p:spPr>
+        <p:style>
+          <a:lnRef idx="1">
+            <a:schemeClr val="accent3"/>
+          </a:lnRef>
+          <a:fillRef idx="0">
+            <a:schemeClr val="accent3"/>
+          </a:fillRef>
+          <a:effectRef idx="0">
+            <a:schemeClr val="accent3"/>
+          </a:effectRef>
+          <a:fontRef idx="minor">
+            <a:schemeClr val="tx1"/>
+          </a:fontRef>
+        </p:style>
+      </p:cxnSp>
+      <p:cxnSp>
+        <p:nvCxnSpPr>
+          <p:cNvPr id="17" name="Straight Connector 16">
+            <a:extLst>
+              <a:ext uri="{FF2B5EF4-FFF2-40B4-BE49-F238E27FC236}">
+                <a16:creationId xmlns:a16="http://schemas.microsoft.com/office/drawing/2014/main" id="{6A5C49B8-4836-4F47-8539-FB100016787A}"/>
+              </a:ext>
+            </a:extLst>
+          </p:cNvPr>
+          <p:cNvCxnSpPr>
+            <a:cxnSpLocks/>
+          </p:cNvCxnSpPr>
+          <p:nvPr/>
+        </p:nvCxnSpPr>
+        <p:spPr>
+          <a:xfrm>
+            <a:off x="10972800" y="1318259"/>
+            <a:ext cx="1219201" cy="1"/>
+          </a:xfrm>
+          <a:prstGeom prst="line">
+            <a:avLst/>
+          </a:prstGeom>
+        </p:spPr>
+        <p:style>
+          <a:lnRef idx="1">
+            <a:schemeClr val="accent3"/>
+          </a:lnRef>
+          <a:fillRef idx="0">
+            <a:schemeClr val="accent3"/>
+          </a:fillRef>
+          <a:effectRef idx="0">
+            <a:schemeClr val="accent3"/>
+          </a:effectRef>
+          <a:fontRef idx="minor">
+            <a:schemeClr val="tx1"/>
+          </a:fontRef>
+        </p:style>
+      </p:cxnSp>
+      <p:sp>
+        <p:nvSpPr>
+          <p:cNvPr id="27" name="Title 1">
+            <a:extLst>
+              <a:ext uri="{FF2B5EF4-FFF2-40B4-BE49-F238E27FC236}">
+                <a16:creationId xmlns:a16="http://schemas.microsoft.com/office/drawing/2014/main" id="{B0792621-F964-48D8-87E0-46E64D1061BA}"/>
+              </a:ext>
+            </a:extLst>
+          </p:cNvPr>
+          <p:cNvSpPr txBox="1">
+            <a:spLocks/>
+          </p:cNvSpPr>
+          <p:nvPr/>
+        </p:nvSpPr>
+        <p:spPr>
+          <a:xfrm rot="16200000">
+            <a:off x="-1689647" y="3007908"/>
+            <a:ext cx="4613737" cy="1234439"/>
+          </a:xfrm>
+          <a:prstGeom prst="rect">
+            <a:avLst/>
+          </a:prstGeom>
+        </p:spPr>
+        <p:txBody>
+          <a:bodyPr vert="wordArtVert" lIns="91440" tIns="45720" rIns="91440" bIns="45720" rtlCol="0" anchor="ctr">
+            <a:normAutofit/>
+          </a:bodyPr>
+          <a:lstStyle>
+            <a:lvl1pPr algn="l" defTabSz="914400" rtl="0" eaLnBrk="1" latinLnBrk="0" hangingPunct="1">
+              <a:lnSpc>
+                <a:spcPct val="90000"/>
+              </a:lnSpc>
+              <a:spcBef>
+                <a:spcPct val="0"/>
+              </a:spcBef>
+              <a:buNone/>
+              <a:defRPr sz="4400" kern="1200">
+                <a:solidFill>
+                  <a:schemeClr val="tx1"/>
+                </a:solidFill>
+                <a:latin typeface="+mj-lt"/>
+                <a:ea typeface="+mj-ea"/>
+                <a:cs typeface="+mj-cs"/>
+              </a:defRPr>
+            </a:lvl1pPr>
+          </a:lstStyle>
+          <a:p>
+            <a:pPr algn="ctr"/>
+            <a:r>
+              <a:rPr lang="en-US" sz="3200" b="1" dirty="0">
+                <a:solidFill>
+                  <a:schemeClr val="bg2">
+                    <a:lumMod val="90000"/>
+                  </a:schemeClr>
+                </a:solidFill>
+                <a:latin typeface="Montserrat Black" panose="00000A00000000000000" pitchFamily="2" charset="-52"/>
+              </a:rPr>
+              <a:t>SPENDLY</a:t>
+            </a:r>
+            <a:endParaRPr lang="bg-BG" sz="3200" b="1" dirty="0">
+              <a:solidFill>
+                <a:schemeClr val="bg2">
+                  <a:lumMod val="90000"/>
+                </a:schemeClr>
+              </a:solidFill>
+              <a:latin typeface="Montserrat Black" panose="00000A00000000000000" pitchFamily="2" charset="-52"/>
+            </a:endParaRPr>
+          </a:p>
+        </p:txBody>
+      </p:sp>
+      <p:cxnSp>
+        <p:nvCxnSpPr>
+          <p:cNvPr id="12" name="Straight Connector 11">
+            <a:extLst>
+              <a:ext uri="{FF2B5EF4-FFF2-40B4-BE49-F238E27FC236}">
+                <a16:creationId xmlns:a16="http://schemas.microsoft.com/office/drawing/2014/main" id="{403CCE91-1BF6-4D22-B9BA-FFE159035542}"/>
+              </a:ext>
+            </a:extLst>
+          </p:cNvPr>
+          <p:cNvCxnSpPr>
+            <a:cxnSpLocks/>
+          </p:cNvCxnSpPr>
+          <p:nvPr/>
+        </p:nvCxnSpPr>
+        <p:spPr>
+          <a:xfrm>
+            <a:off x="10972800" y="0"/>
+            <a:ext cx="0" cy="6857998"/>
+          </a:xfrm>
+          <a:prstGeom prst="line">
+            <a:avLst/>
+          </a:prstGeom>
+        </p:spPr>
+        <p:style>
+          <a:lnRef idx="1">
+            <a:schemeClr val="accent3"/>
+          </a:lnRef>
+          <a:fillRef idx="0">
+            <a:schemeClr val="accent3"/>
+          </a:fillRef>
+          <a:effectRef idx="0">
+            <a:schemeClr val="accent3"/>
+          </a:effectRef>
+          <a:fontRef idx="minor">
+            <a:schemeClr val="tx1"/>
+          </a:fontRef>
+        </p:style>
+      </p:cxnSp>
+      <p:sp>
+        <p:nvSpPr>
+          <p:cNvPr id="14" name="Title 1">
+            <a:extLst>
+              <a:ext uri="{FF2B5EF4-FFF2-40B4-BE49-F238E27FC236}">
+                <a16:creationId xmlns:a16="http://schemas.microsoft.com/office/drawing/2014/main" id="{30CCAF8F-4D3D-4B72-B54C-D417F1ABC1A9}"/>
+              </a:ext>
+            </a:extLst>
+          </p:cNvPr>
+          <p:cNvSpPr txBox="1">
+            <a:spLocks/>
+          </p:cNvSpPr>
+          <p:nvPr/>
+        </p:nvSpPr>
+        <p:spPr>
+          <a:xfrm rot="5400000">
+            <a:off x="9275904" y="3004099"/>
+            <a:ext cx="4606116" cy="1234439"/>
+          </a:xfrm>
+          <a:prstGeom prst="rect">
+            <a:avLst/>
+          </a:prstGeom>
+        </p:spPr>
+        <p:txBody>
+          <a:bodyPr vert="wordArtVert" lIns="91440" tIns="45720" rIns="91440" bIns="45720" rtlCol="0" anchor="ctr">
+            <a:normAutofit/>
+          </a:bodyPr>
+          <a:lstStyle>
+            <a:lvl1pPr algn="l" defTabSz="914400" rtl="0" eaLnBrk="1" latinLnBrk="0" hangingPunct="1">
+              <a:lnSpc>
+                <a:spcPct val="90000"/>
+              </a:lnSpc>
+              <a:spcBef>
+                <a:spcPct val="0"/>
+              </a:spcBef>
+              <a:buNone/>
+              <a:defRPr sz="4400" kern="1200">
+                <a:solidFill>
+                  <a:schemeClr val="tx1"/>
+                </a:solidFill>
+                <a:latin typeface="+mj-lt"/>
+                <a:ea typeface="+mj-ea"/>
+                <a:cs typeface="+mj-cs"/>
+              </a:defRPr>
+            </a:lvl1pPr>
+          </a:lstStyle>
+          <a:p>
+            <a:pPr algn="ctr"/>
+            <a:r>
+              <a:rPr lang="en-US" sz="3200" b="1" dirty="0">
+                <a:solidFill>
+                  <a:schemeClr val="bg2">
+                    <a:lumMod val="90000"/>
+                  </a:schemeClr>
+                </a:solidFill>
+                <a:latin typeface="Montserrat Black" panose="00000A00000000000000" pitchFamily="2" charset="-52"/>
+              </a:rPr>
+              <a:t>SPENDLY</a:t>
+            </a:r>
+            <a:endParaRPr lang="bg-BG" sz="3200" b="1" dirty="0">
+              <a:solidFill>
+                <a:schemeClr val="bg2">
+                  <a:lumMod val="90000"/>
+                </a:schemeClr>
+              </a:solidFill>
+              <a:latin typeface="Montserrat Black" panose="00000A00000000000000" pitchFamily="2" charset="-52"/>
+            </a:endParaRPr>
+          </a:p>
+        </p:txBody>
+      </p:sp>
+      <p:pic>
+        <p:nvPicPr>
+          <p:cNvPr id="15" name="Picture 14">
+            <a:extLst>
+              <a:ext uri="{FF2B5EF4-FFF2-40B4-BE49-F238E27FC236}">
+                <a16:creationId xmlns:a16="http://schemas.microsoft.com/office/drawing/2014/main" id="{7A660762-5E96-4FE0-A13C-1B8BC29C6D0F}"/>
+              </a:ext>
+            </a:extLst>
+          </p:cNvPr>
+          <p:cNvPicPr>
+            <a:picLocks noChangeAspect="1"/>
+          </p:cNvPicPr>
+          <p:nvPr/>
+        </p:nvPicPr>
+        <p:blipFill>
+          <a:blip r:embed="rId3">
+            <a:extLst>
+              <a:ext uri="{28A0092B-C50C-407E-A947-70E740481C1C}">
+                <a14:useLocalDpi xmlns:a14="http://schemas.microsoft.com/office/drawing/2010/main" val="0"/>
+              </a:ext>
+            </a:extLst>
+          </a:blip>
+          <a:stretch>
+            <a:fillRect/>
+          </a:stretch>
+        </p:blipFill>
+        <p:spPr>
+          <a:xfrm>
+            <a:off x="11147627" y="234882"/>
+            <a:ext cx="862669" cy="848498"/>
+          </a:xfrm>
+          <a:prstGeom prst="rect">
+            <a:avLst/>
+          </a:prstGeom>
+        </p:spPr>
+      </p:pic>
+      <p:cxnSp>
+        <p:nvCxnSpPr>
+          <p:cNvPr id="16" name="Straight Connector 15">
+            <a:extLst>
+              <a:ext uri="{FF2B5EF4-FFF2-40B4-BE49-F238E27FC236}">
+                <a16:creationId xmlns:a16="http://schemas.microsoft.com/office/drawing/2014/main" id="{FD507A93-F69C-4846-A870-796F11161FC8}"/>
+              </a:ext>
+            </a:extLst>
+          </p:cNvPr>
+          <p:cNvCxnSpPr>
+            <a:cxnSpLocks/>
+          </p:cNvCxnSpPr>
+          <p:nvPr/>
+        </p:nvCxnSpPr>
+        <p:spPr>
+          <a:xfrm>
+            <a:off x="0" y="5924375"/>
+            <a:ext cx="1234440" cy="0"/>
+          </a:xfrm>
+          <a:prstGeom prst="line">
+            <a:avLst/>
+          </a:prstGeom>
+        </p:spPr>
+        <p:style>
+          <a:lnRef idx="1">
+            <a:schemeClr val="accent3"/>
+          </a:lnRef>
+          <a:fillRef idx="0">
+            <a:schemeClr val="accent3"/>
+          </a:fillRef>
+          <a:effectRef idx="0">
+            <a:schemeClr val="accent3"/>
+          </a:effectRef>
+          <a:fontRef idx="minor">
+            <a:schemeClr val="tx1"/>
+          </a:fontRef>
+        </p:style>
+      </p:cxnSp>
+      <p:pic>
+        <p:nvPicPr>
+          <p:cNvPr id="19" name="Picture 18">
+            <a:extLst>
+              <a:ext uri="{FF2B5EF4-FFF2-40B4-BE49-F238E27FC236}">
+                <a16:creationId xmlns:a16="http://schemas.microsoft.com/office/drawing/2014/main" id="{2E92F155-709E-4816-AA42-7C233361D8DF}"/>
+              </a:ext>
+            </a:extLst>
+          </p:cNvPr>
+          <p:cNvPicPr>
+            <a:picLocks noChangeAspect="1"/>
+          </p:cNvPicPr>
+          <p:nvPr/>
+        </p:nvPicPr>
+        <p:blipFill>
+          <a:blip r:embed="rId3">
+            <a:extLst>
+              <a:ext uri="{28A0092B-C50C-407E-A947-70E740481C1C}">
+                <a14:useLocalDpi xmlns:a14="http://schemas.microsoft.com/office/drawing/2010/main" val="0"/>
+              </a:ext>
+            </a:extLst>
+          </a:blip>
+          <a:stretch>
+            <a:fillRect/>
+          </a:stretch>
+        </p:blipFill>
+        <p:spPr>
+          <a:xfrm>
+            <a:off x="190066" y="231071"/>
+            <a:ext cx="862669" cy="848498"/>
+          </a:xfrm>
+          <a:prstGeom prst="rect">
+            <a:avLst/>
+          </a:prstGeom>
+        </p:spPr>
+      </p:pic>
+      <p:cxnSp>
+        <p:nvCxnSpPr>
+          <p:cNvPr id="20" name="Straight Connector 19">
+            <a:extLst>
+              <a:ext uri="{FF2B5EF4-FFF2-40B4-BE49-F238E27FC236}">
+                <a16:creationId xmlns:a16="http://schemas.microsoft.com/office/drawing/2014/main" id="{3E75A43E-A6C1-4191-9EF1-FA5A51591DF8}"/>
+              </a:ext>
+            </a:extLst>
+          </p:cNvPr>
+          <p:cNvCxnSpPr>
+            <a:cxnSpLocks/>
+          </p:cNvCxnSpPr>
+          <p:nvPr/>
+        </p:nvCxnSpPr>
+        <p:spPr>
+          <a:xfrm>
+            <a:off x="15240" y="1318255"/>
+            <a:ext cx="1219201" cy="1"/>
+          </a:xfrm>
+          <a:prstGeom prst="line">
+            <a:avLst/>
+          </a:prstGeom>
+        </p:spPr>
+        <p:style>
+          <a:lnRef idx="1">
+            <a:schemeClr val="accent3"/>
+          </a:lnRef>
+          <a:fillRef idx="0">
+            <a:schemeClr val="accent3"/>
+          </a:fillRef>
+          <a:effectRef idx="0">
+            <a:schemeClr val="accent3"/>
+          </a:effectRef>
+          <a:fontRef idx="minor">
+            <a:schemeClr val="tx1"/>
+          </a:fontRef>
+        </p:style>
+      </p:cxnSp>
+      <p:cxnSp>
+        <p:nvCxnSpPr>
+          <p:cNvPr id="21" name="Straight Connector 20">
+            <a:extLst>
+              <a:ext uri="{FF2B5EF4-FFF2-40B4-BE49-F238E27FC236}">
+                <a16:creationId xmlns:a16="http://schemas.microsoft.com/office/drawing/2014/main" id="{CDAF6748-6D30-4478-9548-17C3FA1EBA88}"/>
+              </a:ext>
+            </a:extLst>
+          </p:cNvPr>
+          <p:cNvCxnSpPr>
+            <a:cxnSpLocks/>
+          </p:cNvCxnSpPr>
+          <p:nvPr/>
+        </p:nvCxnSpPr>
+        <p:spPr>
+          <a:xfrm>
+            <a:off x="10972800" y="5948882"/>
+            <a:ext cx="1234440" cy="0"/>
+          </a:xfrm>
+          <a:prstGeom prst="line">
+            <a:avLst/>
+          </a:prstGeom>
+        </p:spPr>
+        <p:style>
+          <a:lnRef idx="1">
+            <a:schemeClr val="accent3"/>
+          </a:lnRef>
+          <a:fillRef idx="0">
+            <a:schemeClr val="accent3"/>
+          </a:fillRef>
+          <a:effectRef idx="0">
+            <a:schemeClr val="accent3"/>
+          </a:effectRef>
+          <a:fontRef idx="minor">
+            <a:schemeClr val="tx1"/>
+          </a:fontRef>
+        </p:style>
+      </p:cxnSp>
+      <p:pic>
+        <p:nvPicPr>
+          <p:cNvPr id="22" name="Picture 21">
+            <a:extLst>
+              <a:ext uri="{FF2B5EF4-FFF2-40B4-BE49-F238E27FC236}">
+                <a16:creationId xmlns:a16="http://schemas.microsoft.com/office/drawing/2014/main" id="{76ABA6CF-B18F-4845-A3D6-0461E92440CD}"/>
+              </a:ext>
+            </a:extLst>
+          </p:cNvPr>
+          <p:cNvPicPr>
+            <a:picLocks noChangeAspect="1"/>
+          </p:cNvPicPr>
+          <p:nvPr/>
+        </p:nvPicPr>
+        <p:blipFill>
+          <a:blip r:embed="rId4">
+            <a:extLst>
+              <a:ext uri="{28A0092B-C50C-407E-A947-70E740481C1C}">
+                <a14:useLocalDpi xmlns:a14="http://schemas.microsoft.com/office/drawing/2010/main" val="0"/>
+              </a:ext>
+            </a:extLst>
+          </a:blip>
+          <a:stretch>
+            <a:fillRect/>
+          </a:stretch>
+        </p:blipFill>
+        <p:spPr>
+          <a:xfrm>
+            <a:off x="7109357" y="2315021"/>
+            <a:ext cx="3305174" cy="3305174"/>
+          </a:xfrm>
+          <a:prstGeom prst="rect">
+            <a:avLst/>
+          </a:prstGeom>
+        </p:spPr>
+      </p:pic>
+      <p:sp>
+        <p:nvSpPr>
+          <p:cNvPr id="5" name="TextBox 4">
+            <a:extLst>
+              <a:ext uri="{FF2B5EF4-FFF2-40B4-BE49-F238E27FC236}">
+                <a16:creationId xmlns:a16="http://schemas.microsoft.com/office/drawing/2014/main" id="{385FA312-8B84-4809-8005-C6A8B42DA9DB}"/>
+              </a:ext>
+            </a:extLst>
+          </p:cNvPr>
+          <p:cNvSpPr txBox="1"/>
+          <p:nvPr/>
+        </p:nvSpPr>
+        <p:spPr>
+          <a:xfrm>
+            <a:off x="3295328" y="383766"/>
+            <a:ext cx="5594468" cy="1200329"/>
+          </a:xfrm>
+          <a:prstGeom prst="rect">
+            <a:avLst/>
+          </a:prstGeom>
+          <a:noFill/>
+        </p:spPr>
+        <p:txBody>
+          <a:bodyPr wrap="square" rtlCol="0">
+            <a:spAutoFit/>
+          </a:bodyPr>
+          <a:lstStyle/>
+          <a:p>
+            <a:pPr algn="ctr">
+              <a:lnSpc>
+                <a:spcPct val="90000"/>
+              </a:lnSpc>
+              <a:spcBef>
+                <a:spcPct val="0"/>
+              </a:spcBef>
+            </a:pPr>
+            <a:r>
+              <a:rPr lang="ru-RU" sz="4000" dirty="0">
+                <a:solidFill>
+                  <a:schemeClr val="bg2">
+                    <a:lumMod val="90000"/>
+                  </a:schemeClr>
+                </a:solidFill>
+                <a:latin typeface="Montserrat Black" panose="00000A00000000000000" pitchFamily="2" charset="-52"/>
+                <a:ea typeface="+mj-ea"/>
+                <a:cs typeface="+mj-cs"/>
+              </a:rPr>
+              <a:t>БЛАГОДАРИМ ЗА ВНИМАНИЕТО!</a:t>
+            </a:r>
+            <a:endParaRPr lang="en-US" sz="4000" dirty="0">
+              <a:solidFill>
+                <a:schemeClr val="bg2">
+                  <a:lumMod val="90000"/>
+                </a:schemeClr>
+              </a:solidFill>
+              <a:latin typeface="Montserrat Black" panose="00000A00000000000000" pitchFamily="2" charset="-52"/>
+              <a:ea typeface="+mj-ea"/>
+              <a:cs typeface="+mj-cs"/>
+            </a:endParaRPr>
+          </a:p>
+        </p:txBody>
+      </p:sp>
+      <p:sp>
+        <p:nvSpPr>
+          <p:cNvPr id="6" name="TextBox 5">
+            <a:extLst>
+              <a:ext uri="{FF2B5EF4-FFF2-40B4-BE49-F238E27FC236}">
+                <a16:creationId xmlns:a16="http://schemas.microsoft.com/office/drawing/2014/main" id="{AFA92949-4972-45B0-8707-4807C44EF247}"/>
+              </a:ext>
+            </a:extLst>
+          </p:cNvPr>
+          <p:cNvSpPr txBox="1"/>
+          <p:nvPr/>
+        </p:nvSpPr>
+        <p:spPr>
+          <a:xfrm>
+            <a:off x="1502516" y="3305888"/>
+            <a:ext cx="5338765" cy="1323439"/>
+          </a:xfrm>
+          <a:prstGeom prst="rect">
+            <a:avLst/>
+          </a:prstGeom>
+          <a:noFill/>
+        </p:spPr>
+        <p:txBody>
+          <a:bodyPr wrap="square" rtlCol="0">
+            <a:spAutoFit/>
+          </a:bodyPr>
+          <a:lstStyle/>
+          <a:p>
+            <a:pPr algn="ctr"/>
+            <a:r>
+              <a:rPr lang="en-US" sz="4000" b="1" dirty="0">
+                <a:solidFill>
+                  <a:srgbClr val="D0CECE"/>
+                </a:solidFill>
+                <a:latin typeface="Montserrat Light" panose="00000400000000000000" pitchFamily="2" charset="0"/>
+              </a:rPr>
+              <a:t>Landing page</a:t>
+            </a:r>
+            <a:r>
+              <a:rPr lang="ru-RU" sz="4000" b="1" dirty="0">
+                <a:solidFill>
+                  <a:srgbClr val="D0CECE"/>
+                </a:solidFill>
+                <a:latin typeface="Montserrat Light" panose="00000400000000000000" pitchFamily="2" charset="0"/>
+              </a:rPr>
+              <a:t> на приложението</a:t>
+            </a:r>
+            <a:r>
+              <a:rPr lang="en-US" sz="4000" b="1" dirty="0">
+                <a:solidFill>
+                  <a:srgbClr val="D0CECE"/>
+                </a:solidFill>
+                <a:latin typeface="Montserrat Light" panose="00000400000000000000" pitchFamily="2" charset="0"/>
+              </a:rPr>
+              <a:t>:</a:t>
+            </a:r>
+          </a:p>
+        </p:txBody>
+      </p:sp>
+    </p:spTree>
+    <p:extLst>
+      <p:ext uri="{BB962C8B-B14F-4D97-AF65-F5344CB8AC3E}">
+        <p14:creationId xmlns:p14="http://schemas.microsoft.com/office/powerpoint/2010/main" val="3167994889"/>
+      </p:ext>
+    </p:extLst>
+  </p:cSld>
+  <p:clrMapOvr>
+    <a:masterClrMapping/>
+  </p:clrMapOvr>
+  <mc:AlternateContent xmlns:mc="http://schemas.openxmlformats.org/markup-compatibility/2006">
+    <mc:Choice xmlns:p159="http://schemas.microsoft.com/office/powerpoint/2015/09/main" Requires="p159">
+      <p:transition xmlns:p14="http://schemas.microsoft.com/office/powerpoint/2010/main" spd="slow" p14:dur="2000">
+        <p159:morph option="byObject"/>
+      </p:transition>
+    </mc:Choice>
+    <mc:Fallback>
       <p:transition spd="slow">
         <p:fade/>
       </p:transition>

--- a/docx/Spendly.pptx
+++ b/docx/Spendly.pptx
@@ -266,7 +266,7 @@
           <a:p>
             <a:fld id="{09C4AE06-530C-44EE-882F-291BF952DEFB}" type="datetimeFigureOut">
               <a:rPr lang="bg-BG" smtClean="0"/>
-              <a:t>28.11.2024 г.</a:t>
+              <a:t>28.11.24 г.</a:t>
             </a:fld>
             <a:endParaRPr lang="bg-BG"/>
           </a:p>
@@ -466,7 +466,7 @@
           <a:p>
             <a:fld id="{09C4AE06-530C-44EE-882F-291BF952DEFB}" type="datetimeFigureOut">
               <a:rPr lang="bg-BG" smtClean="0"/>
-              <a:t>28.11.2024 г.</a:t>
+              <a:t>28.11.24 г.</a:t>
             </a:fld>
             <a:endParaRPr lang="bg-BG"/>
           </a:p>
@@ -676,7 +676,7 @@
           <a:p>
             <a:fld id="{09C4AE06-530C-44EE-882F-291BF952DEFB}" type="datetimeFigureOut">
               <a:rPr lang="bg-BG" smtClean="0"/>
-              <a:t>28.11.2024 г.</a:t>
+              <a:t>28.11.24 г.</a:t>
             </a:fld>
             <a:endParaRPr lang="bg-BG"/>
           </a:p>
@@ -876,7 +876,7 @@
           <a:p>
             <a:fld id="{09C4AE06-530C-44EE-882F-291BF952DEFB}" type="datetimeFigureOut">
               <a:rPr lang="bg-BG" smtClean="0"/>
-              <a:t>28.11.2024 г.</a:t>
+              <a:t>28.11.24 г.</a:t>
             </a:fld>
             <a:endParaRPr lang="bg-BG"/>
           </a:p>
@@ -1152,7 +1152,7 @@
           <a:p>
             <a:fld id="{09C4AE06-530C-44EE-882F-291BF952DEFB}" type="datetimeFigureOut">
               <a:rPr lang="bg-BG" smtClean="0"/>
-              <a:t>28.11.2024 г.</a:t>
+              <a:t>28.11.24 г.</a:t>
             </a:fld>
             <a:endParaRPr lang="bg-BG"/>
           </a:p>
@@ -1420,7 +1420,7 @@
           <a:p>
             <a:fld id="{09C4AE06-530C-44EE-882F-291BF952DEFB}" type="datetimeFigureOut">
               <a:rPr lang="bg-BG" smtClean="0"/>
-              <a:t>28.11.2024 г.</a:t>
+              <a:t>28.11.24 г.</a:t>
             </a:fld>
             <a:endParaRPr lang="bg-BG"/>
           </a:p>
@@ -1835,7 +1835,7 @@
           <a:p>
             <a:fld id="{09C4AE06-530C-44EE-882F-291BF952DEFB}" type="datetimeFigureOut">
               <a:rPr lang="bg-BG" smtClean="0"/>
-              <a:t>28.11.2024 г.</a:t>
+              <a:t>28.11.24 г.</a:t>
             </a:fld>
             <a:endParaRPr lang="bg-BG"/>
           </a:p>
@@ -1977,7 +1977,7 @@
           <a:p>
             <a:fld id="{09C4AE06-530C-44EE-882F-291BF952DEFB}" type="datetimeFigureOut">
               <a:rPr lang="bg-BG" smtClean="0"/>
-              <a:t>28.11.2024 г.</a:t>
+              <a:t>28.11.24 г.</a:t>
             </a:fld>
             <a:endParaRPr lang="bg-BG"/>
           </a:p>
@@ -2090,7 +2090,7 @@
           <a:p>
             <a:fld id="{09C4AE06-530C-44EE-882F-291BF952DEFB}" type="datetimeFigureOut">
               <a:rPr lang="bg-BG" smtClean="0"/>
-              <a:t>28.11.2024 г.</a:t>
+              <a:t>28.11.24 г.</a:t>
             </a:fld>
             <a:endParaRPr lang="bg-BG"/>
           </a:p>
@@ -2403,7 +2403,7 @@
           <a:p>
             <a:fld id="{09C4AE06-530C-44EE-882F-291BF952DEFB}" type="datetimeFigureOut">
               <a:rPr lang="bg-BG" smtClean="0"/>
-              <a:t>28.11.2024 г.</a:t>
+              <a:t>28.11.24 г.</a:t>
             </a:fld>
             <a:endParaRPr lang="bg-BG"/>
           </a:p>
@@ -2692,7 +2692,7 @@
           <a:p>
             <a:fld id="{09C4AE06-530C-44EE-882F-291BF952DEFB}" type="datetimeFigureOut">
               <a:rPr lang="bg-BG" smtClean="0"/>
-              <a:t>28.11.2024 г.</a:t>
+              <a:t>28.11.24 г.</a:t>
             </a:fld>
             <a:endParaRPr lang="bg-BG"/>
           </a:p>
@@ -2935,7 +2935,7 @@
           <a:p>
             <a:fld id="{09C4AE06-530C-44EE-882F-291BF952DEFB}" type="datetimeFigureOut">
               <a:rPr lang="bg-BG" smtClean="0"/>
-              <a:t>28.11.2024 г.</a:t>
+              <a:t>28.11.24 г.</a:t>
             </a:fld>
             <a:endParaRPr lang="bg-BG"/>
           </a:p>
@@ -5094,7 +5094,7 @@
                 </a:solidFill>
                 <a:latin typeface="Montserrat Black" panose="00000A00000000000000" pitchFamily="2" charset="-52"/>
               </a:rPr>
-              <a:t>03</a:t>
+              <a:t>02</a:t>
             </a:r>
           </a:p>
         </p:txBody>
@@ -6552,7 +6552,7 @@
                 </a:solidFill>
                 <a:latin typeface="Montserrat Black" panose="00000A00000000000000" pitchFamily="2" charset="-52"/>
               </a:rPr>
-              <a:t>04</a:t>
+              <a:t>03</a:t>
             </a:r>
           </a:p>
         </p:txBody>
@@ -7624,13 +7624,13 @@
   <p:clrMapOvr>
     <a:masterClrMapping/>
   </p:clrMapOvr>
-  <mc:AlternateContent xmlns:mc="http://schemas.openxmlformats.org/markup-compatibility/2006">
-    <mc:Choice xmlns:p159="http://schemas.microsoft.com/office/powerpoint/2015/09/main" Requires="p159">
+  <mc:AlternateContent xmlns:mc="http://schemas.openxmlformats.org/markup-compatibility/2006" xmlns:p159="http://schemas.microsoft.com/office/powerpoint/2015/09/main">
+    <mc:Choice Requires="p159">
       <p:transition xmlns:p14="http://schemas.microsoft.com/office/powerpoint/2010/main" spd="slow" p14:dur="2000">
         <p159:morph option="byObject"/>
       </p:transition>
     </mc:Choice>
-    <mc:Fallback>
+    <mc:Fallback xmlns="">
       <p:transition spd="slow">
         <p:fade/>
       </p:transition>

--- a/docx/Spendly.pptx
+++ b/docx/Spendly.pptx
@@ -9,8 +9,10 @@
     <p:sldId id="259" r:id="rId3"/>
     <p:sldId id="260" r:id="rId4"/>
     <p:sldId id="261" r:id="rId5"/>
-    <p:sldId id="262" r:id="rId6"/>
-    <p:sldId id="264" r:id="rId7"/>
+    <p:sldId id="264" r:id="rId6"/>
+    <p:sldId id="266" r:id="rId7"/>
+    <p:sldId id="262" r:id="rId8"/>
+    <p:sldId id="265" r:id="rId9"/>
   </p:sldIdLst>
   <p:sldSz cx="12192000" cy="6858000"/>
   <p:notesSz cx="6858000" cy="9144000"/>
@@ -117,6 +119,15 @@
 </p:presentation>
 </file>
 
+<file path=ppt/revisionInfo.xml><?xml version="1.0" encoding="utf-8"?>
+<p1510:revInfo xmlns:a="http://schemas.openxmlformats.org/drawingml/2006/main" xmlns:r="http://schemas.openxmlformats.org/officeDocument/2006/relationships" xmlns:p1510="http://schemas.microsoft.com/office/powerpoint/2015/10/main">
+  <p1510:revLst>
+    <p1510:client id="{00954009-0639-A85E-0202-496CC00A3DE8}" v="529" dt="2024-11-29T18:51:43.652"/>
+    <p1510:client id="{D6394770-6BB1-D89E-ABC9-32DA89DCE78F}" v="206" dt="2024-11-29T18:25:06.406"/>
+  </p1510:revLst>
+</p1510:revInfo>
+</file>
+
 <file path=ppt/slideLayouts/slideLayout1.xml><?xml version="1.0" encoding="utf-8"?>
 <p:sldLayout xmlns:a="http://schemas.openxmlformats.org/drawingml/2006/main" xmlns:r="http://schemas.openxmlformats.org/officeDocument/2006/relationships" xmlns:p="http://schemas.openxmlformats.org/presentationml/2006/main" type="title" preserve="1">
   <p:cSld name="Title Slide">
@@ -266,7 +277,7 @@
           <a:p>
             <a:fld id="{09C4AE06-530C-44EE-882F-291BF952DEFB}" type="datetimeFigureOut">
               <a:rPr lang="bg-BG" smtClean="0"/>
-              <a:t>28.11.24 г.</a:t>
+              <a:t>29.11.2024 г.</a:t>
             </a:fld>
             <a:endParaRPr lang="bg-BG"/>
           </a:p>
@@ -466,7 +477,7 @@
           <a:p>
             <a:fld id="{09C4AE06-530C-44EE-882F-291BF952DEFB}" type="datetimeFigureOut">
               <a:rPr lang="bg-BG" smtClean="0"/>
-              <a:t>28.11.24 г.</a:t>
+              <a:t>29.11.2024 г.</a:t>
             </a:fld>
             <a:endParaRPr lang="bg-BG"/>
           </a:p>
@@ -676,7 +687,7 @@
           <a:p>
             <a:fld id="{09C4AE06-530C-44EE-882F-291BF952DEFB}" type="datetimeFigureOut">
               <a:rPr lang="bg-BG" smtClean="0"/>
-              <a:t>28.11.24 г.</a:t>
+              <a:t>29.11.2024 г.</a:t>
             </a:fld>
             <a:endParaRPr lang="bg-BG"/>
           </a:p>
@@ -876,7 +887,7 @@
           <a:p>
             <a:fld id="{09C4AE06-530C-44EE-882F-291BF952DEFB}" type="datetimeFigureOut">
               <a:rPr lang="bg-BG" smtClean="0"/>
-              <a:t>28.11.24 г.</a:t>
+              <a:t>29.11.2024 г.</a:t>
             </a:fld>
             <a:endParaRPr lang="bg-BG"/>
           </a:p>
@@ -1152,7 +1163,7 @@
           <a:p>
             <a:fld id="{09C4AE06-530C-44EE-882F-291BF952DEFB}" type="datetimeFigureOut">
               <a:rPr lang="bg-BG" smtClean="0"/>
-              <a:t>28.11.24 г.</a:t>
+              <a:t>29.11.2024 г.</a:t>
             </a:fld>
             <a:endParaRPr lang="bg-BG"/>
           </a:p>
@@ -1420,7 +1431,7 @@
           <a:p>
             <a:fld id="{09C4AE06-530C-44EE-882F-291BF952DEFB}" type="datetimeFigureOut">
               <a:rPr lang="bg-BG" smtClean="0"/>
-              <a:t>28.11.24 г.</a:t>
+              <a:t>29.11.2024 г.</a:t>
             </a:fld>
             <a:endParaRPr lang="bg-BG"/>
           </a:p>
@@ -1835,7 +1846,7 @@
           <a:p>
             <a:fld id="{09C4AE06-530C-44EE-882F-291BF952DEFB}" type="datetimeFigureOut">
               <a:rPr lang="bg-BG" smtClean="0"/>
-              <a:t>28.11.24 г.</a:t>
+              <a:t>29.11.2024 г.</a:t>
             </a:fld>
             <a:endParaRPr lang="bg-BG"/>
           </a:p>
@@ -1977,7 +1988,7 @@
           <a:p>
             <a:fld id="{09C4AE06-530C-44EE-882F-291BF952DEFB}" type="datetimeFigureOut">
               <a:rPr lang="bg-BG" smtClean="0"/>
-              <a:t>28.11.24 г.</a:t>
+              <a:t>29.11.2024 г.</a:t>
             </a:fld>
             <a:endParaRPr lang="bg-BG"/>
           </a:p>
@@ -2090,7 +2101,7 @@
           <a:p>
             <a:fld id="{09C4AE06-530C-44EE-882F-291BF952DEFB}" type="datetimeFigureOut">
               <a:rPr lang="bg-BG" smtClean="0"/>
-              <a:t>28.11.24 г.</a:t>
+              <a:t>29.11.2024 г.</a:t>
             </a:fld>
             <a:endParaRPr lang="bg-BG"/>
           </a:p>
@@ -2403,7 +2414,7 @@
           <a:p>
             <a:fld id="{09C4AE06-530C-44EE-882F-291BF952DEFB}" type="datetimeFigureOut">
               <a:rPr lang="bg-BG" smtClean="0"/>
-              <a:t>28.11.24 г.</a:t>
+              <a:t>29.11.2024 г.</a:t>
             </a:fld>
             <a:endParaRPr lang="bg-BG"/>
           </a:p>
@@ -2692,7 +2703,7 @@
           <a:p>
             <a:fld id="{09C4AE06-530C-44EE-882F-291BF952DEFB}" type="datetimeFigureOut">
               <a:rPr lang="bg-BG" smtClean="0"/>
-              <a:t>28.11.24 г.</a:t>
+              <a:t>29.11.2024 г.</a:t>
             </a:fld>
             <a:endParaRPr lang="bg-BG"/>
           </a:p>
@@ -2935,7 +2946,7 @@
           <a:p>
             <a:fld id="{09C4AE06-530C-44EE-882F-291BF952DEFB}" type="datetimeFigureOut">
               <a:rPr lang="bg-BG" smtClean="0"/>
-              <a:t>28.11.24 г.</a:t>
+              <a:t>29.11.2024 г.</a:t>
             </a:fld>
             <a:endParaRPr lang="bg-BG"/>
           </a:p>
@@ -3436,54 +3447,6 @@
           </a:p>
         </p:txBody>
       </p:sp>
-      <p:sp>
-        <p:nvSpPr>
-          <p:cNvPr id="3" name="Subtitle 2">
-            <a:extLst>
-              <a:ext uri="{FF2B5EF4-FFF2-40B4-BE49-F238E27FC236}">
-                <a16:creationId xmlns:a16="http://schemas.microsoft.com/office/drawing/2014/main" id="{006ABEF0-3A1F-43FD-BBC2-F83E6CC49E6B}"/>
-              </a:ext>
-            </a:extLst>
-          </p:cNvPr>
-          <p:cNvSpPr>
-            <a:spLocks noGrp="1"/>
-          </p:cNvSpPr>
-          <p:nvPr>
-            <p:ph type="subTitle" idx="1"/>
-          </p:nvPr>
-        </p:nvSpPr>
-        <p:spPr>
-          <a:xfrm>
-            <a:off x="1523998" y="5321963"/>
-            <a:ext cx="9144000" cy="1655762"/>
-          </a:xfrm>
-        </p:spPr>
-        <p:txBody>
-          <a:bodyPr/>
-          <a:lstStyle/>
-          <a:p>
-            <a:r>
-              <a:rPr lang="ru-RU" dirty="0">
-                <a:solidFill>
-                  <a:schemeClr val="bg2">
-                    <a:lumMod val="90000"/>
-                  </a:schemeClr>
-                </a:solidFill>
-                <a:latin typeface="Montserrat Light" panose="00000400000000000000" pitchFamily="2" charset="-52"/>
-              </a:rPr>
-              <a:t>Борис Милев и Николай Калашник</a:t>
-            </a:r>
-            <a:endParaRPr lang="bg-BG" dirty="0">
-              <a:solidFill>
-                <a:schemeClr val="bg2">
-                  <a:lumMod val="90000"/>
-                </a:schemeClr>
-              </a:solidFill>
-              <a:latin typeface="Montserrat Light" panose="00000400000000000000" pitchFamily="2" charset="-52"/>
-            </a:endParaRPr>
-          </a:p>
-        </p:txBody>
-      </p:sp>
       <p:pic>
         <p:nvPicPr>
           <p:cNvPr id="7" name="Picture 6">
@@ -4784,8 +4747,8 @@
         </p:nvSpPr>
         <p:spPr>
           <a:xfrm>
-            <a:off x="2012424" y="2328656"/>
-            <a:ext cx="8175514" cy="2585323"/>
+            <a:off x="1209784" y="1912096"/>
+            <a:ext cx="9750314" cy="3416320"/>
           </a:xfrm>
           <a:prstGeom prst="rect">
             <a:avLst/>
@@ -4793,40 +4756,638 @@
           <a:noFill/>
         </p:spPr>
         <p:txBody>
-          <a:bodyPr wrap="square">
+          <a:bodyPr wrap="square" lIns="91440" tIns="45720" rIns="91440" bIns="45720" anchor="t">
             <a:spAutoFit/>
           </a:bodyPr>
           <a:lstStyle/>
           <a:p>
             <a:pPr algn="ctr"/>
             <a:r>
-              <a:rPr lang="ru-RU" sz="1800" i="0" u="none" strike="noStrike" dirty="0">
+              <a:rPr lang="ru-RU" sz="2400" dirty="0">
                 <a:solidFill>
                   <a:srgbClr val="D0CECE"/>
                 </a:solidFill>
-                <a:effectLst/>
-                <a:latin typeface="Montserrat Light" panose="00000400000000000000" pitchFamily="2" charset="0"/>
-              </a:rPr>
-              <a:t>Проектът Спендли е мобилно приложение, което позволява на потребителите да сканират касови бележки с камерата на мобилното си устройство и автоматично да съхраняват данните. Основната цел на приложението е да улесни проследяването на разходите, като предлага лесен и достъпен начин за обработка и съхранение на данни от касови бележки. Съществуващите решения в тази област често са сложни за използване или изискват ръчно въвеждане на данни, което прави Спендли по-достъпна и удобна алтернатива.</a:t>
-            </a:r>
-            <a:r>
-              <a:rPr lang="ru-RU" sz="1800" i="0" dirty="0">
-                <a:solidFill>
-                  <a:srgbClr val="000000"/>
-                </a:solidFill>
-                <a:effectLst/>
-                <a:latin typeface="Montserrat Light" panose="00000400000000000000" pitchFamily="2" charset="0"/>
-              </a:rPr>
-              <a:t>​</a:t>
-            </a:r>
-            <a:endParaRPr lang="bg-BG" sz="2000" dirty="0">
+                <a:latin typeface="Montserrat Light"/>
+                <a:ea typeface="+mn-lt"/>
+                <a:cs typeface="+mn-lt"/>
+              </a:rPr>
+              <a:t>Да предоставим интуитивно и </a:t>
+            </a:r>
+            <a:r>
+              <a:rPr lang="ru-RU" sz="2400" dirty="0" err="1">
+                <a:solidFill>
+                  <a:srgbClr val="D0CECE"/>
+                </a:solidFill>
+                <a:latin typeface="Montserrat Light"/>
+                <a:ea typeface="+mn-lt"/>
+                <a:cs typeface="+mn-lt"/>
+              </a:rPr>
+              <a:t>достъпно</a:t>
+            </a:r>
+            <a:r>
+              <a:rPr lang="ru-RU" sz="2400" dirty="0">
+                <a:solidFill>
+                  <a:srgbClr val="D0CECE"/>
+                </a:solidFill>
+                <a:latin typeface="Montserrat Light"/>
+                <a:ea typeface="+mn-lt"/>
+                <a:cs typeface="+mn-lt"/>
+              </a:rPr>
+              <a:t> </a:t>
+            </a:r>
+            <a:r>
+              <a:rPr lang="ru-RU" sz="2400" dirty="0" err="1">
+                <a:solidFill>
+                  <a:srgbClr val="D0CECE"/>
+                </a:solidFill>
+                <a:latin typeface="Montserrat Light"/>
+                <a:ea typeface="+mn-lt"/>
+                <a:cs typeface="+mn-lt"/>
+              </a:rPr>
+              <a:t>мобилно</a:t>
+            </a:r>
+            <a:r>
+              <a:rPr lang="ru-RU" sz="2400" dirty="0">
+                <a:solidFill>
+                  <a:srgbClr val="D0CECE"/>
+                </a:solidFill>
+                <a:latin typeface="Montserrat Light"/>
+                <a:ea typeface="+mn-lt"/>
+                <a:cs typeface="+mn-lt"/>
+              </a:rPr>
+              <a:t> приложение, </a:t>
+            </a:r>
+            <a:r>
+              <a:rPr lang="ru-RU" sz="2400" dirty="0" err="1">
+                <a:solidFill>
+                  <a:srgbClr val="D0CECE"/>
+                </a:solidFill>
+                <a:latin typeface="Montserrat Light"/>
+                <a:ea typeface="+mn-lt"/>
+                <a:cs typeface="+mn-lt"/>
+              </a:rPr>
+              <a:t>което</a:t>
+            </a:r>
+            <a:r>
+              <a:rPr lang="ru-RU" sz="2400" dirty="0">
+                <a:solidFill>
+                  <a:srgbClr val="D0CECE"/>
+                </a:solidFill>
+                <a:latin typeface="Montserrat Light"/>
+                <a:ea typeface="+mn-lt"/>
+                <a:cs typeface="+mn-lt"/>
+              </a:rPr>
+              <a:t> </a:t>
+            </a:r>
+            <a:r>
+              <a:rPr lang="ru-RU" sz="2400" dirty="0" err="1">
+                <a:solidFill>
+                  <a:srgbClr val="D0CECE"/>
+                </a:solidFill>
+                <a:latin typeface="Montserrat Light"/>
+                <a:ea typeface="+mn-lt"/>
+                <a:cs typeface="+mn-lt"/>
+              </a:rPr>
+              <a:t>улеснява</a:t>
+            </a:r>
+            <a:r>
+              <a:rPr lang="ru-RU" sz="2400" dirty="0">
+                <a:solidFill>
+                  <a:srgbClr val="D0CECE"/>
+                </a:solidFill>
+                <a:latin typeface="Montserrat Light"/>
+                <a:ea typeface="+mn-lt"/>
+                <a:cs typeface="+mn-lt"/>
+              </a:rPr>
+              <a:t> </a:t>
+            </a:r>
+            <a:r>
+              <a:rPr lang="ru-RU" sz="2400" dirty="0" err="1">
+                <a:solidFill>
+                  <a:srgbClr val="D0CECE"/>
+                </a:solidFill>
+                <a:latin typeface="Montserrat Light"/>
+                <a:ea typeface="+mn-lt"/>
+                <a:cs typeface="+mn-lt"/>
+              </a:rPr>
+              <a:t>потребителите</a:t>
+            </a:r>
+            <a:r>
+              <a:rPr lang="ru-RU" sz="2400" dirty="0">
+                <a:solidFill>
+                  <a:srgbClr val="D0CECE"/>
+                </a:solidFill>
+                <a:latin typeface="Montserrat Light"/>
+                <a:ea typeface="+mn-lt"/>
+                <a:cs typeface="+mn-lt"/>
+              </a:rPr>
+              <a:t> в </a:t>
+            </a:r>
+            <a:endParaRPr lang="en-US" sz="2400">
               <a:solidFill>
-                <a:schemeClr val="bg2">
-                  <a:lumMod val="90000"/>
-                </a:schemeClr>
+                <a:srgbClr val="D0CECE"/>
               </a:solidFill>
-              <a:latin typeface="Montserrat Light" panose="00000400000000000000" pitchFamily="2" charset="-52"/>
+              <a:latin typeface="Montserrat Light"/>
+              <a:ea typeface="+mn-lt"/>
+              <a:cs typeface="+mn-lt"/>
             </a:endParaRPr>
+          </a:p>
+          <a:p>
+            <a:pPr algn="ctr"/>
+            <a:r>
+              <a:rPr lang="ru-RU" sz="2400" dirty="0" err="1">
+                <a:solidFill>
+                  <a:srgbClr val="D0CECE"/>
+                </a:solidFill>
+                <a:latin typeface="Montserrat Light"/>
+                <a:ea typeface="+mn-lt"/>
+                <a:cs typeface="+mn-lt"/>
+              </a:rPr>
+              <a:t>управлението</a:t>
+            </a:r>
+            <a:r>
+              <a:rPr lang="ru-RU" sz="2400" dirty="0">
+                <a:solidFill>
+                  <a:srgbClr val="D0CECE"/>
+                </a:solidFill>
+                <a:latin typeface="Montserrat Light"/>
+                <a:ea typeface="+mn-lt"/>
+                <a:cs typeface="+mn-lt"/>
+              </a:rPr>
+              <a:t> на </a:t>
+            </a:r>
+            <a:r>
+              <a:rPr lang="ru-RU" sz="2400" dirty="0" err="1">
+                <a:solidFill>
+                  <a:srgbClr val="D0CECE"/>
+                </a:solidFill>
+                <a:latin typeface="Montserrat Light"/>
+                <a:ea typeface="+mn-lt"/>
+                <a:cs typeface="+mn-lt"/>
+              </a:rPr>
+              <a:t>личните</a:t>
+            </a:r>
+            <a:r>
+              <a:rPr lang="ru-RU" sz="2400" dirty="0">
+                <a:solidFill>
+                  <a:srgbClr val="D0CECE"/>
+                </a:solidFill>
+                <a:latin typeface="Montserrat Light"/>
+                <a:ea typeface="+mn-lt"/>
+                <a:cs typeface="+mn-lt"/>
+              </a:rPr>
+              <a:t> </a:t>
+            </a:r>
+            <a:r>
+              <a:rPr lang="ru-RU" sz="2400" dirty="0" err="1">
+                <a:solidFill>
+                  <a:srgbClr val="D0CECE"/>
+                </a:solidFill>
+                <a:latin typeface="Montserrat Light"/>
+                <a:ea typeface="+mn-lt"/>
+                <a:cs typeface="+mn-lt"/>
+              </a:rPr>
+              <a:t>финанси</a:t>
+            </a:r>
+            <a:r>
+              <a:rPr lang="ru-RU" sz="2400" dirty="0">
+                <a:solidFill>
+                  <a:srgbClr val="D0CECE"/>
+                </a:solidFill>
+                <a:latin typeface="Montserrat Light"/>
+                <a:ea typeface="+mn-lt"/>
+                <a:cs typeface="+mn-lt"/>
+              </a:rPr>
+              <a:t> чрез:</a:t>
+            </a:r>
+            <a:endParaRPr lang="en-US" sz="2400">
+              <a:solidFill>
+                <a:srgbClr val="D0CECE"/>
+              </a:solidFill>
+              <a:latin typeface="Montserrat Light"/>
+              <a:ea typeface="+mn-lt"/>
+              <a:cs typeface="+mn-lt"/>
+            </a:endParaRPr>
+          </a:p>
+          <a:p>
+            <a:pPr marL="457200" indent="-457200" algn="ctr">
+              <a:buAutoNum type="arabicPeriod"/>
+            </a:pPr>
+            <a:endParaRPr lang="ru-RU" sz="2400" dirty="0">
+              <a:solidFill>
+                <a:srgbClr val="D0CECE"/>
+              </a:solidFill>
+              <a:latin typeface="Montserrat Light"/>
+              <a:ea typeface="+mn-lt"/>
+              <a:cs typeface="+mn-lt"/>
+            </a:endParaRPr>
+          </a:p>
+          <a:p>
+            <a:pPr marL="1371600" lvl="2" indent="-457200">
+              <a:buAutoNum type="arabicPeriod"/>
+            </a:pPr>
+            <a:r>
+              <a:rPr lang="ru-RU" sz="2400" dirty="0">
+                <a:solidFill>
+                  <a:srgbClr val="D0CECE"/>
+                </a:solidFill>
+                <a:latin typeface="Montserrat Light"/>
+                <a:ea typeface="+mn-lt"/>
+                <a:cs typeface="+mn-lt"/>
+              </a:rPr>
+              <a:t> </a:t>
+            </a:r>
+            <a:r>
+              <a:rPr lang="ru-RU" sz="2400" err="1">
+                <a:solidFill>
+                  <a:srgbClr val="D0CECE"/>
+                </a:solidFill>
+                <a:latin typeface="Montserrat Light"/>
+                <a:ea typeface="+mn-lt"/>
+                <a:cs typeface="+mn-lt"/>
+              </a:rPr>
+              <a:t>автоматизирано</a:t>
+            </a:r>
+            <a:r>
+              <a:rPr lang="ru-RU" sz="2400" dirty="0">
+                <a:solidFill>
+                  <a:srgbClr val="D0CECE"/>
+                </a:solidFill>
+                <a:latin typeface="Montserrat Light"/>
+                <a:ea typeface="+mn-lt"/>
+                <a:cs typeface="+mn-lt"/>
+              </a:rPr>
+              <a:t> </a:t>
+            </a:r>
+            <a:r>
+              <a:rPr lang="ru-RU" sz="2400" err="1">
+                <a:solidFill>
+                  <a:srgbClr val="D0CECE"/>
+                </a:solidFill>
+                <a:latin typeface="Montserrat Light"/>
+                <a:ea typeface="+mn-lt"/>
+                <a:cs typeface="+mn-lt"/>
+              </a:rPr>
+              <a:t>сканиране</a:t>
+            </a:r>
+            <a:r>
+              <a:rPr lang="ru-RU" sz="2400" dirty="0">
+                <a:solidFill>
+                  <a:srgbClr val="D0CECE"/>
+                </a:solidFill>
+                <a:latin typeface="Montserrat Light"/>
+                <a:ea typeface="+mn-lt"/>
+                <a:cs typeface="+mn-lt"/>
+              </a:rPr>
+              <a:t> на </a:t>
+            </a:r>
+            <a:r>
+              <a:rPr lang="ru-RU" sz="2400" err="1">
+                <a:solidFill>
+                  <a:srgbClr val="D0CECE"/>
+                </a:solidFill>
+                <a:latin typeface="Montserrat Light"/>
+                <a:ea typeface="+mn-lt"/>
+                <a:cs typeface="+mn-lt"/>
+              </a:rPr>
+              <a:t>касови</a:t>
+            </a:r>
+            <a:r>
+              <a:rPr lang="ru-RU" sz="2400" dirty="0">
+                <a:solidFill>
+                  <a:srgbClr val="D0CECE"/>
+                </a:solidFill>
+                <a:latin typeface="Montserrat Light"/>
+                <a:ea typeface="+mn-lt"/>
+                <a:cs typeface="+mn-lt"/>
+              </a:rPr>
+              <a:t> </a:t>
+            </a:r>
+            <a:r>
+              <a:rPr lang="ru-RU" sz="2400" err="1">
+                <a:solidFill>
+                  <a:srgbClr val="D0CECE"/>
+                </a:solidFill>
+                <a:latin typeface="Montserrat Light"/>
+                <a:ea typeface="+mn-lt"/>
+                <a:cs typeface="+mn-lt"/>
+              </a:rPr>
+              <a:t>бележки</a:t>
+            </a:r>
+            <a:r>
+              <a:rPr lang="ru-RU" sz="2400" dirty="0">
+                <a:solidFill>
+                  <a:srgbClr val="D0CECE"/>
+                </a:solidFill>
+                <a:latin typeface="Montserrat Light"/>
+                <a:ea typeface="+mn-lt"/>
+                <a:cs typeface="+mn-lt"/>
+              </a:rPr>
+              <a:t>  </a:t>
+            </a:r>
+            <a:endParaRPr lang="en-US" sz="2400">
+              <a:solidFill>
+                <a:srgbClr val="D0CECE"/>
+              </a:solidFill>
+              <a:latin typeface="Montserrat Light"/>
+              <a:ea typeface="+mn-lt"/>
+              <a:cs typeface="+mn-lt"/>
+            </a:endParaRPr>
+          </a:p>
+          <a:p>
+            <a:pPr marL="1371600" lvl="2" indent="-457200">
+              <a:buAutoNum type="arabicPeriod"/>
+            </a:pPr>
+            <a:r>
+              <a:rPr lang="ru-RU" sz="2400" err="1">
+                <a:solidFill>
+                  <a:srgbClr val="D0CECE"/>
+                </a:solidFill>
+                <a:latin typeface="Montserrat Light"/>
+                <a:ea typeface="+mn-lt"/>
+                <a:cs typeface="+mn-lt"/>
+              </a:rPr>
+              <a:t>съхранение</a:t>
+            </a:r>
+            <a:r>
+              <a:rPr lang="ru-RU" sz="2400" dirty="0">
+                <a:solidFill>
+                  <a:srgbClr val="D0CECE"/>
+                </a:solidFill>
+                <a:latin typeface="Montserrat Light"/>
+                <a:ea typeface="+mn-lt"/>
+                <a:cs typeface="+mn-lt"/>
+              </a:rPr>
+              <a:t> на </a:t>
+            </a:r>
+            <a:r>
+              <a:rPr lang="ru-RU" sz="2400" err="1">
+                <a:solidFill>
+                  <a:srgbClr val="D0CECE"/>
+                </a:solidFill>
+                <a:latin typeface="Montserrat Light"/>
+                <a:ea typeface="+mn-lt"/>
+                <a:cs typeface="+mn-lt"/>
+              </a:rPr>
+              <a:t>данни</a:t>
+            </a:r>
+            <a:r>
+              <a:rPr lang="ru-RU" sz="2400" dirty="0">
+                <a:solidFill>
+                  <a:srgbClr val="D0CECE"/>
+                </a:solidFill>
+                <a:latin typeface="Montserrat Light"/>
+                <a:ea typeface="+mn-lt"/>
+                <a:cs typeface="+mn-lt"/>
+              </a:rPr>
+              <a:t> от </a:t>
+            </a:r>
+            <a:r>
+              <a:rPr lang="ru-RU" sz="2400" err="1">
+                <a:solidFill>
+                  <a:srgbClr val="D0CECE"/>
+                </a:solidFill>
+                <a:latin typeface="Montserrat Light"/>
+                <a:ea typeface="+mn-lt"/>
+                <a:cs typeface="+mn-lt"/>
+              </a:rPr>
+              <a:t>касови</a:t>
+            </a:r>
+            <a:r>
+              <a:rPr lang="ru-RU" sz="2400" dirty="0">
+                <a:solidFill>
+                  <a:srgbClr val="D0CECE"/>
+                </a:solidFill>
+                <a:latin typeface="Montserrat Light"/>
+                <a:ea typeface="+mn-lt"/>
+                <a:cs typeface="+mn-lt"/>
+              </a:rPr>
+              <a:t> </a:t>
+            </a:r>
+            <a:r>
+              <a:rPr lang="ru-RU" sz="2400" err="1">
+                <a:solidFill>
+                  <a:srgbClr val="D0CECE"/>
+                </a:solidFill>
+                <a:latin typeface="Montserrat Light"/>
+                <a:ea typeface="+mn-lt"/>
+                <a:cs typeface="+mn-lt"/>
+              </a:rPr>
+              <a:t>бележки</a:t>
+            </a:r>
+            <a:r>
+              <a:rPr lang="ru-RU" sz="2400" dirty="0">
+                <a:solidFill>
+                  <a:srgbClr val="D0CECE"/>
+                </a:solidFill>
+                <a:latin typeface="Montserrat Light"/>
+                <a:ea typeface="+mn-lt"/>
+                <a:cs typeface="+mn-lt"/>
+              </a:rPr>
+              <a:t> </a:t>
+            </a:r>
+            <a:endParaRPr lang="en-US" sz="2400">
+              <a:solidFill>
+                <a:srgbClr val="D0CECE"/>
+              </a:solidFill>
+              <a:latin typeface="Montserrat Light"/>
+              <a:ea typeface="+mn-lt"/>
+              <a:cs typeface="+mn-lt"/>
+            </a:endParaRPr>
+          </a:p>
+          <a:p>
+            <a:pPr marL="1371600" lvl="2" indent="-457200">
+              <a:buAutoNum type="arabicPeriod"/>
+            </a:pPr>
+            <a:r>
+              <a:rPr lang="ru-RU" sz="2400" err="1">
+                <a:solidFill>
+                  <a:srgbClr val="D0CECE"/>
+                </a:solidFill>
+                <a:latin typeface="Montserrat Light"/>
+                <a:ea typeface="+mn-lt"/>
+                <a:cs typeface="+mn-lt"/>
+              </a:rPr>
+              <a:t>елиминира</a:t>
+            </a:r>
+            <a:r>
+              <a:rPr lang="ru-RU" sz="2400" dirty="0">
+                <a:solidFill>
+                  <a:srgbClr val="D0CECE"/>
+                </a:solidFill>
+                <a:latin typeface="Montserrat Light"/>
+                <a:ea typeface="+mn-lt"/>
+                <a:cs typeface="+mn-lt"/>
+              </a:rPr>
+              <a:t> </a:t>
+            </a:r>
+            <a:r>
+              <a:rPr lang="ru-RU" sz="2400" err="1">
+                <a:solidFill>
+                  <a:srgbClr val="D0CECE"/>
+                </a:solidFill>
+                <a:latin typeface="Montserrat Light"/>
+                <a:ea typeface="+mn-lt"/>
+                <a:cs typeface="+mn-lt"/>
+              </a:rPr>
+              <a:t>нуждата</a:t>
+            </a:r>
+            <a:r>
+              <a:rPr lang="ru-RU" sz="2400" dirty="0">
+                <a:solidFill>
+                  <a:srgbClr val="D0CECE"/>
+                </a:solidFill>
+                <a:latin typeface="Montserrat Light"/>
+                <a:ea typeface="+mn-lt"/>
+                <a:cs typeface="+mn-lt"/>
+              </a:rPr>
+              <a:t> от </a:t>
+            </a:r>
+            <a:r>
+              <a:rPr lang="ru-RU" sz="2400" err="1">
+                <a:solidFill>
+                  <a:srgbClr val="D0CECE"/>
+                </a:solidFill>
+                <a:latin typeface="Montserrat Light"/>
+                <a:ea typeface="+mn-lt"/>
+                <a:cs typeface="+mn-lt"/>
+              </a:rPr>
+              <a:t>ръчно</a:t>
+            </a:r>
+            <a:r>
+              <a:rPr lang="ru-RU" sz="2400" dirty="0">
+                <a:solidFill>
+                  <a:srgbClr val="D0CECE"/>
+                </a:solidFill>
+                <a:latin typeface="Montserrat Light"/>
+                <a:ea typeface="+mn-lt"/>
+                <a:cs typeface="+mn-lt"/>
+              </a:rPr>
+              <a:t> </a:t>
+            </a:r>
+            <a:r>
+              <a:rPr lang="ru-RU" sz="2400" err="1">
+                <a:solidFill>
+                  <a:srgbClr val="D0CECE"/>
+                </a:solidFill>
+                <a:latin typeface="Montserrat Light"/>
+                <a:ea typeface="+mn-lt"/>
+                <a:cs typeface="+mn-lt"/>
+              </a:rPr>
+              <a:t>въвеждане</a:t>
+            </a:r>
+            <a:r>
+              <a:rPr lang="ru-RU" sz="2400" dirty="0">
+                <a:solidFill>
+                  <a:srgbClr val="D0CECE"/>
+                </a:solidFill>
+                <a:latin typeface="Montserrat Light"/>
+                <a:ea typeface="+mn-lt"/>
+                <a:cs typeface="+mn-lt"/>
+              </a:rPr>
+              <a:t> на </a:t>
+            </a:r>
+            <a:r>
+              <a:rPr lang="ru-RU" sz="2400" err="1">
+                <a:solidFill>
+                  <a:srgbClr val="D0CECE"/>
+                </a:solidFill>
+                <a:latin typeface="Montserrat Light"/>
+                <a:ea typeface="+mn-lt"/>
+                <a:cs typeface="+mn-lt"/>
+              </a:rPr>
+              <a:t>данни</a:t>
+            </a:r>
+            <a:r>
+              <a:rPr lang="ru-RU" sz="2400" dirty="0">
+                <a:solidFill>
+                  <a:srgbClr val="D0CECE"/>
+                </a:solidFill>
+                <a:latin typeface="Montserrat Light"/>
+                <a:ea typeface="+mn-lt"/>
+                <a:cs typeface="+mn-lt"/>
+              </a:rPr>
+              <a:t> </a:t>
+            </a:r>
+            <a:endParaRPr lang="en-US" sz="2400">
+              <a:solidFill>
+                <a:srgbClr val="D0CECE"/>
+              </a:solidFill>
+              <a:latin typeface="Montserrat Light"/>
+              <a:ea typeface="+mn-lt"/>
+              <a:cs typeface="+mn-lt"/>
+            </a:endParaRPr>
+          </a:p>
+          <a:p>
+            <a:pPr marL="1371600" lvl="2" indent="-457200">
+              <a:buAutoNum type="arabicPeriod"/>
+            </a:pPr>
+            <a:r>
+              <a:rPr lang="ru-RU" sz="2400" err="1">
+                <a:solidFill>
+                  <a:srgbClr val="D0CECE"/>
+                </a:solidFill>
+                <a:latin typeface="Montserrat Light"/>
+                <a:ea typeface="+mn-lt"/>
+                <a:cs typeface="+mn-lt"/>
+              </a:rPr>
+              <a:t>предлага</a:t>
+            </a:r>
+            <a:r>
+              <a:rPr lang="ru-RU" sz="2400" dirty="0">
+                <a:solidFill>
+                  <a:srgbClr val="D0CECE"/>
+                </a:solidFill>
+                <a:latin typeface="Montserrat Light"/>
+                <a:ea typeface="+mn-lt"/>
+                <a:cs typeface="+mn-lt"/>
+              </a:rPr>
+              <a:t> удобен начин за </a:t>
+            </a:r>
+            <a:r>
+              <a:rPr lang="ru-RU" sz="2400" err="1">
+                <a:solidFill>
+                  <a:srgbClr val="D0CECE"/>
+                </a:solidFill>
+                <a:latin typeface="Montserrat Light"/>
+                <a:ea typeface="+mn-lt"/>
+                <a:cs typeface="+mn-lt"/>
+              </a:rPr>
+              <a:t>проследяване</a:t>
+            </a:r>
+            <a:r>
+              <a:rPr lang="ru-RU" sz="2400" dirty="0">
+                <a:solidFill>
+                  <a:srgbClr val="D0CECE"/>
+                </a:solidFill>
+                <a:latin typeface="Montserrat Light"/>
+                <a:ea typeface="+mn-lt"/>
+                <a:cs typeface="+mn-lt"/>
+              </a:rPr>
+              <a:t> на </a:t>
+            </a:r>
+            <a:r>
+              <a:rPr lang="ru-RU" sz="2400" err="1">
+                <a:solidFill>
+                  <a:srgbClr val="D0CECE"/>
+                </a:solidFill>
+                <a:latin typeface="Montserrat Light"/>
+                <a:ea typeface="+mn-lt"/>
+                <a:cs typeface="+mn-lt"/>
+              </a:rPr>
+              <a:t>разходите</a:t>
+            </a:r>
+            <a:r>
+              <a:rPr lang="ru-RU" sz="2400" dirty="0">
+                <a:solidFill>
+                  <a:srgbClr val="D0CECE"/>
+                </a:solidFill>
+                <a:latin typeface="Montserrat Light"/>
+                <a:ea typeface="+mn-lt"/>
+                <a:cs typeface="+mn-lt"/>
+              </a:rPr>
+              <a:t> </a:t>
+            </a:r>
           </a:p>
         </p:txBody>
       </p:sp>
@@ -6298,13 +6859,13 @@
   <p:clrMapOvr>
     <a:masterClrMapping/>
   </p:clrMapOvr>
-  <mc:AlternateContent xmlns:mc="http://schemas.openxmlformats.org/markup-compatibility/2006" xmlns:p159="http://schemas.microsoft.com/office/powerpoint/2015/09/main">
-    <mc:Choice Requires="p159">
+  <mc:AlternateContent xmlns:mc="http://schemas.openxmlformats.org/markup-compatibility/2006">
+    <mc:Choice xmlns:p159="http://schemas.microsoft.com/office/powerpoint/2015/09/main" Requires="p159">
       <p:transition xmlns:p14="http://schemas.microsoft.com/office/powerpoint/2010/main" spd="slow" p14:dur="2000">
         <p159:morph option="byObject"/>
       </p:transition>
     </mc:Choice>
-    <mc:Fallback xmlns="">
+    <mc:Fallback>
       <p:transition spd="slow">
         <p:fade/>
       </p:transition>
@@ -6366,55 +6927,6 @@
           </a:prstGeom>
         </p:spPr>
       </p:pic>
-      <p:sp>
-        <p:nvSpPr>
-          <p:cNvPr id="9" name="Title 1">
-            <a:extLst>
-              <a:ext uri="{FF2B5EF4-FFF2-40B4-BE49-F238E27FC236}">
-                <a16:creationId xmlns:a16="http://schemas.microsoft.com/office/drawing/2014/main" id="{DBE1895B-E1FB-4BD0-A0BB-363B88525B8C}"/>
-              </a:ext>
-            </a:extLst>
-          </p:cNvPr>
-          <p:cNvSpPr>
-            <a:spLocks noGrp="1"/>
-          </p:cNvSpPr>
-          <p:nvPr>
-            <p:ph type="title"/>
-          </p:nvPr>
-        </p:nvSpPr>
-        <p:spPr>
-          <a:xfrm>
-            <a:off x="1234440" y="1"/>
-            <a:ext cx="9749419" cy="1310638"/>
-          </a:xfrm>
-        </p:spPr>
-        <p:txBody>
-          <a:bodyPr/>
-          <a:lstStyle/>
-          <a:p>
-            <a:pPr algn="ctr"/>
-            <a:r>
-              <a:rPr lang="ru-RU" dirty="0">
-                <a:solidFill>
-                  <a:schemeClr val="bg2">
-                    <a:lumMod val="90000"/>
-                  </a:schemeClr>
-                </a:solidFill>
-                <a:latin typeface="Montserrat Black" panose="00000A00000000000000" pitchFamily="2" charset="-52"/>
-              </a:rPr>
-              <a:t>ЗАКЛЮЧЕНИЕ</a:t>
-            </a:r>
-            <a:endParaRPr lang="en-US" dirty="0">
-              <a:solidFill>
-                <a:schemeClr val="bg2">
-                  <a:lumMod val="90000"/>
-                </a:schemeClr>
-              </a:solidFill>
-              <a:latin typeface="Montserrat Black" panose="00000A00000000000000" pitchFamily="2" charset="-52"/>
-            </a:endParaRPr>
-          </a:p>
-        </p:txBody>
-      </p:sp>
       <p:cxnSp>
         <p:nvCxnSpPr>
           <p:cNvPr id="13" name="Straight Connector 12">
@@ -6469,8 +6981,8 @@
         </p:nvCxnSpPr>
         <p:spPr>
           <a:xfrm>
-            <a:off x="0" y="1318260"/>
-            <a:ext cx="12192001" cy="0"/>
+            <a:off x="10972800" y="1318259"/>
+            <a:ext cx="1219201" cy="1"/>
           </a:xfrm>
           <a:prstGeom prst="line">
             <a:avLst/>
@@ -6493,72 +7005,6 @@
       </p:cxnSp>
       <p:sp>
         <p:nvSpPr>
-          <p:cNvPr id="26" name="Google Shape;527;p36">
-            <a:extLst>
-              <a:ext uri="{FF2B5EF4-FFF2-40B4-BE49-F238E27FC236}">
-                <a16:creationId xmlns:a16="http://schemas.microsoft.com/office/drawing/2014/main" id="{CF5054C9-DF20-439E-80A3-BE693A160A50}"/>
-              </a:ext>
-            </a:extLst>
-          </p:cNvPr>
-          <p:cNvSpPr txBox="1">
-            <a:spLocks/>
-          </p:cNvSpPr>
-          <p:nvPr/>
-        </p:nvSpPr>
-        <p:spPr>
-          <a:xfrm>
-            <a:off x="6240" y="433273"/>
-            <a:ext cx="1228200" cy="954000"/>
-          </a:xfrm>
-          <a:prstGeom prst="rect">
-            <a:avLst/>
-          </a:prstGeom>
-        </p:spPr>
-        <p:txBody>
-          <a:bodyPr spcFirstLastPara="1" vert="horz" wrap="square" lIns="91425" tIns="45700" rIns="91425" bIns="91425" rtlCol="0" anchor="t" anchorCtr="0">
-            <a:noAutofit/>
-          </a:bodyPr>
-          <a:lstStyle>
-            <a:lvl1pPr algn="l" defTabSz="914400" rtl="0" eaLnBrk="1" latinLnBrk="0" hangingPunct="1">
-              <a:lnSpc>
-                <a:spcPct val="90000"/>
-              </a:lnSpc>
-              <a:spcBef>
-                <a:spcPct val="0"/>
-              </a:spcBef>
-              <a:buNone/>
-              <a:defRPr sz="4400" kern="1200">
-                <a:solidFill>
-                  <a:schemeClr val="tx1"/>
-                </a:solidFill>
-                <a:latin typeface="+mj-lt"/>
-                <a:ea typeface="+mj-ea"/>
-                <a:cs typeface="+mj-cs"/>
-              </a:defRPr>
-            </a:lvl1pPr>
-          </a:lstStyle>
-          <a:p>
-            <a:pPr algn="ctr">
-              <a:spcBef>
-                <a:spcPts val="0"/>
-              </a:spcBef>
-            </a:pPr>
-            <a:r>
-              <a:rPr lang="en" dirty="0">
-                <a:solidFill>
-                  <a:schemeClr val="bg2">
-                    <a:lumMod val="90000"/>
-                  </a:schemeClr>
-                </a:solidFill>
-                <a:latin typeface="Montserrat Black" panose="00000A00000000000000" pitchFamily="2" charset="-52"/>
-              </a:rPr>
-              <a:t>03</a:t>
-            </a:r>
-          </a:p>
-        </p:txBody>
-      </p:sp>
-      <p:sp>
-        <p:nvSpPr>
           <p:cNvPr id="27" name="Title 1">
             <a:extLst>
               <a:ext uri="{FF2B5EF4-FFF2-40B4-BE49-F238E27FC236}">
@@ -6788,7 +7234,7 @@
         <p:spPr>
           <a:xfrm>
             <a:off x="0" y="5924375"/>
-            <a:ext cx="12192001" cy="0"/>
+            <a:ext cx="1234440" cy="0"/>
           </a:xfrm>
           <a:prstGeom prst="line">
             <a:avLst/>
@@ -6809,12 +7255,124 @@
           </a:fontRef>
         </p:style>
       </p:cxnSp>
-      <p:sp>
-        <p:nvSpPr>
-          <p:cNvPr id="18" name="TextBox 17">
-            <a:extLst>
-              <a:ext uri="{FF2B5EF4-FFF2-40B4-BE49-F238E27FC236}">
-                <a16:creationId xmlns:a16="http://schemas.microsoft.com/office/drawing/2014/main" id="{3E2D3532-A12B-491B-9061-2161ECFE2798}"/>
+      <p:cxnSp>
+        <p:nvCxnSpPr>
+          <p:cNvPr id="20" name="Straight Connector 19">
+            <a:extLst>
+              <a:ext uri="{FF2B5EF4-FFF2-40B4-BE49-F238E27FC236}">
+                <a16:creationId xmlns:a16="http://schemas.microsoft.com/office/drawing/2014/main" id="{3E75A43E-A6C1-4191-9EF1-FA5A51591DF8}"/>
+              </a:ext>
+            </a:extLst>
+          </p:cNvPr>
+          <p:cNvCxnSpPr>
+            <a:cxnSpLocks/>
+          </p:cNvCxnSpPr>
+          <p:nvPr/>
+        </p:nvCxnSpPr>
+        <p:spPr>
+          <a:xfrm>
+            <a:off x="15240" y="1318255"/>
+            <a:ext cx="1219201" cy="1"/>
+          </a:xfrm>
+          <a:prstGeom prst="line">
+            <a:avLst/>
+          </a:prstGeom>
+        </p:spPr>
+        <p:style>
+          <a:lnRef idx="1">
+            <a:schemeClr val="accent3"/>
+          </a:lnRef>
+          <a:fillRef idx="0">
+            <a:schemeClr val="accent3"/>
+          </a:fillRef>
+          <a:effectRef idx="0">
+            <a:schemeClr val="accent3"/>
+          </a:effectRef>
+          <a:fontRef idx="minor">
+            <a:schemeClr val="tx1"/>
+          </a:fontRef>
+        </p:style>
+      </p:cxnSp>
+      <p:cxnSp>
+        <p:nvCxnSpPr>
+          <p:cNvPr id="21" name="Straight Connector 20">
+            <a:extLst>
+              <a:ext uri="{FF2B5EF4-FFF2-40B4-BE49-F238E27FC236}">
+                <a16:creationId xmlns:a16="http://schemas.microsoft.com/office/drawing/2014/main" id="{CDAF6748-6D30-4478-9548-17C3FA1EBA88}"/>
+              </a:ext>
+            </a:extLst>
+          </p:cNvPr>
+          <p:cNvCxnSpPr>
+            <a:cxnSpLocks/>
+          </p:cNvCxnSpPr>
+          <p:nvPr/>
+        </p:nvCxnSpPr>
+        <p:spPr>
+          <a:xfrm>
+            <a:off x="10972800" y="5948882"/>
+            <a:ext cx="1234440" cy="0"/>
+          </a:xfrm>
+          <a:prstGeom prst="line">
+            <a:avLst/>
+          </a:prstGeom>
+        </p:spPr>
+        <p:style>
+          <a:lnRef idx="1">
+            <a:schemeClr val="accent3"/>
+          </a:lnRef>
+          <a:fillRef idx="0">
+            <a:schemeClr val="accent3"/>
+          </a:fillRef>
+          <a:effectRef idx="0">
+            <a:schemeClr val="accent3"/>
+          </a:effectRef>
+          <a:fontRef idx="minor">
+            <a:schemeClr val="tx1"/>
+          </a:fontRef>
+        </p:style>
+      </p:cxnSp>
+      <p:pic>
+        <p:nvPicPr>
+          <p:cNvPr id="22" name="Picture 21">
+            <a:extLst>
+              <a:ext uri="{FF2B5EF4-FFF2-40B4-BE49-F238E27FC236}">
+                <a16:creationId xmlns:a16="http://schemas.microsoft.com/office/drawing/2014/main" id="{76ABA6CF-B18F-4845-A3D6-0461E92440CD}"/>
+              </a:ext>
+            </a:extLst>
+          </p:cNvPr>
+          <p:cNvPicPr>
+            <a:picLocks noChangeAspect="1"/>
+          </p:cNvPicPr>
+          <p:nvPr/>
+        </p:nvPicPr>
+        <p:blipFill>
+          <a:blip r:embed="rId4">
+            <a:extLst>
+              <a:ext uri="{28A0092B-C50C-407E-A947-70E740481C1C}">
+                <a14:useLocalDpi xmlns:a14="http://schemas.microsoft.com/office/drawing/2010/main" val="0"/>
+              </a:ext>
+            </a:extLst>
+          </a:blip>
+          <a:stretch>
+            <a:fillRect/>
+          </a:stretch>
+        </p:blipFill>
+        <p:spPr>
+          <a:xfrm>
+            <a:off x="4071517" y="1878141"/>
+            <a:ext cx="4057014" cy="4046854"/>
+          </a:xfrm>
+          <a:prstGeom prst="rect">
+            <a:avLst/>
+          </a:prstGeom>
+        </p:spPr>
+      </p:pic>
+      <p:sp>
+        <p:nvSpPr>
+          <p:cNvPr id="6" name="TextBox 5">
+            <a:extLst>
+              <a:ext uri="{FF2B5EF4-FFF2-40B4-BE49-F238E27FC236}">
+                <a16:creationId xmlns:a16="http://schemas.microsoft.com/office/drawing/2014/main" id="{AFA92949-4972-45B0-8707-4807C44EF247}"/>
               </a:ext>
             </a:extLst>
           </p:cNvPr>
@@ -6823,8 +7381,8 @@
         </p:nvSpPr>
         <p:spPr>
           <a:xfrm>
-            <a:off x="2021392" y="2151726"/>
-            <a:ext cx="8175514" cy="2308324"/>
+            <a:off x="1238356" y="105488"/>
+            <a:ext cx="9727885" cy="1200329"/>
           </a:xfrm>
           <a:prstGeom prst="rect">
             <a:avLst/>
@@ -6832,49 +7390,102 @@
           <a:noFill/>
         </p:spPr>
         <p:txBody>
-          <a:bodyPr wrap="square">
+          <a:bodyPr wrap="square" lIns="91440" tIns="45720" rIns="91440" bIns="45720" rtlCol="0" anchor="t">
             <a:spAutoFit/>
           </a:bodyPr>
           <a:lstStyle/>
           <a:p>
-            <a:pPr algn="ctr"/>
-            <a:r>
-              <a:rPr lang="ru-RU" sz="1800" b="0" i="0" u="none" strike="noStrike" dirty="0">
-                <a:solidFill>
-                  <a:srgbClr val="D0CECE"/>
-                </a:solidFill>
-                <a:effectLst/>
-                <a:latin typeface="Montserrat Light" panose="00000400000000000000" pitchFamily="2" charset="0"/>
-              </a:rPr>
-              <a:t>Спендли предлага удобно решение за управление на разходите, като автоматизира процеса на събиране и съхранение на касови бележки. Приложението вече е в процес на тестване от ограничен брой потребители, като резултатите показват значително улеснение при проследяването на разходите. В бъдеще има възможност за добавяне на функционалности като автоматично генериране на графики на разходите и интеграция с други финансови приложения.</a:t>
-            </a:r>
-            <a:r>
-              <a:rPr lang="ru-RU" sz="1800" b="0" i="0" dirty="0">
-                <a:solidFill>
-                  <a:srgbClr val="000000"/>
-                </a:solidFill>
-                <a:effectLst/>
-                <a:latin typeface="Montserrat Light" panose="00000400000000000000" pitchFamily="2" charset="0"/>
-              </a:rPr>
-              <a:t>​</a:t>
-            </a:r>
-            <a:endParaRPr lang="bg-BG" sz="2000" dirty="0">
+            <a:pPr algn="ctr">
+              <a:lnSpc>
+                <a:spcPct val="90000"/>
+              </a:lnSpc>
+              <a:spcBef>
+                <a:spcPct val="0"/>
+              </a:spcBef>
+            </a:pPr>
+            <a:r>
+              <a:rPr lang="en-US" sz="4000" b="1" dirty="0">
+                <a:solidFill>
+                  <a:schemeClr val="bg2">
+                    <a:lumMod val="90000"/>
+                  </a:schemeClr>
+                </a:solidFill>
+                <a:latin typeface="Montserrat Black"/>
+                <a:ea typeface="+mj-ea"/>
+                <a:cs typeface="+mj-cs"/>
+              </a:rPr>
+              <a:t>LANDING PAGE</a:t>
+            </a:r>
+            <a:r>
+              <a:rPr lang="ru-RU" sz="4000" b="1" dirty="0">
+                <a:solidFill>
+                  <a:schemeClr val="bg2">
+                    <a:lumMod val="90000"/>
+                  </a:schemeClr>
+                </a:solidFill>
+                <a:latin typeface="Montserrat Black"/>
+                <a:ea typeface="+mj-ea"/>
+                <a:cs typeface="+mj-cs"/>
+              </a:rPr>
+              <a:t> НА ПРИЛОЖЕНИЕТО</a:t>
+            </a:r>
+            <a:endParaRPr lang="en-US" sz="4000" b="1" dirty="0">
               <a:solidFill>
                 <a:schemeClr val="bg2">
                   <a:lumMod val="90000"/>
                 </a:schemeClr>
               </a:solidFill>
-              <a:latin typeface="Montserrat Light" panose="00000400000000000000" pitchFamily="2" charset="-52"/>
+              <a:latin typeface="Montserrat Black"/>
+              <a:ea typeface="+mj-ea"/>
+              <a:cs typeface="+mj-cs"/>
             </a:endParaRPr>
           </a:p>
         </p:txBody>
       </p:sp>
-      <p:sp>
-        <p:nvSpPr>
-          <p:cNvPr id="19" name="Title 1">
-            <a:extLst>
-              <a:ext uri="{FF2B5EF4-FFF2-40B4-BE49-F238E27FC236}">
-                <a16:creationId xmlns:a16="http://schemas.microsoft.com/office/drawing/2014/main" id="{FE772B96-31F3-414D-82A9-155E507CDF4C}"/>
+      <p:cxnSp>
+        <p:nvCxnSpPr>
+          <p:cNvPr id="2" name="Straight Connector 1">
+            <a:extLst>
+              <a:ext uri="{FF2B5EF4-FFF2-40B4-BE49-F238E27FC236}">
+                <a16:creationId xmlns:a16="http://schemas.microsoft.com/office/drawing/2014/main" id="{337CEF51-7E84-B6E5-4962-BE5F2F13D5E4}"/>
+              </a:ext>
+            </a:extLst>
+          </p:cNvPr>
+          <p:cNvCxnSpPr>
+            <a:cxnSpLocks/>
+          </p:cNvCxnSpPr>
+          <p:nvPr/>
+        </p:nvCxnSpPr>
+        <p:spPr>
+          <a:xfrm>
+            <a:off x="1234440" y="1318255"/>
+            <a:ext cx="9733281" cy="1"/>
+          </a:xfrm>
+          <a:prstGeom prst="line">
+            <a:avLst/>
+          </a:prstGeom>
+        </p:spPr>
+        <p:style>
+          <a:lnRef idx="1">
+            <a:schemeClr val="accent3"/>
+          </a:lnRef>
+          <a:fillRef idx="0">
+            <a:schemeClr val="accent3"/>
+          </a:fillRef>
+          <a:effectRef idx="0">
+            <a:schemeClr val="accent3"/>
+          </a:effectRef>
+          <a:fontRef idx="minor">
+            <a:schemeClr val="tx1"/>
+          </a:fontRef>
+        </p:style>
+      </p:cxnSp>
+      <p:sp>
+        <p:nvSpPr>
+          <p:cNvPr id="8" name="Google Shape;527;p36">
+            <a:extLst>
+              <a:ext uri="{FF2B5EF4-FFF2-40B4-BE49-F238E27FC236}">
+                <a16:creationId xmlns:a16="http://schemas.microsoft.com/office/drawing/2014/main" id="{EF74CC86-6B13-0EEA-5158-89F282B9410B}"/>
               </a:ext>
             </a:extLst>
           </p:cNvPr>
@@ -6885,16 +7496,16 @@
         </p:nvSpPr>
         <p:spPr>
           <a:xfrm>
-            <a:off x="1234439" y="1"/>
-            <a:ext cx="9749419" cy="1310638"/>
+            <a:off x="6240" y="433273"/>
+            <a:ext cx="1228200" cy="954000"/>
           </a:xfrm>
           <a:prstGeom prst="rect">
             <a:avLst/>
           </a:prstGeom>
         </p:spPr>
         <p:txBody>
-          <a:bodyPr vert="horz" lIns="91440" tIns="45720" rIns="91440" bIns="45720" rtlCol="0" anchor="ctr">
-            <a:normAutofit/>
+          <a:bodyPr spcFirstLastPara="1" vert="horz" wrap="square" lIns="91425" tIns="45700" rIns="91425" bIns="91425" rtlCol="0" anchor="t" anchorCtr="0">
+            <a:noAutofit/>
           </a:bodyPr>
           <a:lstStyle>
             <a:lvl1pPr algn="l" defTabSz="914400" rtl="0" eaLnBrk="1" latinLnBrk="0" hangingPunct="1">
@@ -6916,9 +7527,13 @@
             </a:lvl1pPr>
           </a:lstStyle>
           <a:p>
-            <a:pPr algn="ctr"/>
-            <a:r>
-              <a:rPr lang="ru-RU" dirty="0">
+            <a:pPr algn="ctr">
+              <a:spcBef>
+                <a:spcPts val="0"/>
+              </a:spcBef>
+            </a:pPr>
+            <a:r>
+              <a:rPr lang="en" dirty="0">
                 <a:solidFill>
                   <a:schemeClr val="bg2">
                     <a:lumMod val="90000"/>
@@ -6926,23 +7541,15 @@
                 </a:solidFill>
                 <a:latin typeface="Montserrat Black" panose="00000A00000000000000" pitchFamily="2" charset="-52"/>
               </a:rPr>
-              <a:t>ЗАКЛЮЧЕНИЕ</a:t>
-            </a:r>
-            <a:endParaRPr lang="en-US" dirty="0">
-              <a:solidFill>
-                <a:schemeClr val="bg2">
-                  <a:lumMod val="90000"/>
-                </a:schemeClr>
-              </a:solidFill>
-              <a:latin typeface="Montserrat Black" panose="00000A00000000000000" pitchFamily="2" charset="-52"/>
-            </a:endParaRPr>
+              <a:t>03</a:t>
+            </a:r>
           </a:p>
         </p:txBody>
       </p:sp>
     </p:spTree>
     <p:extLst>
       <p:ext uri="{BB962C8B-B14F-4D97-AF65-F5344CB8AC3E}">
-        <p14:creationId xmlns:p14="http://schemas.microsoft.com/office/powerpoint/2010/main" val="1320610635"/>
+        <p14:creationId xmlns:p14="http://schemas.microsoft.com/office/powerpoint/2010/main" val="3167994889"/>
       </p:ext>
     </p:extLst>
   </p:cSld>
@@ -7345,42 +7952,6 @@
           </a:fontRef>
         </p:style>
       </p:cxnSp>
-      <p:pic>
-        <p:nvPicPr>
-          <p:cNvPr id="19" name="Picture 18">
-            <a:extLst>
-              <a:ext uri="{FF2B5EF4-FFF2-40B4-BE49-F238E27FC236}">
-                <a16:creationId xmlns:a16="http://schemas.microsoft.com/office/drawing/2014/main" id="{2E92F155-709E-4816-AA42-7C233361D8DF}"/>
-              </a:ext>
-            </a:extLst>
-          </p:cNvPr>
-          <p:cNvPicPr>
-            <a:picLocks noChangeAspect="1"/>
-          </p:cNvPicPr>
-          <p:nvPr/>
-        </p:nvPicPr>
-        <p:blipFill>
-          <a:blip r:embed="rId3">
-            <a:extLst>
-              <a:ext uri="{28A0092B-C50C-407E-A947-70E740481C1C}">
-                <a14:useLocalDpi xmlns:a14="http://schemas.microsoft.com/office/drawing/2010/main" val="0"/>
-              </a:ext>
-            </a:extLst>
-          </a:blip>
-          <a:stretch>
-            <a:fillRect/>
-          </a:stretch>
-        </p:blipFill>
-        <p:spPr>
-          <a:xfrm>
-            <a:off x="190066" y="231071"/>
-            <a:ext cx="862669" cy="848498"/>
-          </a:xfrm>
-          <a:prstGeom prst="rect">
-            <a:avLst/>
-          </a:prstGeom>
-        </p:spPr>
-      </p:pic>
       <p:cxnSp>
         <p:nvCxnSpPr>
           <p:cNvPr id="20" name="Straight Connector 19">
@@ -7457,48 +8028,12 @@
           </a:fontRef>
         </p:style>
       </p:cxnSp>
-      <p:pic>
-        <p:nvPicPr>
-          <p:cNvPr id="22" name="Picture 21">
-            <a:extLst>
-              <a:ext uri="{FF2B5EF4-FFF2-40B4-BE49-F238E27FC236}">
-                <a16:creationId xmlns:a16="http://schemas.microsoft.com/office/drawing/2014/main" id="{76ABA6CF-B18F-4845-A3D6-0461E92440CD}"/>
-              </a:ext>
-            </a:extLst>
-          </p:cNvPr>
-          <p:cNvPicPr>
-            <a:picLocks noChangeAspect="1"/>
-          </p:cNvPicPr>
-          <p:nvPr/>
-        </p:nvPicPr>
-        <p:blipFill>
-          <a:blip r:embed="rId4">
-            <a:extLst>
-              <a:ext uri="{28A0092B-C50C-407E-A947-70E740481C1C}">
-                <a14:useLocalDpi xmlns:a14="http://schemas.microsoft.com/office/drawing/2010/main" val="0"/>
-              </a:ext>
-            </a:extLst>
-          </a:blip>
-          <a:stretch>
-            <a:fillRect/>
-          </a:stretch>
-        </p:blipFill>
-        <p:spPr>
-          <a:xfrm>
-            <a:off x="7109357" y="2315021"/>
-            <a:ext cx="3305174" cy="3305174"/>
-          </a:xfrm>
-          <a:prstGeom prst="rect">
-            <a:avLst/>
-          </a:prstGeom>
-        </p:spPr>
-      </p:pic>
-      <p:sp>
-        <p:nvSpPr>
-          <p:cNvPr id="5" name="TextBox 4">
-            <a:extLst>
-              <a:ext uri="{FF2B5EF4-FFF2-40B4-BE49-F238E27FC236}">
-                <a16:creationId xmlns:a16="http://schemas.microsoft.com/office/drawing/2014/main" id="{385FA312-8B84-4809-8005-C6A8B42DA9DB}"/>
+      <p:sp>
+        <p:nvSpPr>
+          <p:cNvPr id="6" name="TextBox 5">
+            <a:extLst>
+              <a:ext uri="{FF2B5EF4-FFF2-40B4-BE49-F238E27FC236}">
+                <a16:creationId xmlns:a16="http://schemas.microsoft.com/office/drawing/2014/main" id="{AFA92949-4972-45B0-8707-4807C44EF247}"/>
               </a:ext>
             </a:extLst>
           </p:cNvPr>
@@ -7507,8 +8042,8 @@
         </p:nvSpPr>
         <p:spPr>
           <a:xfrm>
-            <a:off x="3295328" y="383766"/>
-            <a:ext cx="5594468" cy="1200329"/>
+            <a:off x="1238356" y="339168"/>
+            <a:ext cx="9727885" cy="646331"/>
           </a:xfrm>
           <a:prstGeom prst="rect">
             <a:avLst/>
@@ -7516,7 +8051,7 @@
           <a:noFill/>
         </p:spPr>
         <p:txBody>
-          <a:bodyPr wrap="square" rtlCol="0">
+          <a:bodyPr wrap="square" lIns="91440" tIns="45720" rIns="91440" bIns="45720" rtlCol="0" anchor="t">
             <a:spAutoFit/>
           </a:bodyPr>
           <a:lstStyle/>
@@ -7530,37 +8065,1258 @@
               </a:spcBef>
             </a:pPr>
             <a:r>
-              <a:rPr lang="ru-RU" sz="4000" dirty="0">
+              <a:rPr lang="en-US" sz="4000" b="1" dirty="0">
                 <a:solidFill>
                   <a:schemeClr val="bg2">
                     <a:lumMod val="90000"/>
                   </a:schemeClr>
                 </a:solidFill>
-                <a:latin typeface="Montserrat Black" panose="00000A00000000000000" pitchFamily="2" charset="-52"/>
+                <a:latin typeface="Montserrat Black"/>
                 <a:ea typeface="+mj-ea"/>
                 <a:cs typeface="+mj-cs"/>
               </a:rPr>
-              <a:t>БЛАГОДАРИМ ЗА ВНИМАНИЕТО!</a:t>
-            </a:r>
-            <a:endParaRPr lang="en-US" sz="4000" dirty="0">
+              <a:t>БЪДЕЩИ ПЛАНОВЕ</a:t>
+            </a:r>
+          </a:p>
+        </p:txBody>
+      </p:sp>
+      <p:cxnSp>
+        <p:nvCxnSpPr>
+          <p:cNvPr id="2" name="Straight Connector 1">
+            <a:extLst>
+              <a:ext uri="{FF2B5EF4-FFF2-40B4-BE49-F238E27FC236}">
+                <a16:creationId xmlns:a16="http://schemas.microsoft.com/office/drawing/2014/main" id="{337CEF51-7E84-B6E5-4962-BE5F2F13D5E4}"/>
+              </a:ext>
+            </a:extLst>
+          </p:cNvPr>
+          <p:cNvCxnSpPr>
+            <a:cxnSpLocks/>
+          </p:cNvCxnSpPr>
+          <p:nvPr/>
+        </p:nvCxnSpPr>
+        <p:spPr>
+          <a:xfrm>
+            <a:off x="1234440" y="1318255"/>
+            <a:ext cx="9733281" cy="1"/>
+          </a:xfrm>
+          <a:prstGeom prst="line">
+            <a:avLst/>
+          </a:prstGeom>
+        </p:spPr>
+        <p:style>
+          <a:lnRef idx="1">
+            <a:schemeClr val="accent3"/>
+          </a:lnRef>
+          <a:fillRef idx="0">
+            <a:schemeClr val="accent3"/>
+          </a:fillRef>
+          <a:effectRef idx="0">
+            <a:schemeClr val="accent3"/>
+          </a:effectRef>
+          <a:fontRef idx="minor">
+            <a:schemeClr val="tx1"/>
+          </a:fontRef>
+        </p:style>
+      </p:cxnSp>
+      <p:sp>
+        <p:nvSpPr>
+          <p:cNvPr id="5" name="TextBox 4">
+            <a:extLst>
+              <a:ext uri="{FF2B5EF4-FFF2-40B4-BE49-F238E27FC236}">
+                <a16:creationId xmlns:a16="http://schemas.microsoft.com/office/drawing/2014/main" id="{3B245875-7447-8C70-767A-FD3BE584921C}"/>
+              </a:ext>
+            </a:extLst>
+          </p:cNvPr>
+          <p:cNvSpPr txBox="1"/>
+          <p:nvPr/>
+        </p:nvSpPr>
+        <p:spPr>
+          <a:xfrm>
+            <a:off x="2194559" y="2090420"/>
+            <a:ext cx="7810500" cy="2677656"/>
+          </a:xfrm>
+          <a:prstGeom prst="rect">
+            <a:avLst/>
+          </a:prstGeom>
+          <a:noFill/>
+        </p:spPr>
+        <p:txBody>
+          <a:bodyPr rot="0" spcFirstLastPara="0" vertOverflow="overflow" horzOverflow="overflow" vert="horz" wrap="square" lIns="91440" tIns="45720" rIns="91440" bIns="45720" numCol="1" spcCol="0" rtlCol="0" fromWordArt="0" anchor="t" anchorCtr="0" forceAA="0" compatLnSpc="1">
+            <a:prstTxWarp prst="textNoShape">
+              <a:avLst/>
+            </a:prstTxWarp>
+            <a:spAutoFit/>
+          </a:bodyPr>
+          <a:lstStyle/>
+          <a:p>
+            <a:pPr marL="342900" indent="-342900">
+              <a:buFont typeface="Arial"/>
+              <a:buChar char="•"/>
+            </a:pPr>
+            <a:r>
+              <a:rPr lang="en-US" sz="2400" dirty="0" err="1">
+                <a:solidFill>
+                  <a:srgbClr val="D0CECE"/>
+                </a:solidFill>
+                <a:latin typeface="Montserrat Light"/>
+                <a:ea typeface="+mn-lt"/>
+                <a:cs typeface="+mn-lt"/>
+              </a:rPr>
+              <a:t>Съхранение</a:t>
+            </a:r>
+            <a:r>
+              <a:rPr lang="en-US" sz="2400" dirty="0">
+                <a:solidFill>
+                  <a:srgbClr val="D0CECE"/>
+                </a:solidFill>
+                <a:latin typeface="Montserrat Light"/>
+                <a:ea typeface="+mn-lt"/>
+                <a:cs typeface="+mn-lt"/>
+              </a:rPr>
+              <a:t> </a:t>
+            </a:r>
+            <a:r>
+              <a:rPr lang="en-US" sz="2400" dirty="0" err="1">
+                <a:solidFill>
+                  <a:srgbClr val="D0CECE"/>
+                </a:solidFill>
+                <a:latin typeface="Montserrat Light"/>
+                <a:ea typeface="+mn-lt"/>
+                <a:cs typeface="+mn-lt"/>
+              </a:rPr>
+              <a:t>на</a:t>
+            </a:r>
+            <a:r>
+              <a:rPr lang="en-US" sz="2400" dirty="0">
+                <a:solidFill>
+                  <a:srgbClr val="D0CECE"/>
+                </a:solidFill>
+                <a:latin typeface="Montserrat Light"/>
+                <a:ea typeface="+mn-lt"/>
+                <a:cs typeface="+mn-lt"/>
+              </a:rPr>
+              <a:t> </a:t>
+            </a:r>
+            <a:r>
+              <a:rPr lang="en-US" sz="2400" dirty="0" err="1">
+                <a:solidFill>
+                  <a:srgbClr val="D0CECE"/>
+                </a:solidFill>
+                <a:latin typeface="Montserrat Light"/>
+                <a:ea typeface="+mn-lt"/>
+                <a:cs typeface="+mn-lt"/>
+              </a:rPr>
+              <a:t>снимка</a:t>
+            </a:r>
+            <a:r>
+              <a:rPr lang="en-US" sz="2400" dirty="0">
+                <a:solidFill>
+                  <a:srgbClr val="D0CECE"/>
+                </a:solidFill>
+                <a:latin typeface="Montserrat Light"/>
+                <a:ea typeface="+mn-lt"/>
+                <a:cs typeface="+mn-lt"/>
+              </a:rPr>
+              <a:t> </a:t>
+            </a:r>
+            <a:r>
+              <a:rPr lang="en-US" sz="2400" dirty="0" err="1">
+                <a:solidFill>
+                  <a:srgbClr val="D0CECE"/>
+                </a:solidFill>
+                <a:latin typeface="Montserrat Light"/>
+                <a:ea typeface="+mn-lt"/>
+                <a:cs typeface="+mn-lt"/>
+              </a:rPr>
+              <a:t>на</a:t>
+            </a:r>
+            <a:r>
+              <a:rPr lang="en-US" sz="2400" dirty="0">
+                <a:solidFill>
+                  <a:srgbClr val="D0CECE"/>
+                </a:solidFill>
+                <a:latin typeface="Montserrat Light"/>
+                <a:ea typeface="+mn-lt"/>
+                <a:cs typeface="+mn-lt"/>
+              </a:rPr>
+              <a:t> </a:t>
+            </a:r>
+            <a:r>
+              <a:rPr lang="en-US" sz="2400" dirty="0" err="1">
+                <a:solidFill>
+                  <a:srgbClr val="D0CECE"/>
+                </a:solidFill>
+                <a:latin typeface="Montserrat Light"/>
+                <a:ea typeface="+mn-lt"/>
+                <a:cs typeface="+mn-lt"/>
+              </a:rPr>
+              <a:t>бележката</a:t>
+            </a:r>
+            <a:r>
+              <a:rPr lang="en-US" sz="2400" dirty="0">
+                <a:solidFill>
+                  <a:srgbClr val="D0CECE"/>
+                </a:solidFill>
+                <a:latin typeface="Montserrat Light"/>
+                <a:ea typeface="+mn-lt"/>
+                <a:cs typeface="+mn-lt"/>
+              </a:rPr>
+              <a:t> и </a:t>
+            </a:r>
+            <a:r>
+              <a:rPr lang="en-US" sz="2400" dirty="0" err="1">
+                <a:solidFill>
+                  <a:srgbClr val="D0CECE"/>
+                </a:solidFill>
+                <a:latin typeface="Montserrat Light"/>
+                <a:ea typeface="+mn-lt"/>
+                <a:cs typeface="+mn-lt"/>
+              </a:rPr>
+              <a:t>генериране</a:t>
+            </a:r>
+            <a:r>
+              <a:rPr lang="en-US" sz="2400" dirty="0">
+                <a:solidFill>
+                  <a:srgbClr val="D0CECE"/>
+                </a:solidFill>
+                <a:latin typeface="Montserrat Light"/>
+                <a:ea typeface="+mn-lt"/>
+                <a:cs typeface="+mn-lt"/>
+              </a:rPr>
+              <a:t> </a:t>
+            </a:r>
+            <a:r>
+              <a:rPr lang="en-US" sz="2400" dirty="0" err="1">
+                <a:solidFill>
+                  <a:srgbClr val="D0CECE"/>
+                </a:solidFill>
+                <a:latin typeface="Montserrat Light"/>
+                <a:ea typeface="+mn-lt"/>
+                <a:cs typeface="+mn-lt"/>
+              </a:rPr>
+              <a:t>на</a:t>
+            </a:r>
+            <a:r>
+              <a:rPr lang="en-US" sz="2400" dirty="0">
+                <a:solidFill>
+                  <a:srgbClr val="D0CECE"/>
+                </a:solidFill>
+                <a:latin typeface="Montserrat Light"/>
+                <a:ea typeface="+mn-lt"/>
+                <a:cs typeface="+mn-lt"/>
+              </a:rPr>
+              <a:t> </a:t>
+            </a:r>
+            <a:r>
+              <a:rPr lang="en-US" sz="2400" dirty="0" err="1">
+                <a:solidFill>
+                  <a:srgbClr val="D0CECE"/>
+                </a:solidFill>
+                <a:latin typeface="Montserrat Light"/>
+                <a:ea typeface="+mn-lt"/>
+                <a:cs typeface="+mn-lt"/>
+              </a:rPr>
+              <a:t>индивидуален</a:t>
+            </a:r>
+            <a:r>
+              <a:rPr lang="en-US" sz="2400" dirty="0">
+                <a:solidFill>
+                  <a:srgbClr val="D0CECE"/>
+                </a:solidFill>
+                <a:latin typeface="Montserrat Light"/>
+                <a:ea typeface="+mn-lt"/>
+                <a:cs typeface="+mn-lt"/>
+              </a:rPr>
+              <a:t> QR </a:t>
+            </a:r>
+            <a:r>
+              <a:rPr lang="en-US" sz="2400" dirty="0" err="1">
+                <a:solidFill>
+                  <a:srgbClr val="D0CECE"/>
+                </a:solidFill>
+                <a:latin typeface="Montserrat Light"/>
+                <a:ea typeface="+mn-lt"/>
+                <a:cs typeface="+mn-lt"/>
+              </a:rPr>
+              <a:t>код</a:t>
+            </a:r>
+            <a:r>
+              <a:rPr lang="en-US" sz="2400" dirty="0">
+                <a:solidFill>
+                  <a:srgbClr val="D0CECE"/>
+                </a:solidFill>
+                <a:latin typeface="Montserrat Light"/>
+                <a:ea typeface="+mn-lt"/>
+                <a:cs typeface="+mn-lt"/>
+              </a:rPr>
+              <a:t>:</a:t>
+            </a:r>
+          </a:p>
+          <a:p>
+            <a:pPr marL="342900" indent="-342900">
+              <a:buFont typeface="Arial"/>
+              <a:buChar char="•"/>
+            </a:pPr>
+            <a:r>
+              <a:rPr lang="en-US" sz="2400" dirty="0" err="1">
+                <a:solidFill>
+                  <a:srgbClr val="D0CECE"/>
+                </a:solidFill>
+                <a:latin typeface="Montserrat Light"/>
+                <a:ea typeface="+mn-lt"/>
+                <a:cs typeface="+mn-lt"/>
+              </a:rPr>
+              <a:t>Автоматично</a:t>
+            </a:r>
+            <a:r>
+              <a:rPr lang="en-US" sz="2400" dirty="0">
+                <a:solidFill>
+                  <a:srgbClr val="D0CECE"/>
+                </a:solidFill>
+                <a:latin typeface="Montserrat Light"/>
+                <a:ea typeface="+mn-lt"/>
+                <a:cs typeface="+mn-lt"/>
+              </a:rPr>
+              <a:t> </a:t>
+            </a:r>
+            <a:r>
+              <a:rPr lang="en-US" sz="2400" dirty="0" err="1">
+                <a:solidFill>
+                  <a:srgbClr val="D0CECE"/>
+                </a:solidFill>
+                <a:latin typeface="Montserrat Light"/>
+                <a:ea typeface="+mn-lt"/>
+                <a:cs typeface="+mn-lt"/>
+              </a:rPr>
+              <a:t>генериране</a:t>
+            </a:r>
+            <a:r>
+              <a:rPr lang="en-US" sz="2400" dirty="0">
+                <a:solidFill>
+                  <a:srgbClr val="D0CECE"/>
+                </a:solidFill>
+                <a:latin typeface="Montserrat Light"/>
+                <a:ea typeface="+mn-lt"/>
+                <a:cs typeface="+mn-lt"/>
+              </a:rPr>
+              <a:t> </a:t>
+            </a:r>
+            <a:r>
+              <a:rPr lang="en-US" sz="2400" dirty="0" err="1">
+                <a:solidFill>
+                  <a:srgbClr val="D0CECE"/>
+                </a:solidFill>
+                <a:latin typeface="Montserrat Light"/>
+                <a:ea typeface="+mn-lt"/>
+                <a:cs typeface="+mn-lt"/>
+              </a:rPr>
+              <a:t>на</a:t>
+            </a:r>
+            <a:r>
+              <a:rPr lang="en-US" sz="2400" dirty="0">
+                <a:solidFill>
+                  <a:srgbClr val="D0CECE"/>
+                </a:solidFill>
+                <a:latin typeface="Montserrat Light"/>
+                <a:ea typeface="+mn-lt"/>
+                <a:cs typeface="+mn-lt"/>
+              </a:rPr>
+              <a:t> </a:t>
+            </a:r>
+            <a:r>
+              <a:rPr lang="en-US" sz="2400" dirty="0" err="1">
+                <a:solidFill>
+                  <a:srgbClr val="D0CECE"/>
+                </a:solidFill>
+                <a:latin typeface="Montserrat Light"/>
+                <a:ea typeface="+mn-lt"/>
+                <a:cs typeface="+mn-lt"/>
+              </a:rPr>
+              <a:t>графи</a:t>
+            </a:r>
+            <a:r>
+              <a:rPr lang="en-US" sz="2400" dirty="0">
+                <a:solidFill>
+                  <a:srgbClr val="D0CECE"/>
+                </a:solidFill>
+                <a:latin typeface="Montserrat Light"/>
+                <a:ea typeface="+mn-lt"/>
+                <a:cs typeface="+mn-lt"/>
+              </a:rPr>
+              <a:t> и </a:t>
+            </a:r>
+            <a:r>
+              <a:rPr lang="en-US" sz="2400" dirty="0" err="1">
+                <a:solidFill>
+                  <a:srgbClr val="D0CECE"/>
+                </a:solidFill>
+                <a:latin typeface="Montserrat Light"/>
+                <a:ea typeface="+mn-lt"/>
+                <a:cs typeface="+mn-lt"/>
+              </a:rPr>
+              <a:t>статистики</a:t>
+            </a:r>
+            <a:r>
+              <a:rPr lang="en-US" sz="2400" dirty="0">
+                <a:solidFill>
+                  <a:srgbClr val="D0CECE"/>
+                </a:solidFill>
+                <a:latin typeface="Montserrat Light"/>
+                <a:ea typeface="+mn-lt"/>
+                <a:cs typeface="+mn-lt"/>
+              </a:rPr>
+              <a:t>:</a:t>
+            </a:r>
+          </a:p>
+          <a:p>
+            <a:pPr marL="342900" indent="-342900">
+              <a:buFont typeface="Arial"/>
+              <a:buChar char="•"/>
+            </a:pPr>
+            <a:r>
+              <a:rPr lang="en-US" sz="2400" dirty="0" err="1">
+                <a:solidFill>
+                  <a:srgbClr val="D0CECE"/>
+                </a:solidFill>
+                <a:latin typeface="Montserrat Light"/>
+                <a:ea typeface="+mn-lt"/>
+                <a:cs typeface="+mn-lt"/>
+              </a:rPr>
+              <a:t>Връзка</a:t>
+            </a:r>
+            <a:r>
+              <a:rPr lang="en-US" sz="2400" dirty="0">
+                <a:solidFill>
+                  <a:srgbClr val="D0CECE"/>
+                </a:solidFill>
+                <a:latin typeface="Montserrat Light"/>
+                <a:ea typeface="+mn-lt"/>
+                <a:cs typeface="+mn-lt"/>
+              </a:rPr>
+              <a:t> с </a:t>
+            </a:r>
+            <a:r>
+              <a:rPr lang="en-US" sz="2400" dirty="0" err="1">
+                <a:solidFill>
+                  <a:srgbClr val="D0CECE"/>
+                </a:solidFill>
+                <a:latin typeface="Montserrat Light"/>
+                <a:ea typeface="+mn-lt"/>
+                <a:cs typeface="+mn-lt"/>
+              </a:rPr>
+              <a:t>банков</a:t>
+            </a:r>
+            <a:r>
+              <a:rPr lang="en-US" sz="2400" dirty="0">
+                <a:solidFill>
+                  <a:srgbClr val="D0CECE"/>
+                </a:solidFill>
+                <a:latin typeface="Montserrat Light"/>
+                <a:ea typeface="+mn-lt"/>
+                <a:cs typeface="+mn-lt"/>
+              </a:rPr>
+              <a:t> </a:t>
+            </a:r>
+            <a:r>
+              <a:rPr lang="en-US" sz="2400" dirty="0" err="1">
+                <a:solidFill>
+                  <a:srgbClr val="D0CECE"/>
+                </a:solidFill>
+                <a:latin typeface="Montserrat Light"/>
+                <a:ea typeface="+mn-lt"/>
+                <a:cs typeface="+mn-lt"/>
+              </a:rPr>
+              <a:t>акаунт</a:t>
+            </a:r>
+            <a:r>
+              <a:rPr lang="en-US" sz="2400" dirty="0">
+                <a:solidFill>
+                  <a:srgbClr val="D0CECE"/>
+                </a:solidFill>
+                <a:latin typeface="Montserrat Light"/>
+                <a:ea typeface="+mn-lt"/>
+                <a:cs typeface="+mn-lt"/>
+              </a:rPr>
+              <a:t>/</a:t>
+            </a:r>
+            <a:r>
+              <a:rPr lang="en-US" sz="2400" dirty="0" err="1">
+                <a:solidFill>
+                  <a:srgbClr val="D0CECE"/>
+                </a:solidFill>
+                <a:latin typeface="Montserrat Light"/>
+                <a:ea typeface="+mn-lt"/>
+                <a:cs typeface="+mn-lt"/>
+              </a:rPr>
+              <a:t>карта</a:t>
+            </a:r>
+            <a:r>
+              <a:rPr lang="en-US" sz="2400" dirty="0">
+                <a:solidFill>
+                  <a:srgbClr val="D0CECE"/>
+                </a:solidFill>
+                <a:latin typeface="Montserrat Light"/>
+                <a:ea typeface="+mn-lt"/>
+                <a:cs typeface="+mn-lt"/>
+              </a:rPr>
+              <a:t>:</a:t>
+            </a:r>
+          </a:p>
+          <a:p>
+            <a:pPr marL="342900" indent="-342900">
+              <a:buFont typeface="Arial"/>
+              <a:buChar char="•"/>
+            </a:pPr>
+            <a:r>
+              <a:rPr lang="en-US" sz="2400" dirty="0" err="1">
+                <a:solidFill>
+                  <a:srgbClr val="D0CECE"/>
+                </a:solidFill>
+                <a:latin typeface="Montserrat Light"/>
+                <a:ea typeface="+mn-lt"/>
+                <a:cs typeface="+mn-lt"/>
+              </a:rPr>
+              <a:t>Подобряване</a:t>
+            </a:r>
+            <a:r>
+              <a:rPr lang="en-US" sz="2400" dirty="0">
+                <a:solidFill>
+                  <a:srgbClr val="D0CECE"/>
+                </a:solidFill>
+                <a:latin typeface="Montserrat Light"/>
+                <a:ea typeface="+mn-lt"/>
+                <a:cs typeface="+mn-lt"/>
+              </a:rPr>
+              <a:t> </a:t>
+            </a:r>
+            <a:r>
+              <a:rPr lang="en-US" sz="2400" dirty="0" err="1">
+                <a:solidFill>
+                  <a:srgbClr val="D0CECE"/>
+                </a:solidFill>
+                <a:latin typeface="Montserrat Light"/>
+                <a:ea typeface="+mn-lt"/>
+                <a:cs typeface="+mn-lt"/>
+              </a:rPr>
+              <a:t>на</a:t>
+            </a:r>
+            <a:r>
+              <a:rPr lang="en-US" sz="2400" dirty="0">
+                <a:solidFill>
+                  <a:srgbClr val="D0CECE"/>
+                </a:solidFill>
+                <a:latin typeface="Montserrat Light"/>
+                <a:ea typeface="+mn-lt"/>
+                <a:cs typeface="+mn-lt"/>
+              </a:rPr>
+              <a:t> </a:t>
+            </a:r>
+            <a:r>
+              <a:rPr lang="en-US" sz="2400" dirty="0" err="1">
+                <a:solidFill>
+                  <a:srgbClr val="D0CECE"/>
+                </a:solidFill>
+                <a:latin typeface="Montserrat Light"/>
+                <a:ea typeface="+mn-lt"/>
+                <a:cs typeface="+mn-lt"/>
+              </a:rPr>
+              <a:t>дизайна</a:t>
+            </a:r>
+            <a:r>
+              <a:rPr lang="en-US" sz="2400" dirty="0">
+                <a:solidFill>
+                  <a:srgbClr val="D0CECE"/>
+                </a:solidFill>
+                <a:latin typeface="Montserrat Light"/>
+                <a:ea typeface="+mn-lt"/>
+                <a:cs typeface="+mn-lt"/>
+              </a:rPr>
+              <a:t>:</a:t>
+            </a:r>
+          </a:p>
+          <a:p>
+            <a:pPr marL="342900" indent="-342900">
+              <a:buFont typeface="Arial"/>
+              <a:buChar char="•"/>
+            </a:pPr>
+            <a:r>
+              <a:rPr lang="en-US" sz="2400" dirty="0" err="1">
+                <a:solidFill>
+                  <a:srgbClr val="D0CECE"/>
+                </a:solidFill>
+                <a:latin typeface="Montserrat Light"/>
+                <a:ea typeface="+mn-lt"/>
+                <a:cs typeface="+mn-lt"/>
+              </a:rPr>
+              <a:t>Оптимизация</a:t>
+            </a:r>
+            <a:r>
+              <a:rPr lang="en-US" sz="2400" dirty="0">
+                <a:solidFill>
+                  <a:srgbClr val="D0CECE"/>
+                </a:solidFill>
+                <a:latin typeface="Montserrat Light"/>
+                <a:ea typeface="+mn-lt"/>
+                <a:cs typeface="+mn-lt"/>
+              </a:rPr>
+              <a:t> </a:t>
+            </a:r>
+            <a:r>
+              <a:rPr lang="en-US" sz="2400" dirty="0" err="1">
+                <a:solidFill>
+                  <a:srgbClr val="D0CECE"/>
+                </a:solidFill>
+                <a:latin typeface="Montserrat Light"/>
+                <a:ea typeface="+mn-lt"/>
+                <a:cs typeface="+mn-lt"/>
+              </a:rPr>
+              <a:t>на</a:t>
+            </a:r>
+            <a:r>
+              <a:rPr lang="en-US" sz="2400" dirty="0">
+                <a:solidFill>
+                  <a:srgbClr val="D0CECE"/>
+                </a:solidFill>
+                <a:latin typeface="Montserrat Light"/>
+                <a:ea typeface="+mn-lt"/>
+                <a:cs typeface="+mn-lt"/>
+              </a:rPr>
+              <a:t> </a:t>
+            </a:r>
+            <a:r>
+              <a:rPr lang="en-US" sz="2400" dirty="0" err="1">
+                <a:solidFill>
+                  <a:srgbClr val="D0CECE"/>
+                </a:solidFill>
+                <a:latin typeface="Montserrat Light"/>
+                <a:ea typeface="+mn-lt"/>
+                <a:cs typeface="+mn-lt"/>
+              </a:rPr>
+              <a:t>приложението</a:t>
+            </a:r>
+            <a:r>
+              <a:rPr lang="en-US" sz="2400" dirty="0">
+                <a:solidFill>
+                  <a:srgbClr val="D0CECE"/>
+                </a:solidFill>
+                <a:latin typeface="Montserrat Light"/>
+                <a:ea typeface="+mn-lt"/>
+                <a:cs typeface="+mn-lt"/>
+              </a:rPr>
+              <a:t>:</a:t>
+            </a:r>
+          </a:p>
+        </p:txBody>
+      </p:sp>
+      <p:sp>
+        <p:nvSpPr>
+          <p:cNvPr id="8" name="Google Shape;527;p36">
+            <a:extLst>
+              <a:ext uri="{FF2B5EF4-FFF2-40B4-BE49-F238E27FC236}">
+                <a16:creationId xmlns:a16="http://schemas.microsoft.com/office/drawing/2014/main" id="{2C302442-C980-1CDA-5A98-9E053FEC4DEF}"/>
+              </a:ext>
+            </a:extLst>
+          </p:cNvPr>
+          <p:cNvSpPr txBox="1">
+            <a:spLocks/>
+          </p:cNvSpPr>
+          <p:nvPr/>
+        </p:nvSpPr>
+        <p:spPr>
+          <a:xfrm>
+            <a:off x="6240" y="433273"/>
+            <a:ext cx="1228200" cy="954000"/>
+          </a:xfrm>
+          <a:prstGeom prst="rect">
+            <a:avLst/>
+          </a:prstGeom>
+        </p:spPr>
+        <p:txBody>
+          <a:bodyPr spcFirstLastPara="1" vert="horz" wrap="square" lIns="91425" tIns="45700" rIns="91425" bIns="91425" rtlCol="0" anchor="t" anchorCtr="0">
+            <a:noAutofit/>
+          </a:bodyPr>
+          <a:lstStyle>
+            <a:lvl1pPr algn="l" defTabSz="914400" rtl="0" eaLnBrk="1" latinLnBrk="0" hangingPunct="1">
+              <a:lnSpc>
+                <a:spcPct val="90000"/>
+              </a:lnSpc>
+              <a:spcBef>
+                <a:spcPct val="0"/>
+              </a:spcBef>
+              <a:buNone/>
+              <a:defRPr sz="4400" kern="1200">
+                <a:solidFill>
+                  <a:schemeClr val="tx1"/>
+                </a:solidFill>
+                <a:latin typeface="+mj-lt"/>
+                <a:ea typeface="+mj-ea"/>
+                <a:cs typeface="+mj-cs"/>
+              </a:defRPr>
+            </a:lvl1pPr>
+          </a:lstStyle>
+          <a:p>
+            <a:pPr algn="ctr">
+              <a:spcBef>
+                <a:spcPts val="0"/>
+              </a:spcBef>
+            </a:pPr>
+            <a:r>
+              <a:rPr lang="en" dirty="0">
+                <a:solidFill>
+                  <a:schemeClr val="bg2">
+                    <a:lumMod val="90000"/>
+                  </a:schemeClr>
+                </a:solidFill>
+                <a:latin typeface="Montserrat Black"/>
+              </a:rPr>
+              <a:t>04</a:t>
+            </a:r>
+            <a:endParaRPr lang="en" dirty="0">
               <a:solidFill>
                 <a:schemeClr val="bg2">
                   <a:lumMod val="90000"/>
                 </a:schemeClr>
               </a:solidFill>
               <a:latin typeface="Montserrat Black" panose="00000A00000000000000" pitchFamily="2" charset="-52"/>
-              <a:ea typeface="+mj-ea"/>
-              <a:cs typeface="+mj-cs"/>
             </a:endParaRPr>
           </a:p>
         </p:txBody>
       </p:sp>
-      <p:sp>
-        <p:nvSpPr>
-          <p:cNvPr id="6" name="TextBox 5">
-            <a:extLst>
-              <a:ext uri="{FF2B5EF4-FFF2-40B4-BE49-F238E27FC236}">
-                <a16:creationId xmlns:a16="http://schemas.microsoft.com/office/drawing/2014/main" id="{AFA92949-4972-45B0-8707-4807C44EF247}"/>
+    </p:spTree>
+    <p:extLst>
+      <p:ext uri="{BB962C8B-B14F-4D97-AF65-F5344CB8AC3E}">
+        <p14:creationId xmlns:p14="http://schemas.microsoft.com/office/powerpoint/2010/main" val="3475982564"/>
+      </p:ext>
+    </p:extLst>
+  </p:cSld>
+  <p:clrMapOvr>
+    <a:masterClrMapping/>
+  </p:clrMapOvr>
+  <mc:AlternateContent xmlns:mc="http://schemas.openxmlformats.org/markup-compatibility/2006">
+    <mc:Choice xmlns:p159="http://schemas.microsoft.com/office/powerpoint/2015/09/main" Requires="p159">
+      <p:transition xmlns:p14="http://schemas.microsoft.com/office/powerpoint/2010/main" spd="slow" p14:dur="2000">
+        <p159:morph option="byObject"/>
+      </p:transition>
+    </mc:Choice>
+    <mc:Fallback>
+      <p:transition spd="slow">
+        <p:fade/>
+      </p:transition>
+    </mc:Fallback>
+  </mc:AlternateContent>
+</p:sld>
+</file>
+
+<file path=ppt/slides/slide7.xml><?xml version="1.0" encoding="utf-8"?>
+<p:sld xmlns:a="http://schemas.openxmlformats.org/drawingml/2006/main" xmlns:r="http://schemas.openxmlformats.org/officeDocument/2006/relationships" xmlns:p="http://schemas.openxmlformats.org/presentationml/2006/main">
+  <p:cSld>
+    <p:spTree>
+      <p:nvGrpSpPr>
+        <p:cNvPr id="1" name=""/>
+        <p:cNvGrpSpPr/>
+        <p:nvPr/>
+      </p:nvGrpSpPr>
+      <p:grpSpPr>
+        <a:xfrm>
+          <a:off x="0" y="0"/>
+          <a:ext cx="0" cy="0"/>
+          <a:chOff x="0" y="0"/>
+          <a:chExt cx="0" cy="0"/>
+        </a:xfrm>
+      </p:grpSpPr>
+      <p:pic>
+        <p:nvPicPr>
+          <p:cNvPr id="4" name="Picture 3">
+            <a:extLst>
+              <a:ext uri="{FF2B5EF4-FFF2-40B4-BE49-F238E27FC236}">
+                <a16:creationId xmlns:a16="http://schemas.microsoft.com/office/drawing/2014/main" id="{F9FA9B99-B633-4D15-95F4-2DC9743D9A79}"/>
+              </a:ext>
+            </a:extLst>
+          </p:cNvPr>
+          <p:cNvPicPr>
+            <a:picLocks noChangeAspect="1"/>
+          </p:cNvPicPr>
+          <p:nvPr/>
+        </p:nvPicPr>
+        <p:blipFill>
+          <a:blip r:embed="rId2">
+            <a:extLst>
+              <a:ext uri="{28A0092B-C50C-407E-A947-70E740481C1C}">
+                <a14:useLocalDpi xmlns:a14="http://schemas.microsoft.com/office/drawing/2010/main" val="0"/>
+              </a:ext>
+            </a:extLst>
+          </a:blip>
+          <a:stretch>
+            <a:fillRect/>
+          </a:stretch>
+        </p:blipFill>
+        <p:spPr>
+          <a:xfrm rot="5400000">
+            <a:off x="2667000" y="-2666999"/>
+            <a:ext cx="6858000" cy="12192002"/>
+          </a:xfrm>
+          <a:prstGeom prst="rect">
+            <a:avLst/>
+          </a:prstGeom>
+        </p:spPr>
+      </p:pic>
+      <p:sp>
+        <p:nvSpPr>
+          <p:cNvPr id="9" name="Title 1">
+            <a:extLst>
+              <a:ext uri="{FF2B5EF4-FFF2-40B4-BE49-F238E27FC236}">
+                <a16:creationId xmlns:a16="http://schemas.microsoft.com/office/drawing/2014/main" id="{DBE1895B-E1FB-4BD0-A0BB-363B88525B8C}"/>
+              </a:ext>
+            </a:extLst>
+          </p:cNvPr>
+          <p:cNvSpPr>
+            <a:spLocks noGrp="1"/>
+          </p:cNvSpPr>
+          <p:nvPr>
+            <p:ph type="title"/>
+          </p:nvPr>
+        </p:nvSpPr>
+        <p:spPr>
+          <a:xfrm>
+            <a:off x="1234440" y="1"/>
+            <a:ext cx="9749419" cy="1310638"/>
+          </a:xfrm>
+        </p:spPr>
+        <p:txBody>
+          <a:bodyPr/>
+          <a:lstStyle/>
+          <a:p>
+            <a:pPr algn="ctr"/>
+            <a:r>
+              <a:rPr lang="ru-RU" dirty="0">
+                <a:solidFill>
+                  <a:schemeClr val="bg2">
+                    <a:lumMod val="90000"/>
+                  </a:schemeClr>
+                </a:solidFill>
+                <a:latin typeface="Montserrat Black" panose="00000A00000000000000" pitchFamily="2" charset="-52"/>
+              </a:rPr>
+              <a:t>ЗАКЛЮЧЕНИЕ</a:t>
+            </a:r>
+            <a:endParaRPr lang="en-US" dirty="0">
+              <a:solidFill>
+                <a:schemeClr val="bg2">
+                  <a:lumMod val="90000"/>
+                </a:schemeClr>
+              </a:solidFill>
+              <a:latin typeface="Montserrat Black" panose="00000A00000000000000" pitchFamily="2" charset="-52"/>
+            </a:endParaRPr>
+          </a:p>
+        </p:txBody>
+      </p:sp>
+      <p:cxnSp>
+        <p:nvCxnSpPr>
+          <p:cNvPr id="13" name="Straight Connector 12">
+            <a:extLst>
+              <a:ext uri="{FF2B5EF4-FFF2-40B4-BE49-F238E27FC236}">
+                <a16:creationId xmlns:a16="http://schemas.microsoft.com/office/drawing/2014/main" id="{153F6F7C-3B04-4E90-84F2-17BC24A9859B}"/>
+              </a:ext>
+            </a:extLst>
+          </p:cNvPr>
+          <p:cNvCxnSpPr>
+            <a:cxnSpLocks/>
+          </p:cNvCxnSpPr>
+          <p:nvPr/>
+        </p:nvCxnSpPr>
+        <p:spPr>
+          <a:xfrm>
+            <a:off x="1234440" y="0"/>
+            <a:ext cx="0" cy="6857998"/>
+          </a:xfrm>
+          <a:prstGeom prst="line">
+            <a:avLst/>
+          </a:prstGeom>
+        </p:spPr>
+        <p:style>
+          <a:lnRef idx="1">
+            <a:schemeClr val="accent3"/>
+          </a:lnRef>
+          <a:fillRef idx="0">
+            <a:schemeClr val="accent3"/>
+          </a:fillRef>
+          <a:effectRef idx="0">
+            <a:schemeClr val="accent3"/>
+          </a:effectRef>
+          <a:fontRef idx="minor">
+            <a:schemeClr val="tx1"/>
+          </a:fontRef>
+        </p:style>
+      </p:cxnSp>
+      <p:cxnSp>
+        <p:nvCxnSpPr>
+          <p:cNvPr id="17" name="Straight Connector 16">
+            <a:extLst>
+              <a:ext uri="{FF2B5EF4-FFF2-40B4-BE49-F238E27FC236}">
+                <a16:creationId xmlns:a16="http://schemas.microsoft.com/office/drawing/2014/main" id="{6A5C49B8-4836-4F47-8539-FB100016787A}"/>
+              </a:ext>
+            </a:extLst>
+          </p:cNvPr>
+          <p:cNvCxnSpPr>
+            <a:cxnSpLocks/>
+          </p:cNvCxnSpPr>
+          <p:nvPr/>
+        </p:nvCxnSpPr>
+        <p:spPr>
+          <a:xfrm>
+            <a:off x="0" y="1318260"/>
+            <a:ext cx="12192001" cy="0"/>
+          </a:xfrm>
+          <a:prstGeom prst="line">
+            <a:avLst/>
+          </a:prstGeom>
+        </p:spPr>
+        <p:style>
+          <a:lnRef idx="1">
+            <a:schemeClr val="accent3"/>
+          </a:lnRef>
+          <a:fillRef idx="0">
+            <a:schemeClr val="accent3"/>
+          </a:fillRef>
+          <a:effectRef idx="0">
+            <a:schemeClr val="accent3"/>
+          </a:effectRef>
+          <a:fontRef idx="minor">
+            <a:schemeClr val="tx1"/>
+          </a:fontRef>
+        </p:style>
+      </p:cxnSp>
+      <p:sp>
+        <p:nvSpPr>
+          <p:cNvPr id="26" name="Google Shape;527;p36">
+            <a:extLst>
+              <a:ext uri="{FF2B5EF4-FFF2-40B4-BE49-F238E27FC236}">
+                <a16:creationId xmlns:a16="http://schemas.microsoft.com/office/drawing/2014/main" id="{CF5054C9-DF20-439E-80A3-BE693A160A50}"/>
+              </a:ext>
+            </a:extLst>
+          </p:cNvPr>
+          <p:cNvSpPr txBox="1">
+            <a:spLocks/>
+          </p:cNvSpPr>
+          <p:nvPr/>
+        </p:nvSpPr>
+        <p:spPr>
+          <a:xfrm>
+            <a:off x="6240" y="433273"/>
+            <a:ext cx="1228200" cy="954000"/>
+          </a:xfrm>
+          <a:prstGeom prst="rect">
+            <a:avLst/>
+          </a:prstGeom>
+        </p:spPr>
+        <p:txBody>
+          <a:bodyPr spcFirstLastPara="1" vert="horz" wrap="square" lIns="91425" tIns="45700" rIns="91425" bIns="91425" rtlCol="0" anchor="t" anchorCtr="0">
+            <a:noAutofit/>
+          </a:bodyPr>
+          <a:lstStyle>
+            <a:lvl1pPr algn="l" defTabSz="914400" rtl="0" eaLnBrk="1" latinLnBrk="0" hangingPunct="1">
+              <a:lnSpc>
+                <a:spcPct val="90000"/>
+              </a:lnSpc>
+              <a:spcBef>
+                <a:spcPct val="0"/>
+              </a:spcBef>
+              <a:buNone/>
+              <a:defRPr sz="4400" kern="1200">
+                <a:solidFill>
+                  <a:schemeClr val="tx1"/>
+                </a:solidFill>
+                <a:latin typeface="+mj-lt"/>
+                <a:ea typeface="+mj-ea"/>
+                <a:cs typeface="+mj-cs"/>
+              </a:defRPr>
+            </a:lvl1pPr>
+          </a:lstStyle>
+          <a:p>
+            <a:pPr algn="ctr">
+              <a:spcBef>
+                <a:spcPts val="0"/>
+              </a:spcBef>
+            </a:pPr>
+            <a:r>
+              <a:rPr lang="en" dirty="0">
+                <a:solidFill>
+                  <a:schemeClr val="bg2">
+                    <a:lumMod val="90000"/>
+                  </a:schemeClr>
+                </a:solidFill>
+                <a:latin typeface="Montserrat Black"/>
+              </a:rPr>
+              <a:t>05</a:t>
+            </a:r>
+            <a:endParaRPr lang="en" dirty="0">
+              <a:solidFill>
+                <a:schemeClr val="bg2">
+                  <a:lumMod val="90000"/>
+                </a:schemeClr>
+              </a:solidFill>
+              <a:latin typeface="Montserrat Black" panose="00000A00000000000000" pitchFamily="2" charset="-52"/>
+            </a:endParaRPr>
+          </a:p>
+        </p:txBody>
+      </p:sp>
+      <p:sp>
+        <p:nvSpPr>
+          <p:cNvPr id="27" name="Title 1">
+            <a:extLst>
+              <a:ext uri="{FF2B5EF4-FFF2-40B4-BE49-F238E27FC236}">
+                <a16:creationId xmlns:a16="http://schemas.microsoft.com/office/drawing/2014/main" id="{B0792621-F964-48D8-87E0-46E64D1061BA}"/>
+              </a:ext>
+            </a:extLst>
+          </p:cNvPr>
+          <p:cNvSpPr txBox="1">
+            <a:spLocks/>
+          </p:cNvSpPr>
+          <p:nvPr/>
+        </p:nvSpPr>
+        <p:spPr>
+          <a:xfrm rot="16200000">
+            <a:off x="-1689647" y="3007908"/>
+            <a:ext cx="4613737" cy="1234439"/>
+          </a:xfrm>
+          <a:prstGeom prst="rect">
+            <a:avLst/>
+          </a:prstGeom>
+        </p:spPr>
+        <p:txBody>
+          <a:bodyPr vert="wordArtVert" lIns="91440" tIns="45720" rIns="91440" bIns="45720" rtlCol="0" anchor="ctr">
+            <a:normAutofit/>
+          </a:bodyPr>
+          <a:lstStyle>
+            <a:lvl1pPr algn="l" defTabSz="914400" rtl="0" eaLnBrk="1" latinLnBrk="0" hangingPunct="1">
+              <a:lnSpc>
+                <a:spcPct val="90000"/>
+              </a:lnSpc>
+              <a:spcBef>
+                <a:spcPct val="0"/>
+              </a:spcBef>
+              <a:buNone/>
+              <a:defRPr sz="4400" kern="1200">
+                <a:solidFill>
+                  <a:schemeClr val="tx1"/>
+                </a:solidFill>
+                <a:latin typeface="+mj-lt"/>
+                <a:ea typeface="+mj-ea"/>
+                <a:cs typeface="+mj-cs"/>
+              </a:defRPr>
+            </a:lvl1pPr>
+          </a:lstStyle>
+          <a:p>
+            <a:pPr algn="ctr"/>
+            <a:r>
+              <a:rPr lang="en-US" sz="3200" b="1" dirty="0">
+                <a:solidFill>
+                  <a:schemeClr val="bg2">
+                    <a:lumMod val="90000"/>
+                  </a:schemeClr>
+                </a:solidFill>
+                <a:latin typeface="Montserrat Black" panose="00000A00000000000000" pitchFamily="2" charset="-52"/>
+              </a:rPr>
+              <a:t>SPENDLY</a:t>
+            </a:r>
+            <a:endParaRPr lang="bg-BG" sz="3200" b="1" dirty="0">
+              <a:solidFill>
+                <a:schemeClr val="bg2">
+                  <a:lumMod val="90000"/>
+                </a:schemeClr>
+              </a:solidFill>
+              <a:latin typeface="Montserrat Black" panose="00000A00000000000000" pitchFamily="2" charset="-52"/>
+            </a:endParaRPr>
+          </a:p>
+        </p:txBody>
+      </p:sp>
+      <p:cxnSp>
+        <p:nvCxnSpPr>
+          <p:cNvPr id="12" name="Straight Connector 11">
+            <a:extLst>
+              <a:ext uri="{FF2B5EF4-FFF2-40B4-BE49-F238E27FC236}">
+                <a16:creationId xmlns:a16="http://schemas.microsoft.com/office/drawing/2014/main" id="{403CCE91-1BF6-4D22-B9BA-FFE159035542}"/>
+              </a:ext>
+            </a:extLst>
+          </p:cNvPr>
+          <p:cNvCxnSpPr>
+            <a:cxnSpLocks/>
+          </p:cNvCxnSpPr>
+          <p:nvPr/>
+        </p:nvCxnSpPr>
+        <p:spPr>
+          <a:xfrm>
+            <a:off x="10972800" y="0"/>
+            <a:ext cx="0" cy="6857998"/>
+          </a:xfrm>
+          <a:prstGeom prst="line">
+            <a:avLst/>
+          </a:prstGeom>
+        </p:spPr>
+        <p:style>
+          <a:lnRef idx="1">
+            <a:schemeClr val="accent3"/>
+          </a:lnRef>
+          <a:fillRef idx="0">
+            <a:schemeClr val="accent3"/>
+          </a:fillRef>
+          <a:effectRef idx="0">
+            <a:schemeClr val="accent3"/>
+          </a:effectRef>
+          <a:fontRef idx="minor">
+            <a:schemeClr val="tx1"/>
+          </a:fontRef>
+        </p:style>
+      </p:cxnSp>
+      <p:sp>
+        <p:nvSpPr>
+          <p:cNvPr id="14" name="Title 1">
+            <a:extLst>
+              <a:ext uri="{FF2B5EF4-FFF2-40B4-BE49-F238E27FC236}">
+                <a16:creationId xmlns:a16="http://schemas.microsoft.com/office/drawing/2014/main" id="{30CCAF8F-4D3D-4B72-B54C-D417F1ABC1A9}"/>
+              </a:ext>
+            </a:extLst>
+          </p:cNvPr>
+          <p:cNvSpPr txBox="1">
+            <a:spLocks/>
+          </p:cNvSpPr>
+          <p:nvPr/>
+        </p:nvSpPr>
+        <p:spPr>
+          <a:xfrm rot="5400000">
+            <a:off x="9275904" y="3004099"/>
+            <a:ext cx="4606116" cy="1234439"/>
+          </a:xfrm>
+          <a:prstGeom prst="rect">
+            <a:avLst/>
+          </a:prstGeom>
+        </p:spPr>
+        <p:txBody>
+          <a:bodyPr vert="wordArtVert" lIns="91440" tIns="45720" rIns="91440" bIns="45720" rtlCol="0" anchor="ctr">
+            <a:normAutofit/>
+          </a:bodyPr>
+          <a:lstStyle>
+            <a:lvl1pPr algn="l" defTabSz="914400" rtl="0" eaLnBrk="1" latinLnBrk="0" hangingPunct="1">
+              <a:lnSpc>
+                <a:spcPct val="90000"/>
+              </a:lnSpc>
+              <a:spcBef>
+                <a:spcPct val="0"/>
+              </a:spcBef>
+              <a:buNone/>
+              <a:defRPr sz="4400" kern="1200">
+                <a:solidFill>
+                  <a:schemeClr val="tx1"/>
+                </a:solidFill>
+                <a:latin typeface="+mj-lt"/>
+                <a:ea typeface="+mj-ea"/>
+                <a:cs typeface="+mj-cs"/>
+              </a:defRPr>
+            </a:lvl1pPr>
+          </a:lstStyle>
+          <a:p>
+            <a:pPr algn="ctr"/>
+            <a:r>
+              <a:rPr lang="en-US" sz="3200" b="1" dirty="0">
+                <a:solidFill>
+                  <a:schemeClr val="bg2">
+                    <a:lumMod val="90000"/>
+                  </a:schemeClr>
+                </a:solidFill>
+                <a:latin typeface="Montserrat Black" panose="00000A00000000000000" pitchFamily="2" charset="-52"/>
+              </a:rPr>
+              <a:t>SPENDLY</a:t>
+            </a:r>
+            <a:endParaRPr lang="bg-BG" sz="3200" b="1" dirty="0">
+              <a:solidFill>
+                <a:schemeClr val="bg2">
+                  <a:lumMod val="90000"/>
+                </a:schemeClr>
+              </a:solidFill>
+              <a:latin typeface="Montserrat Black" panose="00000A00000000000000" pitchFamily="2" charset="-52"/>
+            </a:endParaRPr>
+          </a:p>
+        </p:txBody>
+      </p:sp>
+      <p:pic>
+        <p:nvPicPr>
+          <p:cNvPr id="15" name="Picture 14">
+            <a:extLst>
+              <a:ext uri="{FF2B5EF4-FFF2-40B4-BE49-F238E27FC236}">
+                <a16:creationId xmlns:a16="http://schemas.microsoft.com/office/drawing/2014/main" id="{7A660762-5E96-4FE0-A13C-1B8BC29C6D0F}"/>
+              </a:ext>
+            </a:extLst>
+          </p:cNvPr>
+          <p:cNvPicPr>
+            <a:picLocks noChangeAspect="1"/>
+          </p:cNvPicPr>
+          <p:nvPr/>
+        </p:nvPicPr>
+        <p:blipFill>
+          <a:blip r:embed="rId3">
+            <a:extLst>
+              <a:ext uri="{28A0092B-C50C-407E-A947-70E740481C1C}">
+                <a14:useLocalDpi xmlns:a14="http://schemas.microsoft.com/office/drawing/2010/main" val="0"/>
+              </a:ext>
+            </a:extLst>
+          </a:blip>
+          <a:stretch>
+            <a:fillRect/>
+          </a:stretch>
+        </p:blipFill>
+        <p:spPr>
+          <a:xfrm>
+            <a:off x="11147627" y="234882"/>
+            <a:ext cx="862669" cy="848498"/>
+          </a:xfrm>
+          <a:prstGeom prst="rect">
+            <a:avLst/>
+          </a:prstGeom>
+        </p:spPr>
+      </p:pic>
+      <p:cxnSp>
+        <p:nvCxnSpPr>
+          <p:cNvPr id="16" name="Straight Connector 15">
+            <a:extLst>
+              <a:ext uri="{FF2B5EF4-FFF2-40B4-BE49-F238E27FC236}">
+                <a16:creationId xmlns:a16="http://schemas.microsoft.com/office/drawing/2014/main" id="{FD507A93-F69C-4846-A870-796F11161FC8}"/>
+              </a:ext>
+            </a:extLst>
+          </p:cNvPr>
+          <p:cNvCxnSpPr>
+            <a:cxnSpLocks/>
+          </p:cNvCxnSpPr>
+          <p:nvPr/>
+        </p:nvCxnSpPr>
+        <p:spPr>
+          <a:xfrm>
+            <a:off x="0" y="5924375"/>
+            <a:ext cx="12192001" cy="0"/>
+          </a:xfrm>
+          <a:prstGeom prst="line">
+            <a:avLst/>
+          </a:prstGeom>
+        </p:spPr>
+        <p:style>
+          <a:lnRef idx="1">
+            <a:schemeClr val="accent3"/>
+          </a:lnRef>
+          <a:fillRef idx="0">
+            <a:schemeClr val="accent3"/>
+          </a:fillRef>
+          <a:effectRef idx="0">
+            <a:schemeClr val="accent3"/>
+          </a:effectRef>
+          <a:fontRef idx="minor">
+            <a:schemeClr val="tx1"/>
+          </a:fontRef>
+        </p:style>
+      </p:cxnSp>
+      <p:sp>
+        <p:nvSpPr>
+          <p:cNvPr id="18" name="TextBox 17">
+            <a:extLst>
+              <a:ext uri="{FF2B5EF4-FFF2-40B4-BE49-F238E27FC236}">
+                <a16:creationId xmlns:a16="http://schemas.microsoft.com/office/drawing/2014/main" id="{3E2D3532-A12B-491B-9061-2161ECFE2798}"/>
               </a:ext>
             </a:extLst>
           </p:cNvPr>
@@ -7569,8 +9325,8 @@
         </p:nvSpPr>
         <p:spPr>
           <a:xfrm>
-            <a:off x="1502516" y="3305888"/>
-            <a:ext cx="5338765" cy="1323439"/>
+            <a:off x="2021392" y="2151726"/>
+            <a:ext cx="8175514" cy="2308324"/>
           </a:xfrm>
           <a:prstGeom prst="rect">
             <a:avLst/>
@@ -7578,46 +9334,117 @@
           <a:noFill/>
         </p:spPr>
         <p:txBody>
-          <a:bodyPr wrap="square" rtlCol="0">
+          <a:bodyPr wrap="square">
             <a:spAutoFit/>
           </a:bodyPr>
           <a:lstStyle/>
           <a:p>
             <a:pPr algn="ctr"/>
             <a:r>
-              <a:rPr lang="en-US" sz="4000" b="1" dirty="0">
+              <a:rPr lang="ru-RU" sz="1800" b="0" i="0" u="none" strike="noStrike" dirty="0">
                 <a:solidFill>
                   <a:srgbClr val="D0CECE"/>
                 </a:solidFill>
+                <a:effectLst/>
                 <a:latin typeface="Montserrat Light" panose="00000400000000000000" pitchFamily="2" charset="0"/>
               </a:rPr>
-              <a:t>Landing page</a:t>
-            </a:r>
-            <a:r>
-              <a:rPr lang="ru-RU" sz="4000" b="1" dirty="0">
-                <a:solidFill>
-                  <a:srgbClr val="D0CECE"/>
-                </a:solidFill>
+              <a:t>Спендли предлага удобно решение за управление на разходите, като автоматизира процеса на събиране и съхранение на касови бележки. Приложението вече е в процес на тестване от ограничен брой потребители, като резултатите показват значително улеснение при проследяването на разходите. В бъдеще има възможност за добавяне на функционалности като автоматично генериране на графики на разходите и интеграция с други финансови приложения.</a:t>
+            </a:r>
+            <a:r>
+              <a:rPr lang="ru-RU" sz="1800" b="0" i="0" dirty="0">
+                <a:solidFill>
+                  <a:srgbClr val="000000"/>
+                </a:solidFill>
+                <a:effectLst/>
                 <a:latin typeface="Montserrat Light" panose="00000400000000000000" pitchFamily="2" charset="0"/>
               </a:rPr>
-              <a:t> на приложението</a:t>
-            </a:r>
-            <a:r>
-              <a:rPr lang="en-US" sz="4000" b="1" dirty="0">
-                <a:solidFill>
-                  <a:srgbClr val="D0CECE"/>
-                </a:solidFill>
-                <a:latin typeface="Montserrat Light" panose="00000400000000000000" pitchFamily="2" charset="0"/>
-              </a:rPr>
-              <a:t>:</a:t>
-            </a:r>
+              <a:t>​</a:t>
+            </a:r>
+            <a:endParaRPr lang="bg-BG" sz="2000" dirty="0">
+              <a:solidFill>
+                <a:schemeClr val="bg2">
+                  <a:lumMod val="90000"/>
+                </a:schemeClr>
+              </a:solidFill>
+              <a:latin typeface="Montserrat Light" panose="00000400000000000000" pitchFamily="2" charset="-52"/>
+            </a:endParaRPr>
+          </a:p>
+        </p:txBody>
+      </p:sp>
+      <p:sp>
+        <p:nvSpPr>
+          <p:cNvPr id="19" name="Title 1">
+            <a:extLst>
+              <a:ext uri="{FF2B5EF4-FFF2-40B4-BE49-F238E27FC236}">
+                <a16:creationId xmlns:a16="http://schemas.microsoft.com/office/drawing/2014/main" id="{FE772B96-31F3-414D-82A9-155E507CDF4C}"/>
+              </a:ext>
+            </a:extLst>
+          </p:cNvPr>
+          <p:cNvSpPr txBox="1">
+            <a:spLocks/>
+          </p:cNvSpPr>
+          <p:nvPr/>
+        </p:nvSpPr>
+        <p:spPr>
+          <a:xfrm>
+            <a:off x="1234439" y="1"/>
+            <a:ext cx="9749419" cy="1310638"/>
+          </a:xfrm>
+          <a:prstGeom prst="rect">
+            <a:avLst/>
+          </a:prstGeom>
+        </p:spPr>
+        <p:txBody>
+          <a:bodyPr vert="horz" lIns="91440" tIns="45720" rIns="91440" bIns="45720" rtlCol="0" anchor="ctr">
+            <a:normAutofit/>
+          </a:bodyPr>
+          <a:lstStyle>
+            <a:lvl1pPr algn="l" defTabSz="914400" rtl="0" eaLnBrk="1" latinLnBrk="0" hangingPunct="1">
+              <a:lnSpc>
+                <a:spcPct val="90000"/>
+              </a:lnSpc>
+              <a:spcBef>
+                <a:spcPct val="0"/>
+              </a:spcBef>
+              <a:buNone/>
+              <a:defRPr sz="4400" kern="1200">
+                <a:solidFill>
+                  <a:schemeClr val="tx1"/>
+                </a:solidFill>
+                <a:latin typeface="+mj-lt"/>
+                <a:ea typeface="+mj-ea"/>
+                <a:cs typeface="+mj-cs"/>
+              </a:defRPr>
+            </a:lvl1pPr>
+          </a:lstStyle>
+          <a:p>
+            <a:pPr algn="ctr"/>
+            <a:r>
+              <a:rPr lang="ru-RU" dirty="0">
+                <a:solidFill>
+                  <a:schemeClr val="bg2">
+                    <a:lumMod val="90000"/>
+                  </a:schemeClr>
+                </a:solidFill>
+                <a:latin typeface="Montserrat Black" panose="00000A00000000000000" pitchFamily="2" charset="-52"/>
+              </a:rPr>
+              <a:t>ЗАКЛЮЧЕНИЕ</a:t>
+            </a:r>
+            <a:endParaRPr lang="en-US" dirty="0">
+              <a:solidFill>
+                <a:schemeClr val="bg2">
+                  <a:lumMod val="90000"/>
+                </a:schemeClr>
+              </a:solidFill>
+              <a:latin typeface="Montserrat Black" panose="00000A00000000000000" pitchFamily="2" charset="-52"/>
+            </a:endParaRPr>
           </a:p>
         </p:txBody>
       </p:sp>
     </p:spTree>
     <p:extLst>
       <p:ext uri="{BB962C8B-B14F-4D97-AF65-F5344CB8AC3E}">
-        <p14:creationId xmlns:p14="http://schemas.microsoft.com/office/powerpoint/2010/main" val="3167994889"/>
+        <p14:creationId xmlns:p14="http://schemas.microsoft.com/office/powerpoint/2010/main" val="1320610635"/>
       </p:ext>
     </p:extLst>
   </p:cSld>
@@ -7631,6 +9458,162 @@
       </p:transition>
     </mc:Choice>
     <mc:Fallback xmlns="">
+      <p:transition spd="slow">
+        <p:fade/>
+      </p:transition>
+    </mc:Fallback>
+  </mc:AlternateContent>
+</p:sld>
+</file>
+
+<file path=ppt/slides/slide8.xml><?xml version="1.0" encoding="utf-8"?>
+<p:sld xmlns:a="http://schemas.openxmlformats.org/drawingml/2006/main" xmlns:r="http://schemas.openxmlformats.org/officeDocument/2006/relationships" xmlns:p="http://schemas.openxmlformats.org/presentationml/2006/main">
+  <p:cSld>
+    <p:spTree>
+      <p:nvGrpSpPr>
+        <p:cNvPr id="1" name=""/>
+        <p:cNvGrpSpPr/>
+        <p:nvPr/>
+      </p:nvGrpSpPr>
+      <p:grpSpPr>
+        <a:xfrm>
+          <a:off x="0" y="0"/>
+          <a:ext cx="0" cy="0"/>
+          <a:chOff x="0" y="0"/>
+          <a:chExt cx="0" cy="0"/>
+        </a:xfrm>
+      </p:grpSpPr>
+      <p:pic>
+        <p:nvPicPr>
+          <p:cNvPr id="5" name="Picture 4">
+            <a:extLst>
+              <a:ext uri="{FF2B5EF4-FFF2-40B4-BE49-F238E27FC236}">
+                <a16:creationId xmlns:a16="http://schemas.microsoft.com/office/drawing/2014/main" id="{25B37D16-3600-44B5-B096-E5CCCB66595D}"/>
+              </a:ext>
+            </a:extLst>
+          </p:cNvPr>
+          <p:cNvPicPr>
+            <a:picLocks noChangeAspect="1"/>
+          </p:cNvPicPr>
+          <p:nvPr/>
+        </p:nvPicPr>
+        <p:blipFill>
+          <a:blip r:embed="rId2">
+            <a:extLst>
+              <a:ext uri="{28A0092B-C50C-407E-A947-70E740481C1C}">
+                <a14:useLocalDpi xmlns:a14="http://schemas.microsoft.com/office/drawing/2010/main" val="0"/>
+              </a:ext>
+            </a:extLst>
+          </a:blip>
+          <a:stretch>
+            <a:fillRect/>
+          </a:stretch>
+        </p:blipFill>
+        <p:spPr>
+          <a:xfrm rot="5400000">
+            <a:off x="2667000" y="-2666999"/>
+            <a:ext cx="6858000" cy="12192002"/>
+          </a:xfrm>
+          <a:prstGeom prst="rect">
+            <a:avLst/>
+          </a:prstGeom>
+        </p:spPr>
+      </p:pic>
+      <p:sp>
+        <p:nvSpPr>
+          <p:cNvPr id="2" name="Title 1">
+            <a:extLst>
+              <a:ext uri="{FF2B5EF4-FFF2-40B4-BE49-F238E27FC236}">
+                <a16:creationId xmlns:a16="http://schemas.microsoft.com/office/drawing/2014/main" id="{73580504-6E25-469A-87A8-10F25BE42050}"/>
+              </a:ext>
+            </a:extLst>
+          </p:cNvPr>
+          <p:cNvSpPr>
+            <a:spLocks noGrp="1"/>
+          </p:cNvSpPr>
+          <p:nvPr>
+            <p:ph type="ctrTitle"/>
+          </p:nvPr>
+        </p:nvSpPr>
+        <p:spPr>
+          <a:xfrm>
+            <a:off x="1523998" y="3423741"/>
+            <a:ext cx="9144000" cy="2387600"/>
+          </a:xfrm>
+        </p:spPr>
+        <p:txBody>
+          <a:bodyPr>
+            <a:normAutofit/>
+          </a:bodyPr>
+          <a:lstStyle/>
+          <a:p>
+            <a:r>
+              <a:rPr lang="en-US" sz="4400" b="1" dirty="0">
+                <a:solidFill>
+                  <a:schemeClr val="bg2">
+                    <a:lumMod val="90000"/>
+                  </a:schemeClr>
+                </a:solidFill>
+                <a:latin typeface="Montserrat Black"/>
+              </a:rPr>
+              <a:t>БЛАГОДАРИМ ЗА ВНИМАНИЕТО!</a:t>
+            </a:r>
+          </a:p>
+        </p:txBody>
+      </p:sp>
+      <p:pic>
+        <p:nvPicPr>
+          <p:cNvPr id="7" name="Picture 6">
+            <a:extLst>
+              <a:ext uri="{FF2B5EF4-FFF2-40B4-BE49-F238E27FC236}">
+                <a16:creationId xmlns:a16="http://schemas.microsoft.com/office/drawing/2014/main" id="{891AD560-3DB9-441C-B719-237B1C616C77}"/>
+              </a:ext>
+            </a:extLst>
+          </p:cNvPr>
+          <p:cNvPicPr>
+            <a:picLocks noChangeAspect="1"/>
+          </p:cNvPicPr>
+          <p:nvPr/>
+        </p:nvPicPr>
+        <p:blipFill>
+          <a:blip r:embed="rId3">
+            <a:extLst>
+              <a:ext uri="{28A0092B-C50C-407E-A947-70E740481C1C}">
+                <a14:useLocalDpi xmlns:a14="http://schemas.microsoft.com/office/drawing/2010/main" val="0"/>
+              </a:ext>
+            </a:extLst>
+          </a:blip>
+          <a:stretch>
+            <a:fillRect/>
+          </a:stretch>
+        </p:blipFill>
+        <p:spPr>
+          <a:xfrm>
+            <a:off x="4689647" y="1431391"/>
+            <a:ext cx="2812703" cy="2766498"/>
+          </a:xfrm>
+          <a:prstGeom prst="rect">
+            <a:avLst/>
+          </a:prstGeom>
+        </p:spPr>
+      </p:pic>
+    </p:spTree>
+    <p:extLst>
+      <p:ext uri="{BB962C8B-B14F-4D97-AF65-F5344CB8AC3E}">
+        <p14:creationId xmlns:p14="http://schemas.microsoft.com/office/powerpoint/2010/main" val="724618658"/>
+      </p:ext>
+    </p:extLst>
+  </p:cSld>
+  <p:clrMapOvr>
+    <a:masterClrMapping/>
+  </p:clrMapOvr>
+  <mc:AlternateContent xmlns:mc="http://schemas.openxmlformats.org/markup-compatibility/2006">
+    <mc:Choice xmlns:p159="http://schemas.microsoft.com/office/powerpoint/2015/09/main" Requires="p159">
+      <p:transition xmlns:p14="http://schemas.microsoft.com/office/powerpoint/2010/main" spd="slow" p14:dur="2000">
+        <p159:morph option="byObject"/>
+      </p:transition>
+    </mc:Choice>
+    <mc:Fallback>
       <p:transition spd="slow">
         <p:fade/>
       </p:transition>
